--- a/Documentation/Machine Rental System powerpoint.pptx
+++ b/Documentation/Machine Rental System powerpoint.pptx
@@ -9,9 +9,10 @@
     <p:sldId id="257" r:id="rId3"/>
     <p:sldId id="258" r:id="rId4"/>
     <p:sldId id="259" r:id="rId5"/>
-    <p:sldId id="260" r:id="rId6"/>
-    <p:sldId id="261" r:id="rId7"/>
-    <p:sldId id="262" r:id="rId8"/>
+    <p:sldId id="263" r:id="rId6"/>
+    <p:sldId id="260" r:id="rId7"/>
+    <p:sldId id="261" r:id="rId8"/>
+    <p:sldId id="262" r:id="rId9"/>
   </p:sldIdLst>
   <p:sldSz cx="12192000" cy="6858000"/>
   <p:notesSz cx="6858000" cy="9144000"/>
@@ -4056,7 +4057,7 @@
         </p:nvSpPr>
         <p:spPr>
           <a:xfrm>
-            <a:off x="972405" y="2047222"/>
+            <a:off x="1024487" y="2124986"/>
             <a:ext cx="921841" cy="462641"/>
           </a:xfrm>
           <a:prstGeom prst="rect">
@@ -4110,7 +4111,7 @@
         </p:nvSpPr>
         <p:spPr>
           <a:xfrm>
-            <a:off x="995433" y="3887843"/>
+            <a:off x="1024487" y="4504033"/>
             <a:ext cx="817675" cy="532386"/>
           </a:xfrm>
           <a:prstGeom prst="rect">
@@ -4152,8 +4153,21 @@
                   <a:schemeClr val="bg1"/>
                 </a:solidFill>
               </a:rPr>
-              <a:t>04</a:t>
-            </a:r>
+              <a:t>0</a:t>
+            </a:r>
+            <a:r>
+              <a:rPr lang="en-NL" dirty="0">
+                <a:solidFill>
+                  <a:schemeClr val="bg1"/>
+                </a:solidFill>
+              </a:rPr>
+              <a:t>5</a:t>
+            </a:r>
+            <a:endParaRPr lang="en" dirty="0">
+              <a:solidFill>
+                <a:schemeClr val="bg1"/>
+              </a:solidFill>
+            </a:endParaRPr>
           </a:p>
         </p:txBody>
       </p:sp>
@@ -4236,7 +4250,7 @@
         </p:nvSpPr>
         <p:spPr>
           <a:xfrm>
-            <a:off x="1002208" y="3321155"/>
+            <a:off x="1024487" y="3936016"/>
             <a:ext cx="787871" cy="447597"/>
           </a:xfrm>
           <a:prstGeom prst="rect">
@@ -4278,8 +4292,21 @@
                   <a:schemeClr val="bg1"/>
                 </a:solidFill>
               </a:rPr>
-              <a:t>03</a:t>
-            </a:r>
+              <a:t>0</a:t>
+            </a:r>
+            <a:r>
+              <a:rPr lang="en-NL" dirty="0">
+                <a:solidFill>
+                  <a:schemeClr val="bg1"/>
+                </a:solidFill>
+              </a:rPr>
+              <a:t>4</a:t>
+            </a:r>
+            <a:endParaRPr lang="en" dirty="0">
+              <a:solidFill>
+                <a:schemeClr val="bg1"/>
+              </a:solidFill>
+            </a:endParaRPr>
           </a:p>
         </p:txBody>
       </p:sp>
@@ -4299,7 +4326,7 @@
         </p:nvSpPr>
         <p:spPr>
           <a:xfrm>
-            <a:off x="1813109" y="2121807"/>
+            <a:off x="1790079" y="2186809"/>
             <a:ext cx="3776400" cy="447600"/>
           </a:xfrm>
           <a:prstGeom prst="rect">
@@ -4721,7 +4748,7 @@
         </p:nvSpPr>
         <p:spPr>
           <a:xfrm>
-            <a:off x="1813109" y="3321152"/>
+            <a:off x="1790079" y="4011025"/>
             <a:ext cx="3776400" cy="447600"/>
           </a:xfrm>
           <a:prstGeom prst="rect">
@@ -4932,7 +4959,7 @@
         </p:nvSpPr>
         <p:spPr>
           <a:xfrm>
-            <a:off x="1813155" y="3981617"/>
+            <a:off x="1790079" y="4598881"/>
             <a:ext cx="3944016" cy="447600"/>
           </a:xfrm>
           <a:prstGeom prst="rect">
@@ -5143,7 +5170,7 @@
         </p:nvSpPr>
         <p:spPr>
           <a:xfrm>
-            <a:off x="1002208" y="4457714"/>
+            <a:off x="1002208" y="5114198"/>
             <a:ext cx="840703" cy="517371"/>
           </a:xfrm>
           <a:prstGeom prst="rect">
@@ -5413,8 +5440,23 @@
                 </a:solidFill>
                 <a:latin typeface="Calibri Light (Headings)"/>
               </a:rPr>
-              <a:t>05</a:t>
-            </a:r>
+              <a:t>0</a:t>
+            </a:r>
+            <a:r>
+              <a:rPr lang="en-NL" sz="4400" dirty="0">
+                <a:solidFill>
+                  <a:schemeClr val="bg1"/>
+                </a:solidFill>
+                <a:latin typeface="Calibri Light (Headings)"/>
+              </a:rPr>
+              <a:t>6</a:t>
+            </a:r>
+            <a:endParaRPr lang="en" sz="4400" dirty="0">
+              <a:solidFill>
+                <a:schemeClr val="bg1"/>
+              </a:solidFill>
+              <a:latin typeface="Calibri Light (Headings)"/>
+            </a:endParaRPr>
           </a:p>
         </p:txBody>
       </p:sp>
@@ -5434,7 +5476,7 @@
         </p:nvSpPr>
         <p:spPr>
           <a:xfrm>
-            <a:off x="1813109" y="4609093"/>
+            <a:off x="1813109" y="5218271"/>
             <a:ext cx="3776400" cy="447600"/>
           </a:xfrm>
           <a:prstGeom prst="rect">
@@ -5682,6 +5724,286 @@
               <a:ea typeface="Cabin"/>
               <a:cs typeface="Cabin"/>
               <a:sym typeface="Cabin"/>
+            </a:endParaRPr>
+          </a:p>
+        </p:txBody>
+      </p:sp>
+      <p:sp>
+        <p:nvSpPr>
+          <p:cNvPr id="2" name="Google Shape;230;p30">
+            <a:extLst>
+              <a:ext uri="{FF2B5EF4-FFF2-40B4-BE49-F238E27FC236}">
+                <a16:creationId xmlns:a16="http://schemas.microsoft.com/office/drawing/2014/main" id="{0142D3DF-45E7-02D9-57C6-9513854762F3}"/>
+              </a:ext>
+            </a:extLst>
+          </p:cNvPr>
+          <p:cNvSpPr txBox="1">
+            <a:spLocks/>
+          </p:cNvSpPr>
+          <p:nvPr/>
+        </p:nvSpPr>
+        <p:spPr>
+          <a:xfrm>
+            <a:off x="1024487" y="3349547"/>
+            <a:ext cx="787871" cy="447597"/>
+          </a:xfrm>
+          <a:prstGeom prst="rect">
+            <a:avLst/>
+          </a:prstGeom>
+        </p:spPr>
+        <p:txBody>
+          <a:bodyPr spcFirstLastPara="1" wrap="square" lIns="91425" tIns="91425" rIns="91425" bIns="91425" anchor="ctr" anchorCtr="0">
+            <a:noAutofit/>
+          </a:bodyPr>
+          <a:lstStyle>
+            <a:lvl1pPr algn="l" defTabSz="914400" rtl="0" eaLnBrk="1" latinLnBrk="0" hangingPunct="1">
+              <a:lnSpc>
+                <a:spcPct val="90000"/>
+              </a:lnSpc>
+              <a:spcBef>
+                <a:spcPct val="0"/>
+              </a:spcBef>
+              <a:buNone/>
+              <a:defRPr sz="4400" kern="1200">
+                <a:solidFill>
+                  <a:schemeClr val="tx1"/>
+                </a:solidFill>
+                <a:latin typeface="+mj-lt"/>
+                <a:ea typeface="+mj-ea"/>
+                <a:cs typeface="+mj-cs"/>
+              </a:defRPr>
+            </a:lvl1pPr>
+          </a:lstStyle>
+          <a:p>
+            <a:pPr>
+              <a:spcBef>
+                <a:spcPts val="0"/>
+              </a:spcBef>
+            </a:pPr>
+            <a:r>
+              <a:rPr lang="en" dirty="0">
+                <a:solidFill>
+                  <a:schemeClr val="bg1"/>
+                </a:solidFill>
+              </a:rPr>
+              <a:t>03</a:t>
+            </a:r>
+          </a:p>
+        </p:txBody>
+      </p:sp>
+      <p:sp>
+        <p:nvSpPr>
+          <p:cNvPr id="3" name="Google Shape;232;p30">
+            <a:extLst>
+              <a:ext uri="{FF2B5EF4-FFF2-40B4-BE49-F238E27FC236}">
+                <a16:creationId xmlns:a16="http://schemas.microsoft.com/office/drawing/2014/main" id="{742C2A7B-082D-C268-679B-B4A4F724C8FB}"/>
+              </a:ext>
+            </a:extLst>
+          </p:cNvPr>
+          <p:cNvSpPr txBox="1">
+            <a:spLocks/>
+          </p:cNvSpPr>
+          <p:nvPr/>
+        </p:nvSpPr>
+        <p:spPr>
+          <a:xfrm>
+            <a:off x="1813108" y="3404025"/>
+            <a:ext cx="4587691" cy="447600"/>
+          </a:xfrm>
+          <a:prstGeom prst="rect">
+            <a:avLst/>
+          </a:prstGeom>
+        </p:spPr>
+        <p:txBody>
+          <a:bodyPr spcFirstLastPara="1" wrap="square" lIns="91425" tIns="91425" rIns="91425" bIns="91425" anchor="b" anchorCtr="0">
+            <a:noAutofit/>
+          </a:bodyPr>
+          <a:lstStyle>
+            <a:lvl1pPr marL="228600" indent="-228600" algn="l" defTabSz="914400" rtl="0" eaLnBrk="1" latinLnBrk="0" hangingPunct="1">
+              <a:lnSpc>
+                <a:spcPct val="90000"/>
+              </a:lnSpc>
+              <a:spcBef>
+                <a:spcPts val="1000"/>
+              </a:spcBef>
+              <a:buFont typeface="Arial" panose="020B0604020202020204" pitchFamily="34" charset="0"/>
+              <a:buChar char="•"/>
+              <a:defRPr sz="2800" kern="1200">
+                <a:solidFill>
+                  <a:schemeClr val="tx1"/>
+                </a:solidFill>
+                <a:latin typeface="+mn-lt"/>
+                <a:ea typeface="+mn-ea"/>
+                <a:cs typeface="+mn-cs"/>
+              </a:defRPr>
+            </a:lvl1pPr>
+            <a:lvl2pPr marL="685800" indent="-228600" algn="l" defTabSz="914400" rtl="0" eaLnBrk="1" latinLnBrk="0" hangingPunct="1">
+              <a:lnSpc>
+                <a:spcPct val="90000"/>
+              </a:lnSpc>
+              <a:spcBef>
+                <a:spcPts val="500"/>
+              </a:spcBef>
+              <a:buFont typeface="Arial" panose="020B0604020202020204" pitchFamily="34" charset="0"/>
+              <a:buChar char="•"/>
+              <a:defRPr sz="2400" kern="1200">
+                <a:solidFill>
+                  <a:schemeClr val="tx1"/>
+                </a:solidFill>
+                <a:latin typeface="+mn-lt"/>
+                <a:ea typeface="+mn-ea"/>
+                <a:cs typeface="+mn-cs"/>
+              </a:defRPr>
+            </a:lvl2pPr>
+            <a:lvl3pPr marL="1143000" indent="-228600" algn="l" defTabSz="914400" rtl="0" eaLnBrk="1" latinLnBrk="0" hangingPunct="1">
+              <a:lnSpc>
+                <a:spcPct val="90000"/>
+              </a:lnSpc>
+              <a:spcBef>
+                <a:spcPts val="500"/>
+              </a:spcBef>
+              <a:buFont typeface="Arial" panose="020B0604020202020204" pitchFamily="34" charset="0"/>
+              <a:buChar char="•"/>
+              <a:defRPr sz="2000" kern="1200">
+                <a:solidFill>
+                  <a:schemeClr val="tx1"/>
+                </a:solidFill>
+                <a:latin typeface="+mn-lt"/>
+                <a:ea typeface="+mn-ea"/>
+                <a:cs typeface="+mn-cs"/>
+              </a:defRPr>
+            </a:lvl3pPr>
+            <a:lvl4pPr marL="1600200" indent="-228600" algn="l" defTabSz="914400" rtl="0" eaLnBrk="1" latinLnBrk="0" hangingPunct="1">
+              <a:lnSpc>
+                <a:spcPct val="90000"/>
+              </a:lnSpc>
+              <a:spcBef>
+                <a:spcPts val="500"/>
+              </a:spcBef>
+              <a:buFont typeface="Arial" panose="020B0604020202020204" pitchFamily="34" charset="0"/>
+              <a:buChar char="•"/>
+              <a:defRPr sz="1800" kern="1200">
+                <a:solidFill>
+                  <a:schemeClr val="tx1"/>
+                </a:solidFill>
+                <a:latin typeface="+mn-lt"/>
+                <a:ea typeface="+mn-ea"/>
+                <a:cs typeface="+mn-cs"/>
+              </a:defRPr>
+            </a:lvl4pPr>
+            <a:lvl5pPr marL="2057400" indent="-228600" algn="l" defTabSz="914400" rtl="0" eaLnBrk="1" latinLnBrk="0" hangingPunct="1">
+              <a:lnSpc>
+                <a:spcPct val="90000"/>
+              </a:lnSpc>
+              <a:spcBef>
+                <a:spcPts val="500"/>
+              </a:spcBef>
+              <a:buFont typeface="Arial" panose="020B0604020202020204" pitchFamily="34" charset="0"/>
+              <a:buChar char="•"/>
+              <a:defRPr sz="1800" kern="1200">
+                <a:solidFill>
+                  <a:schemeClr val="tx1"/>
+                </a:solidFill>
+                <a:latin typeface="+mn-lt"/>
+                <a:ea typeface="+mn-ea"/>
+                <a:cs typeface="+mn-cs"/>
+              </a:defRPr>
+            </a:lvl5pPr>
+            <a:lvl6pPr marL="2514600" indent="-228600" algn="l" defTabSz="914400" rtl="0" eaLnBrk="1" latinLnBrk="0" hangingPunct="1">
+              <a:lnSpc>
+                <a:spcPct val="90000"/>
+              </a:lnSpc>
+              <a:spcBef>
+                <a:spcPts val="500"/>
+              </a:spcBef>
+              <a:buFont typeface="Arial" panose="020B0604020202020204" pitchFamily="34" charset="0"/>
+              <a:buChar char="•"/>
+              <a:defRPr sz="1800" kern="1200">
+                <a:solidFill>
+                  <a:schemeClr val="tx1"/>
+                </a:solidFill>
+                <a:latin typeface="+mn-lt"/>
+                <a:ea typeface="+mn-ea"/>
+                <a:cs typeface="+mn-cs"/>
+              </a:defRPr>
+            </a:lvl6pPr>
+            <a:lvl7pPr marL="2971800" indent="-228600" algn="l" defTabSz="914400" rtl="0" eaLnBrk="1" latinLnBrk="0" hangingPunct="1">
+              <a:lnSpc>
+                <a:spcPct val="90000"/>
+              </a:lnSpc>
+              <a:spcBef>
+                <a:spcPts val="500"/>
+              </a:spcBef>
+              <a:buFont typeface="Arial" panose="020B0604020202020204" pitchFamily="34" charset="0"/>
+              <a:buChar char="•"/>
+              <a:defRPr sz="1800" kern="1200">
+                <a:solidFill>
+                  <a:schemeClr val="tx1"/>
+                </a:solidFill>
+                <a:latin typeface="+mn-lt"/>
+                <a:ea typeface="+mn-ea"/>
+                <a:cs typeface="+mn-cs"/>
+              </a:defRPr>
+            </a:lvl7pPr>
+            <a:lvl8pPr marL="3429000" indent="-228600" algn="l" defTabSz="914400" rtl="0" eaLnBrk="1" latinLnBrk="0" hangingPunct="1">
+              <a:lnSpc>
+                <a:spcPct val="90000"/>
+              </a:lnSpc>
+              <a:spcBef>
+                <a:spcPts val="500"/>
+              </a:spcBef>
+              <a:buFont typeface="Arial" panose="020B0604020202020204" pitchFamily="34" charset="0"/>
+              <a:buChar char="•"/>
+              <a:defRPr sz="1800" kern="1200">
+                <a:solidFill>
+                  <a:schemeClr val="tx1"/>
+                </a:solidFill>
+                <a:latin typeface="+mn-lt"/>
+                <a:ea typeface="+mn-ea"/>
+                <a:cs typeface="+mn-cs"/>
+              </a:defRPr>
+            </a:lvl8pPr>
+            <a:lvl9pPr marL="3886200" indent="-228600" algn="l" defTabSz="914400" rtl="0" eaLnBrk="1" latinLnBrk="0" hangingPunct="1">
+              <a:lnSpc>
+                <a:spcPct val="90000"/>
+              </a:lnSpc>
+              <a:spcBef>
+                <a:spcPts val="500"/>
+              </a:spcBef>
+              <a:buFont typeface="Arial" panose="020B0604020202020204" pitchFamily="34" charset="0"/>
+              <a:buChar char="•"/>
+              <a:defRPr sz="1800" kern="1200">
+                <a:solidFill>
+                  <a:schemeClr val="tx1"/>
+                </a:solidFill>
+                <a:latin typeface="+mn-lt"/>
+                <a:ea typeface="+mn-ea"/>
+                <a:cs typeface="+mn-cs"/>
+              </a:defRPr>
+            </a:lvl9pPr>
+          </a:lstStyle>
+          <a:p>
+            <a:pPr marL="0" indent="0">
+              <a:spcBef>
+                <a:spcPts val="0"/>
+              </a:spcBef>
+              <a:buFont typeface="Arial" panose="020B0604020202020204" pitchFamily="34" charset="0"/>
+              <a:buNone/>
+            </a:pPr>
+            <a:r>
+              <a:rPr lang="en-NL" dirty="0">
+                <a:solidFill>
+                  <a:schemeClr val="bg1"/>
+                </a:solidFill>
+                <a:latin typeface="Montserrat Alternates" panose="020B0604020202020204" charset="0"/>
+              </a:rPr>
+              <a:t>Did we resolve the problem?</a:t>
+            </a:r>
+            <a:endParaRPr lang="en-GB" dirty="0">
+              <a:solidFill>
+                <a:schemeClr val="bg1"/>
+              </a:solidFill>
+              <a:latin typeface="Montserrat Alternates" panose="020B0604020202020204" charset="0"/>
             </a:endParaRPr>
           </a:p>
         </p:txBody>
@@ -6612,13 +6934,13 @@
   <p:clrMapOvr>
     <a:masterClrMapping/>
   </p:clrMapOvr>
-  <mc:AlternateContent xmlns:mc="http://schemas.openxmlformats.org/markup-compatibility/2006">
-    <mc:Choice xmlns:p15="http://schemas.microsoft.com/office/powerpoint/2012/main" Requires="p15">
+  <mc:AlternateContent xmlns:mc="http://schemas.openxmlformats.org/markup-compatibility/2006" xmlns:p15="http://schemas.microsoft.com/office/powerpoint/2012/main">
+    <mc:Choice Requires="p15">
       <p:transition xmlns:p14="http://schemas.microsoft.com/office/powerpoint/2010/main" spd="slow" p14:dur="2000">
         <p15:prstTrans prst="drape"/>
       </p:transition>
     </mc:Choice>
-    <mc:Fallback>
+    <mc:Fallback xmlns="">
       <p:transition spd="slow">
         <p:fade/>
       </p:transition>
@@ -6841,7 +7163,7 @@
         </p:spPr>
         <p:txBody>
           <a:bodyPr vert="horz" lIns="91440" tIns="45720" rIns="91440" bIns="45720" rtlCol="0" anchor="ctr">
-            <a:normAutofit fontScale="92500"/>
+            <a:normAutofit/>
           </a:bodyPr>
           <a:lstStyle>
             <a:lvl1pPr algn="l" defTabSz="914400" rtl="0" eaLnBrk="1" latinLnBrk="0" hangingPunct="1">
@@ -7005,13 +7327,13 @@
   <p:clrMapOvr>
     <a:masterClrMapping/>
   </p:clrMapOvr>
-  <mc:AlternateContent xmlns:mc="http://schemas.openxmlformats.org/markup-compatibility/2006">
-    <mc:Choice xmlns:p14="http://schemas.microsoft.com/office/powerpoint/2010/main" Requires="p14">
+  <mc:AlternateContent xmlns:mc="http://schemas.openxmlformats.org/markup-compatibility/2006" xmlns:p14="http://schemas.microsoft.com/office/powerpoint/2010/main">
+    <mc:Choice Requires="p14">
       <p:transition spd="slow" p14:dur="1500">
         <p:split orient="vert"/>
       </p:transition>
     </mc:Choice>
-    <mc:Fallback>
+    <mc:Fallback xmlns="">
       <p:transition spd="slow">
         <p:split orient="vert"/>
       </p:transition>
@@ -7067,183 +7389,14 @@
       </p:grpSpPr>
       <p:sp>
         <p:nvSpPr>
-          <p:cNvPr id="3" name="Google Shape;204;p27">
-            <a:extLst>
-              <a:ext uri="{FF2B5EF4-FFF2-40B4-BE49-F238E27FC236}">
-                <a16:creationId xmlns:a16="http://schemas.microsoft.com/office/drawing/2014/main" id="{1371B81A-610F-72C5-3319-2FE02EE2D8B8}"/>
-              </a:ext>
-            </a:extLst>
-          </p:cNvPr>
-          <p:cNvSpPr/>
-          <p:nvPr/>
-        </p:nvSpPr>
-        <p:spPr>
-          <a:xfrm>
-            <a:off x="-172870" y="-1784027"/>
-            <a:ext cx="12464715" cy="2126927"/>
-          </a:xfrm>
-          <a:prstGeom prst="rect">
-            <a:avLst/>
-          </a:prstGeom>
-          <a:solidFill>
-            <a:srgbClr val="002060">
-              <a:alpha val="52530"/>
-            </a:srgbClr>
-          </a:solidFill>
-          <a:ln>
-            <a:gradFill>
-              <a:gsLst>
-                <a:gs pos="0">
-                  <a:schemeClr val="accent1">
-                    <a:lumMod val="5000"/>
-                    <a:lumOff val="95000"/>
-                  </a:schemeClr>
-                </a:gs>
-                <a:gs pos="74000">
-                  <a:schemeClr val="accent1">
-                    <a:lumMod val="45000"/>
-                    <a:lumOff val="55000"/>
-                  </a:schemeClr>
-                </a:gs>
-                <a:gs pos="83000">
-                  <a:schemeClr val="accent1">
-                    <a:lumMod val="45000"/>
-                    <a:lumOff val="55000"/>
-                  </a:schemeClr>
-                </a:gs>
-                <a:gs pos="100000">
-                  <a:schemeClr val="accent1">
-                    <a:lumMod val="30000"/>
-                    <a:lumOff val="70000"/>
-                  </a:schemeClr>
-                </a:gs>
-              </a:gsLst>
-              <a:lin ang="5400000" scaled="1"/>
-            </a:gradFill>
-          </a:ln>
-        </p:spPr>
-        <p:txBody>
-          <a:bodyPr spcFirstLastPara="1" wrap="square" lIns="91425" tIns="91425" rIns="91425" bIns="91425" anchor="ctr" anchorCtr="0">
-            <a:noAutofit/>
-          </a:bodyPr>
-          <a:lstStyle/>
-          <a:p>
-            <a:pPr marL="0" lvl="0" indent="0" algn="ctr" rtl="0">
-              <a:spcBef>
-                <a:spcPts val="0"/>
-              </a:spcBef>
-              <a:spcAft>
-                <a:spcPts val="0"/>
-              </a:spcAft>
-              <a:buNone/>
-            </a:pPr>
-            <a:endParaRPr dirty="0">
-              <a:solidFill>
-                <a:schemeClr val="bg2"/>
-              </a:solidFill>
-              <a:latin typeface="Cabin"/>
-              <a:ea typeface="Cabin"/>
-              <a:cs typeface="Cabin"/>
-              <a:sym typeface="Cabin"/>
-            </a:endParaRPr>
-          </a:p>
-        </p:txBody>
-      </p:sp>
-      <p:sp>
-        <p:nvSpPr>
-          <p:cNvPr id="2" name="Google Shape;204;p27">
-            <a:extLst>
-              <a:ext uri="{FF2B5EF4-FFF2-40B4-BE49-F238E27FC236}">
-                <a16:creationId xmlns:a16="http://schemas.microsoft.com/office/drawing/2014/main" id="{3E8843D9-9E1F-3A69-0BBD-70421C718DE9}"/>
-              </a:ext>
-            </a:extLst>
-          </p:cNvPr>
-          <p:cNvSpPr/>
-          <p:nvPr/>
-        </p:nvSpPr>
-        <p:spPr>
-          <a:xfrm rot="16200000">
-            <a:off x="-2625681" y="2685348"/>
-            <a:ext cx="5941346" cy="1256447"/>
-          </a:xfrm>
-          <a:prstGeom prst="rect">
-            <a:avLst/>
-          </a:prstGeom>
-          <a:solidFill>
-            <a:schemeClr val="accent1">
-              <a:lumMod val="75000"/>
-              <a:alpha val="52530"/>
-            </a:schemeClr>
-          </a:solidFill>
-          <a:ln>
-            <a:gradFill>
-              <a:gsLst>
-                <a:gs pos="0">
-                  <a:schemeClr val="accent1">
-                    <a:lumMod val="5000"/>
-                    <a:lumOff val="95000"/>
-                  </a:schemeClr>
-                </a:gs>
-                <a:gs pos="74000">
-                  <a:schemeClr val="accent1">
-                    <a:lumMod val="45000"/>
-                    <a:lumOff val="55000"/>
-                  </a:schemeClr>
-                </a:gs>
-                <a:gs pos="83000">
-                  <a:schemeClr val="accent1">
-                    <a:lumMod val="45000"/>
-                    <a:lumOff val="55000"/>
-                  </a:schemeClr>
-                </a:gs>
-                <a:gs pos="100000">
-                  <a:schemeClr val="accent1">
-                    <a:lumMod val="30000"/>
-                    <a:lumOff val="70000"/>
-                  </a:schemeClr>
-                </a:gs>
-              </a:gsLst>
-              <a:lin ang="5400000" scaled="1"/>
-            </a:gradFill>
-          </a:ln>
-        </p:spPr>
-        <p:txBody>
-          <a:bodyPr spcFirstLastPara="1" wrap="square" lIns="91425" tIns="91425" rIns="91425" bIns="91425" anchor="ctr" anchorCtr="0">
-            <a:noAutofit/>
-          </a:bodyPr>
-          <a:lstStyle/>
-          <a:p>
-            <a:pPr marL="0" lvl="0" indent="0" algn="ctr" rtl="0">
-              <a:spcBef>
-                <a:spcPts val="0"/>
-              </a:spcBef>
-              <a:spcAft>
-                <a:spcPts val="0"/>
-              </a:spcAft>
-              <a:buNone/>
-            </a:pPr>
-            <a:endParaRPr dirty="0">
-              <a:solidFill>
-                <a:schemeClr val="bg2"/>
-              </a:solidFill>
-              <a:latin typeface="Cabin"/>
-              <a:ea typeface="Cabin"/>
-              <a:cs typeface="Cabin"/>
-              <a:sym typeface="Cabin"/>
-            </a:endParaRPr>
-          </a:p>
-        </p:txBody>
-      </p:sp>
-      <p:sp>
-        <p:nvSpPr>
-          <p:cNvPr id="4" name="Google Shape;227;p30">
-            <a:extLst>
-              <a:ext uri="{FF2B5EF4-FFF2-40B4-BE49-F238E27FC236}">
-                <a16:creationId xmlns:a16="http://schemas.microsoft.com/office/drawing/2014/main" id="{CC4D7C42-7C2C-7ACA-8256-D496F8A4BECF}"/>
-              </a:ext>
-            </a:extLst>
-          </p:cNvPr>
-          <p:cNvSpPr txBox="1">
+          <p:cNvPr id="2" name="Title 1">
+            <a:extLst>
+              <a:ext uri="{FF2B5EF4-FFF2-40B4-BE49-F238E27FC236}">
+                <a16:creationId xmlns:a16="http://schemas.microsoft.com/office/drawing/2014/main" id="{B67C0828-2471-6D85-1357-27E626FAEE9A}"/>
+              </a:ext>
+            </a:extLst>
+          </p:cNvPr>
+          <p:cNvSpPr>
             <a:spLocks noGrp="1"/>
           </p:cNvSpPr>
           <p:nvPr>
@@ -7252,7 +7405,52 @@
         </p:nvSpPr>
         <p:spPr>
           <a:xfrm>
-            <a:off x="1058130" y="825654"/>
+            <a:off x="2545041" y="529105"/>
+            <a:ext cx="8160204" cy="1325563"/>
+          </a:xfrm>
+        </p:spPr>
+        <p:txBody>
+          <a:bodyPr>
+            <a:normAutofit/>
+          </a:bodyPr>
+          <a:lstStyle/>
+          <a:p>
+            <a:pPr algn="ctr"/>
+            <a:r>
+              <a:rPr lang="en-NL" sz="5400" i="1" dirty="0">
+                <a:solidFill>
+                  <a:schemeClr val="bg1"/>
+                </a:solidFill>
+                <a:latin typeface="Montserrat Alternates" panose="020B0604020202020204" charset="0"/>
+              </a:rPr>
+              <a:t>Did we resolve the problem?</a:t>
+            </a:r>
+            <a:endParaRPr lang="en-GB" sz="5400" i="1" dirty="0">
+              <a:solidFill>
+                <a:schemeClr val="bg1"/>
+              </a:solidFill>
+              <a:latin typeface="Montserrat Alternates" panose="020B0604020202020204" charset="0"/>
+            </a:endParaRPr>
+          </a:p>
+        </p:txBody>
+      </p:sp>
+      <p:sp>
+        <p:nvSpPr>
+          <p:cNvPr id="4" name="Google Shape;227;p30">
+            <a:extLst>
+              <a:ext uri="{FF2B5EF4-FFF2-40B4-BE49-F238E27FC236}">
+                <a16:creationId xmlns:a16="http://schemas.microsoft.com/office/drawing/2014/main" id="{E8E2C722-43D6-DC43-D76C-73703B690100}"/>
+              </a:ext>
+            </a:extLst>
+          </p:cNvPr>
+          <p:cNvSpPr txBox="1">
+            <a:spLocks/>
+          </p:cNvSpPr>
+          <p:nvPr/>
+        </p:nvSpPr>
+        <p:spPr>
+          <a:xfrm>
+            <a:off x="1288596" y="580561"/>
             <a:ext cx="1256445" cy="1086503"/>
           </a:xfrm>
           <a:prstGeom prst="rect">
@@ -7260,68 +7458,8 @@
           </a:prstGeom>
         </p:spPr>
         <p:txBody>
-          <a:bodyPr spcFirstLastPara="1" wrap="square" lIns="91425" tIns="91425" rIns="91425" bIns="91425" anchor="ctr" anchorCtr="0">
+          <a:bodyPr spcFirstLastPara="1" vert="horz" wrap="square" lIns="91425" tIns="91425" rIns="91425" bIns="91425" rtlCol="0" anchor="ctr" anchorCtr="0">
             <a:noAutofit/>
-          </a:bodyPr>
-          <a:lstStyle/>
-          <a:p>
-            <a:pPr marL="0" lvl="0" indent="0" algn="l" rtl="0">
-              <a:spcBef>
-                <a:spcPts val="0"/>
-              </a:spcBef>
-              <a:spcAft>
-                <a:spcPts val="0"/>
-              </a:spcAft>
-              <a:buNone/>
-            </a:pPr>
-            <a:r>
-              <a:rPr lang="en" sz="6600" u="sng" dirty="0">
-                <a:solidFill>
-                  <a:schemeClr val="accent1">
-                    <a:lumMod val="60000"/>
-                    <a:lumOff val="40000"/>
-                  </a:schemeClr>
-                </a:solidFill>
-              </a:rPr>
-              <a:t>03</a:t>
-            </a:r>
-            <a:endParaRPr sz="6600" u="sng" dirty="0">
-              <a:solidFill>
-                <a:schemeClr val="accent1">
-                  <a:lumMod val="60000"/>
-                  <a:lumOff val="40000"/>
-                </a:schemeClr>
-              </a:solidFill>
-            </a:endParaRPr>
-          </a:p>
-        </p:txBody>
-      </p:sp>
-      <p:sp>
-        <p:nvSpPr>
-          <p:cNvPr id="5" name="Title 8">
-            <a:extLst>
-              <a:ext uri="{FF2B5EF4-FFF2-40B4-BE49-F238E27FC236}">
-                <a16:creationId xmlns:a16="http://schemas.microsoft.com/office/drawing/2014/main" id="{7B858E29-7659-1E18-C93E-34B146A83340}"/>
-              </a:ext>
-            </a:extLst>
-          </p:cNvPr>
-          <p:cNvSpPr txBox="1">
-            <a:spLocks/>
-          </p:cNvSpPr>
-          <p:nvPr/>
-        </p:nvSpPr>
-        <p:spPr>
-          <a:xfrm>
-            <a:off x="4554588" y="721284"/>
-            <a:ext cx="3355538" cy="1280034"/>
-          </a:xfrm>
-          <a:prstGeom prst="rect">
-            <a:avLst/>
-          </a:prstGeom>
-        </p:spPr>
-        <p:txBody>
-          <a:bodyPr vert="horz" lIns="91440" tIns="45720" rIns="91440" bIns="45720" rtlCol="0" anchor="ctr">
-            <a:normAutofit fontScale="92500"/>
           </a:bodyPr>
           <a:lstStyle>
             <a:lvl1pPr algn="l" defTabSz="914400" rtl="0" eaLnBrk="1" latinLnBrk="0" hangingPunct="1">
@@ -7343,30 +7481,41 @@
             </a:lvl1pPr>
           </a:lstStyle>
           <a:p>
-            <a:r>
-              <a:rPr lang="en" sz="6000" i="1" dirty="0">
+            <a:pPr>
+              <a:spcBef>
+                <a:spcPts val="0"/>
+              </a:spcBef>
+            </a:pPr>
+            <a:r>
+              <a:rPr lang="en" sz="6600" u="sng" dirty="0">
                 <a:solidFill>
                   <a:schemeClr val="bg1"/>
                 </a:solidFill>
-                <a:latin typeface="Montserrat Alternates" panose="020B0604020202020204" charset="0"/>
               </a:rPr>
-              <a:t>Reflection</a:t>
-            </a:r>
-            <a:endParaRPr lang="en-GB" sz="6000" i="1" dirty="0">
+              <a:t>0</a:t>
+            </a:r>
+            <a:r>
+              <a:rPr lang="en-NL" sz="6600" u="sng" dirty="0">
+                <a:solidFill>
+                  <a:schemeClr val="bg1"/>
+                </a:solidFill>
+              </a:rPr>
+              <a:t>3</a:t>
+            </a:r>
+            <a:endParaRPr lang="en" sz="6600" u="sng" dirty="0">
               <a:solidFill>
                 <a:schemeClr val="bg1"/>
               </a:solidFill>
-              <a:latin typeface="Montserrat Alternates" panose="020B0604020202020204" charset="0"/>
             </a:endParaRPr>
           </a:p>
         </p:txBody>
       </p:sp>
       <p:sp>
         <p:nvSpPr>
-          <p:cNvPr id="6" name="Google Shape;204;p27">
-            <a:extLst>
-              <a:ext uri="{FF2B5EF4-FFF2-40B4-BE49-F238E27FC236}">
-                <a16:creationId xmlns:a16="http://schemas.microsoft.com/office/drawing/2014/main" id="{D5B78A32-9571-5B6D-20D4-280FC058AC87}"/>
+          <p:cNvPr id="5" name="Google Shape;204;p27">
+            <a:extLst>
+              <a:ext uri="{FF2B5EF4-FFF2-40B4-BE49-F238E27FC236}">
+                <a16:creationId xmlns:a16="http://schemas.microsoft.com/office/drawing/2014/main" id="{90F19013-DBEA-FB3B-8671-0E0726609CE2}"/>
               </a:ext>
             </a:extLst>
           </p:cNvPr>
@@ -7375,285 +7524,8 @@
         </p:nvSpPr>
         <p:spPr>
           <a:xfrm>
-            <a:off x="0" y="6284246"/>
-            <a:ext cx="12464715" cy="2493892"/>
-          </a:xfrm>
-          <a:prstGeom prst="rect">
-            <a:avLst/>
-          </a:prstGeom>
-          <a:solidFill>
-            <a:srgbClr val="002060">
-              <a:alpha val="52530"/>
-            </a:srgbClr>
-          </a:solidFill>
-          <a:ln>
-            <a:gradFill>
-              <a:gsLst>
-                <a:gs pos="0">
-                  <a:schemeClr val="accent1">
-                    <a:lumMod val="5000"/>
-                    <a:lumOff val="95000"/>
-                  </a:schemeClr>
-                </a:gs>
-                <a:gs pos="74000">
-                  <a:schemeClr val="accent1">
-                    <a:lumMod val="45000"/>
-                    <a:lumOff val="55000"/>
-                  </a:schemeClr>
-                </a:gs>
-                <a:gs pos="83000">
-                  <a:schemeClr val="accent1">
-                    <a:lumMod val="45000"/>
-                    <a:lumOff val="55000"/>
-                  </a:schemeClr>
-                </a:gs>
-                <a:gs pos="100000">
-                  <a:schemeClr val="accent1">
-                    <a:lumMod val="30000"/>
-                    <a:lumOff val="70000"/>
-                  </a:schemeClr>
-                </a:gs>
-              </a:gsLst>
-              <a:lin ang="5400000" scaled="1"/>
-            </a:gradFill>
-          </a:ln>
-        </p:spPr>
-        <p:txBody>
-          <a:bodyPr spcFirstLastPara="1" wrap="square" lIns="91425" tIns="91425" rIns="91425" bIns="91425" anchor="ctr" anchorCtr="0">
-            <a:noAutofit/>
-          </a:bodyPr>
-          <a:lstStyle/>
-          <a:p>
-            <a:pPr marL="0" lvl="0" indent="0" algn="ctr" rtl="0">
-              <a:spcBef>
-                <a:spcPts val="0"/>
-              </a:spcBef>
-              <a:spcAft>
-                <a:spcPts val="0"/>
-              </a:spcAft>
-              <a:buNone/>
-            </a:pPr>
-            <a:endParaRPr dirty="0">
-              <a:solidFill>
-                <a:schemeClr val="bg2"/>
-              </a:solidFill>
-              <a:latin typeface="Cabin"/>
-              <a:ea typeface="Cabin"/>
-              <a:cs typeface="Cabin"/>
-              <a:sym typeface="Cabin"/>
-            </a:endParaRPr>
-          </a:p>
-        </p:txBody>
-      </p:sp>
-      <p:sp>
-        <p:nvSpPr>
-          <p:cNvPr id="7" name="Google Shape;204;p27">
-            <a:extLst>
-              <a:ext uri="{FF2B5EF4-FFF2-40B4-BE49-F238E27FC236}">
-                <a16:creationId xmlns:a16="http://schemas.microsoft.com/office/drawing/2014/main" id="{1C892620-5FBB-5D0C-CBA4-AC85EE228907}"/>
-              </a:ext>
-            </a:extLst>
-          </p:cNvPr>
-          <p:cNvSpPr/>
-          <p:nvPr/>
-        </p:nvSpPr>
-        <p:spPr>
-          <a:xfrm rot="16200000">
-            <a:off x="8803311" y="2685347"/>
-            <a:ext cx="5941347" cy="1256446"/>
-          </a:xfrm>
-          <a:prstGeom prst="rect">
-            <a:avLst/>
-          </a:prstGeom>
-          <a:solidFill>
-            <a:schemeClr val="accent1">
-              <a:lumMod val="75000"/>
-              <a:alpha val="52530"/>
-            </a:schemeClr>
-          </a:solidFill>
-          <a:ln>
-            <a:gradFill>
-              <a:gsLst>
-                <a:gs pos="0">
-                  <a:schemeClr val="accent1">
-                    <a:lumMod val="5000"/>
-                    <a:lumOff val="95000"/>
-                  </a:schemeClr>
-                </a:gs>
-                <a:gs pos="74000">
-                  <a:schemeClr val="accent1">
-                    <a:lumMod val="45000"/>
-                    <a:lumOff val="55000"/>
-                  </a:schemeClr>
-                </a:gs>
-                <a:gs pos="83000">
-                  <a:schemeClr val="accent1">
-                    <a:lumMod val="45000"/>
-                    <a:lumOff val="55000"/>
-                  </a:schemeClr>
-                </a:gs>
-                <a:gs pos="100000">
-                  <a:schemeClr val="accent1">
-                    <a:lumMod val="30000"/>
-                    <a:lumOff val="70000"/>
-                  </a:schemeClr>
-                </a:gs>
-              </a:gsLst>
-              <a:lin ang="5400000" scaled="1"/>
-            </a:gradFill>
-          </a:ln>
-        </p:spPr>
-        <p:txBody>
-          <a:bodyPr spcFirstLastPara="1" wrap="square" lIns="91425" tIns="91425" rIns="91425" bIns="91425" anchor="ctr" anchorCtr="0">
-            <a:noAutofit/>
-          </a:bodyPr>
-          <a:lstStyle/>
-          <a:p>
-            <a:pPr marL="0" lvl="0" indent="0" algn="ctr" rtl="0">
-              <a:spcBef>
-                <a:spcPts val="0"/>
-              </a:spcBef>
-              <a:spcAft>
-                <a:spcPts val="0"/>
-              </a:spcAft>
-              <a:buNone/>
-            </a:pPr>
-            <a:endParaRPr dirty="0">
-              <a:solidFill>
-                <a:schemeClr val="bg2"/>
-              </a:solidFill>
-              <a:latin typeface="Cabin"/>
-              <a:ea typeface="Cabin"/>
-              <a:cs typeface="Cabin"/>
-              <a:sym typeface="Cabin"/>
-            </a:endParaRPr>
-          </a:p>
-        </p:txBody>
-      </p:sp>
-      <p:pic>
-        <p:nvPicPr>
-          <p:cNvPr id="1034" name="Picture 10" descr="Thinking Emoji [Download Thinking Emoji in PNG] | Emoji Island">
-            <a:extLst>
-              <a:ext uri="{FF2B5EF4-FFF2-40B4-BE49-F238E27FC236}">
-                <a16:creationId xmlns:a16="http://schemas.microsoft.com/office/drawing/2014/main" id="{710268A3-3296-651A-B765-207FC5246A9A}"/>
-              </a:ext>
-            </a:extLst>
-          </p:cNvPr>
-          <p:cNvPicPr>
-            <a:picLocks noChangeAspect="1" noChangeArrowheads="1"/>
-          </p:cNvPicPr>
-          <p:nvPr/>
-        </p:nvPicPr>
-        <p:blipFill>
-          <a:blip r:embed="rId2">
-            <a:extLst>
-              <a:ext uri="{28A0092B-C50C-407E-A947-70E740481C1C}">
-                <a14:useLocalDpi xmlns:a14="http://schemas.microsoft.com/office/drawing/2010/main" val="0"/>
-              </a:ext>
-            </a:extLst>
-          </a:blip>
-          <a:srcRect/>
-          <a:stretch>
-            <a:fillRect/>
-          </a:stretch>
-        </p:blipFill>
-        <p:spPr bwMode="auto">
-          <a:xfrm>
-            <a:off x="6964200" y="2089474"/>
-            <a:ext cx="697631" cy="697631"/>
-          </a:xfrm>
-          <a:prstGeom prst="rect">
-            <a:avLst/>
-          </a:prstGeom>
-          <a:noFill/>
-          <a:effectLst>
-            <a:glow rad="304800">
-              <a:srgbClr val="FFC000">
-                <a:alpha val="26000"/>
-              </a:srgbClr>
-            </a:glow>
-          </a:effectLst>
-          <a:extLst>
-            <a:ext uri="{909E8E84-426E-40DD-AFC4-6F175D3DCCD1}">
-              <a14:hiddenFill xmlns:a14="http://schemas.microsoft.com/office/drawing/2010/main">
-                <a:solidFill>
-                  <a:srgbClr val="FFFFFF"/>
-                </a:solidFill>
-              </a14:hiddenFill>
-            </a:ext>
-          </a:extLst>
-        </p:spPr>
-      </p:pic>
-      <p:pic>
-        <p:nvPicPr>
-          <p:cNvPr id="1038" name="Picture 14" descr="Smiley PNG transparent image download, size: 2592x2592px">
-            <a:extLst>
-              <a:ext uri="{FF2B5EF4-FFF2-40B4-BE49-F238E27FC236}">
-                <a16:creationId xmlns:a16="http://schemas.microsoft.com/office/drawing/2014/main" id="{AD98C425-4136-25D5-FFAA-ECA25CB41E2B}"/>
-              </a:ext>
-            </a:extLst>
-          </p:cNvPr>
-          <p:cNvPicPr>
-            <a:picLocks noChangeAspect="1" noChangeArrowheads="1"/>
-          </p:cNvPicPr>
-          <p:nvPr/>
-        </p:nvPicPr>
-        <p:blipFill>
-          <a:blip r:embed="rId3">
-            <a:extLst>
-              <a:ext uri="{28A0092B-C50C-407E-A947-70E740481C1C}">
-                <a14:useLocalDpi xmlns:a14="http://schemas.microsoft.com/office/drawing/2010/main" val="0"/>
-              </a:ext>
-            </a:extLst>
-          </a:blip>
-          <a:srcRect/>
-          <a:stretch>
-            <a:fillRect/>
-          </a:stretch>
-        </p:blipFill>
-        <p:spPr bwMode="auto">
-          <a:xfrm>
-            <a:off x="4282504" y="2071647"/>
-            <a:ext cx="742950" cy="742950"/>
-          </a:xfrm>
-          <a:prstGeom prst="rect">
-            <a:avLst/>
-          </a:prstGeom>
-          <a:noFill/>
-          <a:effectLst>
-            <a:glow rad="190500">
-              <a:srgbClr val="92D050">
-                <a:alpha val="40000"/>
-              </a:srgbClr>
-            </a:glow>
-          </a:effectLst>
-          <a:extLst>
-            <a:ext uri="{909E8E84-426E-40DD-AFC4-6F175D3DCCD1}">
-              <a14:hiddenFill xmlns:a14="http://schemas.microsoft.com/office/drawing/2010/main">
-                <a:solidFill>
-                  <a:srgbClr val="FFFFFF"/>
-                </a:solidFill>
-              </a14:hiddenFill>
-            </a:ext>
-          </a:extLst>
-        </p:spPr>
-      </p:pic>
-      <p:sp>
-        <p:nvSpPr>
-          <p:cNvPr id="10" name="Google Shape;204;p27">
-            <a:extLst>
-              <a:ext uri="{FF2B5EF4-FFF2-40B4-BE49-F238E27FC236}">
-                <a16:creationId xmlns:a16="http://schemas.microsoft.com/office/drawing/2014/main" id="{9F7F3BCD-2518-48B1-67E1-4DD85D5F2A2B}"/>
-              </a:ext>
-            </a:extLst>
-          </p:cNvPr>
-          <p:cNvSpPr/>
-          <p:nvPr/>
-        </p:nvSpPr>
-        <p:spPr>
-          <a:xfrm>
-            <a:off x="3190875" y="3215762"/>
-            <a:ext cx="5400000" cy="28800"/>
+            <a:off x="-48129" y="683363"/>
+            <a:ext cx="13017600" cy="18000"/>
           </a:xfrm>
           <a:prstGeom prst="rect">
             <a:avLst/>
@@ -7697,10 +7569,10 @@
       </p:sp>
       <p:sp>
         <p:nvSpPr>
-          <p:cNvPr id="11" name="Google Shape;204;p27">
-            <a:extLst>
-              <a:ext uri="{FF2B5EF4-FFF2-40B4-BE49-F238E27FC236}">
-                <a16:creationId xmlns:a16="http://schemas.microsoft.com/office/drawing/2014/main" id="{56CED892-F606-7E46-BC36-A5F5B562F2A5}"/>
+          <p:cNvPr id="6" name="Google Shape;204;p27">
+            <a:extLst>
+              <a:ext uri="{FF2B5EF4-FFF2-40B4-BE49-F238E27FC236}">
+                <a16:creationId xmlns:a16="http://schemas.microsoft.com/office/drawing/2014/main" id="{9E3D8064-A1CD-3152-72E2-5268A57298B1}"/>
               </a:ext>
             </a:extLst>
           </p:cNvPr>
@@ -7708,9 +7580,9 @@
           <p:nvPr/>
         </p:nvSpPr>
         <p:spPr>
-          <a:xfrm rot="5400000">
-            <a:off x="4993887" y="4310162"/>
-            <a:ext cx="2160000" cy="28800"/>
+          <a:xfrm>
+            <a:off x="-162429" y="1674805"/>
+            <a:ext cx="13017600" cy="18000"/>
           </a:xfrm>
           <a:prstGeom prst="rect">
             <a:avLst/>
@@ -7754,10 +7626,10 @@
       </p:sp>
       <p:sp>
         <p:nvSpPr>
-          <p:cNvPr id="12" name="Google Shape;265;p33">
-            <a:extLst>
-              <a:ext uri="{FF2B5EF4-FFF2-40B4-BE49-F238E27FC236}">
-                <a16:creationId xmlns:a16="http://schemas.microsoft.com/office/drawing/2014/main" id="{34616DDB-7E40-9016-4800-10CA6443073B}"/>
+          <p:cNvPr id="7" name="Google Shape;288;p35">
+            <a:extLst>
+              <a:ext uri="{FF2B5EF4-FFF2-40B4-BE49-F238E27FC236}">
+                <a16:creationId xmlns:a16="http://schemas.microsoft.com/office/drawing/2014/main" id="{D0A10D39-9C11-ADC1-24BB-1E85DE093178}"/>
               </a:ext>
             </a:extLst>
           </p:cNvPr>
@@ -7768,8 +7640,275 @@
         </p:nvSpPr>
         <p:spPr>
           <a:xfrm>
-            <a:off x="3190874" y="3236224"/>
-            <a:ext cx="2839815" cy="693169"/>
+            <a:off x="4628176" y="1979502"/>
+            <a:ext cx="2935647" cy="657321"/>
+          </a:xfrm>
+          <a:prstGeom prst="rect">
+            <a:avLst/>
+          </a:prstGeom>
+        </p:spPr>
+        <p:txBody>
+          <a:bodyPr spcFirstLastPara="1" wrap="square" lIns="91425" tIns="91425" rIns="91425" bIns="91425" anchor="b" anchorCtr="0">
+            <a:noAutofit/>
+          </a:bodyPr>
+          <a:lstStyle>
+            <a:defPPr marR="0" lvl="0" algn="l" rtl="0">
+              <a:lnSpc>
+                <a:spcPct val="100000"/>
+              </a:lnSpc>
+              <a:spcBef>
+                <a:spcPts val="0"/>
+              </a:spcBef>
+              <a:spcAft>
+                <a:spcPts val="0"/>
+              </a:spcAft>
+            </a:defPPr>
+            <a:lvl1pPr marR="0" lvl="0" algn="l" rtl="0">
+              <a:lnSpc>
+                <a:spcPct val="100000"/>
+              </a:lnSpc>
+              <a:spcBef>
+                <a:spcPts val="0"/>
+              </a:spcBef>
+              <a:spcAft>
+                <a:spcPts val="0"/>
+              </a:spcAft>
+              <a:buClr>
+                <a:srgbClr val="000000"/>
+              </a:buClr>
+              <a:buFont typeface="Arial"/>
+              <a:defRPr sz="1400" b="0" i="0" u="none" strike="noStrike" cap="none">
+                <a:solidFill>
+                  <a:srgbClr val="000000"/>
+                </a:solidFill>
+                <a:latin typeface="Arial"/>
+                <a:ea typeface="Arial"/>
+                <a:cs typeface="Arial"/>
+                <a:sym typeface="Arial"/>
+              </a:defRPr>
+            </a:lvl1pPr>
+            <a:lvl2pPr marR="0" lvl="1" algn="l" rtl="0">
+              <a:lnSpc>
+                <a:spcPct val="100000"/>
+              </a:lnSpc>
+              <a:spcBef>
+                <a:spcPts val="0"/>
+              </a:spcBef>
+              <a:spcAft>
+                <a:spcPts val="0"/>
+              </a:spcAft>
+              <a:buClr>
+                <a:srgbClr val="000000"/>
+              </a:buClr>
+              <a:buFont typeface="Arial"/>
+              <a:defRPr sz="1400" b="0" i="0" u="none" strike="noStrike" cap="none">
+                <a:solidFill>
+                  <a:srgbClr val="000000"/>
+                </a:solidFill>
+                <a:latin typeface="Arial"/>
+                <a:ea typeface="Arial"/>
+                <a:cs typeface="Arial"/>
+                <a:sym typeface="Arial"/>
+              </a:defRPr>
+            </a:lvl2pPr>
+            <a:lvl3pPr marR="0" lvl="2" algn="l" rtl="0">
+              <a:lnSpc>
+                <a:spcPct val="100000"/>
+              </a:lnSpc>
+              <a:spcBef>
+                <a:spcPts val="0"/>
+              </a:spcBef>
+              <a:spcAft>
+                <a:spcPts val="0"/>
+              </a:spcAft>
+              <a:buClr>
+                <a:srgbClr val="000000"/>
+              </a:buClr>
+              <a:buFont typeface="Arial"/>
+              <a:defRPr sz="1400" b="0" i="0" u="none" strike="noStrike" cap="none">
+                <a:solidFill>
+                  <a:srgbClr val="000000"/>
+                </a:solidFill>
+                <a:latin typeface="Arial"/>
+                <a:ea typeface="Arial"/>
+                <a:cs typeface="Arial"/>
+                <a:sym typeface="Arial"/>
+              </a:defRPr>
+            </a:lvl3pPr>
+            <a:lvl4pPr marR="0" lvl="3" algn="l" rtl="0">
+              <a:lnSpc>
+                <a:spcPct val="100000"/>
+              </a:lnSpc>
+              <a:spcBef>
+                <a:spcPts val="0"/>
+              </a:spcBef>
+              <a:spcAft>
+                <a:spcPts val="0"/>
+              </a:spcAft>
+              <a:buClr>
+                <a:srgbClr val="000000"/>
+              </a:buClr>
+              <a:buFont typeface="Arial"/>
+              <a:defRPr sz="1400" b="0" i="0" u="none" strike="noStrike" cap="none">
+                <a:solidFill>
+                  <a:srgbClr val="000000"/>
+                </a:solidFill>
+                <a:latin typeface="Arial"/>
+                <a:ea typeface="Arial"/>
+                <a:cs typeface="Arial"/>
+                <a:sym typeface="Arial"/>
+              </a:defRPr>
+            </a:lvl4pPr>
+            <a:lvl5pPr marR="0" lvl="4" algn="l" rtl="0">
+              <a:lnSpc>
+                <a:spcPct val="100000"/>
+              </a:lnSpc>
+              <a:spcBef>
+                <a:spcPts val="0"/>
+              </a:spcBef>
+              <a:spcAft>
+                <a:spcPts val="0"/>
+              </a:spcAft>
+              <a:buClr>
+                <a:srgbClr val="000000"/>
+              </a:buClr>
+              <a:buFont typeface="Arial"/>
+              <a:defRPr sz="1400" b="0" i="0" u="none" strike="noStrike" cap="none">
+                <a:solidFill>
+                  <a:srgbClr val="000000"/>
+                </a:solidFill>
+                <a:latin typeface="Arial"/>
+                <a:ea typeface="Arial"/>
+                <a:cs typeface="Arial"/>
+                <a:sym typeface="Arial"/>
+              </a:defRPr>
+            </a:lvl5pPr>
+            <a:lvl6pPr marR="0" lvl="5" algn="l" rtl="0">
+              <a:lnSpc>
+                <a:spcPct val="100000"/>
+              </a:lnSpc>
+              <a:spcBef>
+                <a:spcPts val="0"/>
+              </a:spcBef>
+              <a:spcAft>
+                <a:spcPts val="0"/>
+              </a:spcAft>
+              <a:buClr>
+                <a:srgbClr val="000000"/>
+              </a:buClr>
+              <a:buFont typeface="Arial"/>
+              <a:defRPr sz="1400" b="0" i="0" u="none" strike="noStrike" cap="none">
+                <a:solidFill>
+                  <a:srgbClr val="000000"/>
+                </a:solidFill>
+                <a:latin typeface="Arial"/>
+                <a:ea typeface="Arial"/>
+                <a:cs typeface="Arial"/>
+                <a:sym typeface="Arial"/>
+              </a:defRPr>
+            </a:lvl6pPr>
+            <a:lvl7pPr marR="0" lvl="6" algn="l" rtl="0">
+              <a:lnSpc>
+                <a:spcPct val="100000"/>
+              </a:lnSpc>
+              <a:spcBef>
+                <a:spcPts val="0"/>
+              </a:spcBef>
+              <a:spcAft>
+                <a:spcPts val="0"/>
+              </a:spcAft>
+              <a:buClr>
+                <a:srgbClr val="000000"/>
+              </a:buClr>
+              <a:buFont typeface="Arial"/>
+              <a:defRPr sz="1400" b="0" i="0" u="none" strike="noStrike" cap="none">
+                <a:solidFill>
+                  <a:srgbClr val="000000"/>
+                </a:solidFill>
+                <a:latin typeface="Arial"/>
+                <a:ea typeface="Arial"/>
+                <a:cs typeface="Arial"/>
+                <a:sym typeface="Arial"/>
+              </a:defRPr>
+            </a:lvl7pPr>
+            <a:lvl8pPr marR="0" lvl="7" algn="l" rtl="0">
+              <a:lnSpc>
+                <a:spcPct val="100000"/>
+              </a:lnSpc>
+              <a:spcBef>
+                <a:spcPts val="0"/>
+              </a:spcBef>
+              <a:spcAft>
+                <a:spcPts val="0"/>
+              </a:spcAft>
+              <a:buClr>
+                <a:srgbClr val="000000"/>
+              </a:buClr>
+              <a:buFont typeface="Arial"/>
+              <a:defRPr sz="1400" b="0" i="0" u="none" strike="noStrike" cap="none">
+                <a:solidFill>
+                  <a:srgbClr val="000000"/>
+                </a:solidFill>
+                <a:latin typeface="Arial"/>
+                <a:ea typeface="Arial"/>
+                <a:cs typeface="Arial"/>
+                <a:sym typeface="Arial"/>
+              </a:defRPr>
+            </a:lvl8pPr>
+            <a:lvl9pPr marR="0" lvl="8" algn="l" rtl="0">
+              <a:lnSpc>
+                <a:spcPct val="100000"/>
+              </a:lnSpc>
+              <a:spcBef>
+                <a:spcPts val="0"/>
+              </a:spcBef>
+              <a:spcAft>
+                <a:spcPts val="0"/>
+              </a:spcAft>
+              <a:buClr>
+                <a:srgbClr val="000000"/>
+              </a:buClr>
+              <a:buFont typeface="Arial"/>
+              <a:defRPr sz="1400" b="0" i="0" u="none" strike="noStrike" cap="none">
+                <a:solidFill>
+                  <a:srgbClr val="000000"/>
+                </a:solidFill>
+                <a:latin typeface="Arial"/>
+                <a:ea typeface="Arial"/>
+                <a:cs typeface="Arial"/>
+                <a:sym typeface="Arial"/>
+              </a:defRPr>
+            </a:lvl9pPr>
+          </a:lstStyle>
+          <a:p>
+            <a:endParaRPr lang="en-GB" sz="3600" b="1" u="sng" dirty="0">
+              <a:solidFill>
+                <a:schemeClr val="bg1"/>
+              </a:solidFill>
+              <a:latin typeface="Montserrat Alternates" panose="020B0604020202020204" charset="0"/>
+              <a:sym typeface="DM Sans"/>
+            </a:endParaRPr>
+          </a:p>
+        </p:txBody>
+      </p:sp>
+      <p:sp>
+        <p:nvSpPr>
+          <p:cNvPr id="8" name="Google Shape;265;p33">
+            <a:extLst>
+              <a:ext uri="{FF2B5EF4-FFF2-40B4-BE49-F238E27FC236}">
+                <a16:creationId xmlns:a16="http://schemas.microsoft.com/office/drawing/2014/main" id="{2F4C5D61-4955-D0FC-D5E5-F672B5A885A6}"/>
+              </a:ext>
+            </a:extLst>
+          </p:cNvPr>
+          <p:cNvSpPr txBox="1">
+            <a:spLocks/>
+          </p:cNvSpPr>
+          <p:nvPr/>
+        </p:nvSpPr>
+        <p:spPr>
+          <a:xfrm>
+            <a:off x="4269441" y="2308162"/>
+            <a:ext cx="4882854" cy="1714847"/>
           </a:xfrm>
           <a:prstGeom prst="rect">
             <a:avLst/>
@@ -8031,7 +8170,20 @@
             </a:lvl9pPr>
           </a:lstStyle>
           <a:p>
-            <a:pPr marL="171450" indent="-171450" algn="ctr">
+            <a:pPr marL="0" indent="0">
+              <a:buClr>
+                <a:schemeClr val="bg1"/>
+              </a:buClr>
+            </a:pPr>
+            <a:endParaRPr lang="en-NL" sz="2000" dirty="0">
+              <a:solidFill>
+                <a:schemeClr val="bg1"/>
+              </a:solidFill>
+              <a:latin typeface="Montserrat Alternates" panose="020B0604020202020204" charset="0"/>
+            </a:endParaRPr>
+          </a:p>
+          <a:p>
+            <a:pPr marL="171450" indent="-171450">
               <a:buClr>
                 <a:schemeClr val="bg1"/>
               </a:buClr>
@@ -8039,17 +8191,30 @@
               <a:buChar char="−"/>
             </a:pPr>
             <a:r>
-              <a:rPr lang="en-GB" sz="2000" dirty="0">
+              <a:rPr lang="en-NL" sz="2000" dirty="0">
                 <a:solidFill>
                   <a:schemeClr val="bg1"/>
                 </a:solidFill>
                 <a:latin typeface="Montserrat Alternates" panose="020B0604020202020204" charset="0"/>
               </a:rPr>
-              <a:t>Motivated</a:t>
-            </a:r>
-          </a:p>
-          <a:p>
-            <a:pPr marL="171450" indent="-171450" algn="ctr">
+              <a:t>Booking making/managing is now online instead of with paper.</a:t>
+            </a:r>
+          </a:p>
+          <a:p>
+            <a:pPr marL="0" indent="0">
+              <a:buClr>
+                <a:schemeClr val="bg1"/>
+              </a:buClr>
+            </a:pPr>
+            <a:endParaRPr lang="en-NL" sz="2000" dirty="0">
+              <a:solidFill>
+                <a:schemeClr val="bg1"/>
+              </a:solidFill>
+              <a:latin typeface="Montserrat Alternates" panose="020B0604020202020204" charset="0"/>
+            </a:endParaRPr>
+          </a:p>
+          <a:p>
+            <a:pPr marL="171450" indent="-171450">
               <a:buClr>
                 <a:schemeClr val="bg1"/>
               </a:buClr>
@@ -8057,17 +8222,30 @@
               <a:buChar char="−"/>
             </a:pPr>
             <a:r>
-              <a:rPr lang="en-GB" sz="2000" dirty="0">
+              <a:rPr lang="en-NL" sz="2000" dirty="0">
                 <a:solidFill>
                   <a:schemeClr val="bg1"/>
                 </a:solidFill>
                 <a:latin typeface="Montserrat Alternates" panose="020B0604020202020204" charset="0"/>
               </a:rPr>
-              <a:t>Helping hand</a:t>
-            </a:r>
-          </a:p>
-          <a:p>
-            <a:pPr marL="171450" indent="-171450" algn="ctr">
+              <a:t>Clear and attractive website for the users.</a:t>
+            </a:r>
+          </a:p>
+          <a:p>
+            <a:pPr marL="0" indent="0">
+              <a:buClr>
+                <a:schemeClr val="bg1"/>
+              </a:buClr>
+            </a:pPr>
+            <a:endParaRPr lang="en-NL" sz="2000" dirty="0">
+              <a:solidFill>
+                <a:schemeClr val="bg1"/>
+              </a:solidFill>
+              <a:latin typeface="Montserrat Alternates" panose="020B0604020202020204" charset="0"/>
+            </a:endParaRPr>
+          </a:p>
+          <a:p>
+            <a:pPr marL="171450" indent="-171450">
               <a:buClr>
                 <a:schemeClr val="bg1"/>
               </a:buClr>
@@ -8075,17 +8253,30 @@
               <a:buChar char="−"/>
             </a:pPr>
             <a:r>
-              <a:rPr lang="en-GB" sz="2000" dirty="0">
+              <a:rPr lang="en-NL" sz="2000" dirty="0">
                 <a:solidFill>
                   <a:schemeClr val="bg1"/>
                 </a:solidFill>
                 <a:latin typeface="Montserrat Alternates" panose="020B0604020202020204" charset="0"/>
               </a:rPr>
-              <a:t>Effort</a:t>
-            </a:r>
-          </a:p>
-          <a:p>
-            <a:pPr marL="171450" indent="-171450" algn="ctr">
+              <a:t>Safe Application.</a:t>
+            </a:r>
+          </a:p>
+          <a:p>
+            <a:pPr marL="0" indent="0">
+              <a:buClr>
+                <a:schemeClr val="bg1"/>
+              </a:buClr>
+            </a:pPr>
+            <a:endParaRPr lang="en-NL" sz="2000" dirty="0">
+              <a:solidFill>
+                <a:schemeClr val="bg1"/>
+              </a:solidFill>
+              <a:latin typeface="Montserrat Alternates" panose="020B0604020202020204" charset="0"/>
+            </a:endParaRPr>
+          </a:p>
+          <a:p>
+            <a:pPr marL="171450" indent="-171450">
               <a:buClr>
                 <a:schemeClr val="bg1"/>
               </a:buClr>
@@ -8093,939 +8284,13 @@
               <a:buChar char="−"/>
             </a:pPr>
             <a:r>
-              <a:rPr lang="en-GB" sz="2000" dirty="0">
+              <a:rPr lang="en-NL" sz="2000" dirty="0">
                 <a:solidFill>
                   <a:schemeClr val="bg1"/>
                 </a:solidFill>
                 <a:latin typeface="Montserrat Alternates" panose="020B0604020202020204" charset="0"/>
               </a:rPr>
-              <a:t>Communication</a:t>
-            </a:r>
-          </a:p>
-        </p:txBody>
-      </p:sp>
-      <p:sp>
-        <p:nvSpPr>
-          <p:cNvPr id="13" name="Google Shape;265;p33">
-            <a:extLst>
-              <a:ext uri="{FF2B5EF4-FFF2-40B4-BE49-F238E27FC236}">
-                <a16:creationId xmlns:a16="http://schemas.microsoft.com/office/drawing/2014/main" id="{65F1D215-5E7E-0FC5-6D37-863CB0417B6D}"/>
-              </a:ext>
-            </a:extLst>
-          </p:cNvPr>
-          <p:cNvSpPr txBox="1">
-            <a:spLocks/>
-          </p:cNvSpPr>
-          <p:nvPr/>
-        </p:nvSpPr>
-        <p:spPr>
-          <a:xfrm>
-            <a:off x="6030689" y="3332506"/>
-            <a:ext cx="2839815" cy="693169"/>
-          </a:xfrm>
-          <a:prstGeom prst="rect">
-            <a:avLst/>
-          </a:prstGeom>
-          <a:noFill/>
-          <a:ln>
-            <a:noFill/>
-          </a:ln>
-        </p:spPr>
-        <p:txBody>
-          <a:bodyPr spcFirstLastPara="1" wrap="square" lIns="91425" tIns="91425" rIns="91425" bIns="91425" anchor="t" anchorCtr="0">
-            <a:noAutofit/>
-          </a:bodyPr>
-          <a:lstStyle>
-            <a:defPPr marR="0" lvl="0" algn="l" rtl="0">
-              <a:lnSpc>
-                <a:spcPct val="100000"/>
-              </a:lnSpc>
-              <a:spcBef>
-                <a:spcPts val="0"/>
-              </a:spcBef>
-              <a:spcAft>
-                <a:spcPts val="0"/>
-              </a:spcAft>
-            </a:defPPr>
-            <a:lvl1pPr marL="457200" marR="0" lvl="0" indent="-304800" algn="l" rtl="0">
-              <a:lnSpc>
-                <a:spcPct val="100000"/>
-              </a:lnSpc>
-              <a:spcBef>
-                <a:spcPts val="0"/>
-              </a:spcBef>
-              <a:spcAft>
-                <a:spcPts val="0"/>
-              </a:spcAft>
-              <a:buClr>
-                <a:schemeClr val="dk1"/>
-              </a:buClr>
-              <a:buSzPts val="1200"/>
-              <a:buFont typeface="DM Sans"/>
-              <a:buNone/>
-              <a:defRPr sz="1200" b="0" i="0" u="none" strike="noStrike" cap="none">
-                <a:solidFill>
-                  <a:schemeClr val="dk1"/>
-                </a:solidFill>
-                <a:latin typeface="DM Sans"/>
-                <a:ea typeface="DM Sans"/>
-                <a:cs typeface="DM Sans"/>
-                <a:sym typeface="DM Sans"/>
-              </a:defRPr>
-            </a:lvl1pPr>
-            <a:lvl2pPr marL="914400" marR="0" lvl="1" indent="-304800" algn="ctr" rtl="0">
-              <a:lnSpc>
-                <a:spcPct val="100000"/>
-              </a:lnSpc>
-              <a:spcBef>
-                <a:spcPts val="0"/>
-              </a:spcBef>
-              <a:spcAft>
-                <a:spcPts val="0"/>
-              </a:spcAft>
-              <a:buClr>
-                <a:schemeClr val="dk1"/>
-              </a:buClr>
-              <a:buSzPts val="1200"/>
-              <a:buFont typeface="DM Sans"/>
-              <a:buNone/>
-              <a:defRPr sz="1200" b="0" i="0" u="none" strike="noStrike" cap="none">
-                <a:solidFill>
-                  <a:schemeClr val="dk1"/>
-                </a:solidFill>
-                <a:latin typeface="DM Sans"/>
-                <a:ea typeface="DM Sans"/>
-                <a:cs typeface="DM Sans"/>
-                <a:sym typeface="DM Sans"/>
-              </a:defRPr>
-            </a:lvl2pPr>
-            <a:lvl3pPr marL="1371600" marR="0" lvl="2" indent="-304800" algn="ctr" rtl="0">
-              <a:lnSpc>
-                <a:spcPct val="100000"/>
-              </a:lnSpc>
-              <a:spcBef>
-                <a:spcPts val="0"/>
-              </a:spcBef>
-              <a:spcAft>
-                <a:spcPts val="0"/>
-              </a:spcAft>
-              <a:buClr>
-                <a:schemeClr val="dk1"/>
-              </a:buClr>
-              <a:buSzPts val="1200"/>
-              <a:buFont typeface="DM Sans"/>
-              <a:buNone/>
-              <a:defRPr sz="1200" b="0" i="0" u="none" strike="noStrike" cap="none">
-                <a:solidFill>
-                  <a:schemeClr val="dk1"/>
-                </a:solidFill>
-                <a:latin typeface="DM Sans"/>
-                <a:ea typeface="DM Sans"/>
-                <a:cs typeface="DM Sans"/>
-                <a:sym typeface="DM Sans"/>
-              </a:defRPr>
-            </a:lvl3pPr>
-            <a:lvl4pPr marL="1828800" marR="0" lvl="3" indent="-304800" algn="ctr" rtl="0">
-              <a:lnSpc>
-                <a:spcPct val="100000"/>
-              </a:lnSpc>
-              <a:spcBef>
-                <a:spcPts val="0"/>
-              </a:spcBef>
-              <a:spcAft>
-                <a:spcPts val="0"/>
-              </a:spcAft>
-              <a:buClr>
-                <a:schemeClr val="dk1"/>
-              </a:buClr>
-              <a:buSzPts val="1200"/>
-              <a:buFont typeface="DM Sans"/>
-              <a:buNone/>
-              <a:defRPr sz="1200" b="0" i="0" u="none" strike="noStrike" cap="none">
-                <a:solidFill>
-                  <a:schemeClr val="dk1"/>
-                </a:solidFill>
-                <a:latin typeface="DM Sans"/>
-                <a:ea typeface="DM Sans"/>
-                <a:cs typeface="DM Sans"/>
-                <a:sym typeface="DM Sans"/>
-              </a:defRPr>
-            </a:lvl4pPr>
-            <a:lvl5pPr marL="2286000" marR="0" lvl="4" indent="-304800" algn="ctr" rtl="0">
-              <a:lnSpc>
-                <a:spcPct val="100000"/>
-              </a:lnSpc>
-              <a:spcBef>
-                <a:spcPts val="0"/>
-              </a:spcBef>
-              <a:spcAft>
-                <a:spcPts val="0"/>
-              </a:spcAft>
-              <a:buClr>
-                <a:schemeClr val="dk1"/>
-              </a:buClr>
-              <a:buSzPts val="1200"/>
-              <a:buFont typeface="DM Sans"/>
-              <a:buNone/>
-              <a:defRPr sz="1200" b="0" i="0" u="none" strike="noStrike" cap="none">
-                <a:solidFill>
-                  <a:schemeClr val="dk1"/>
-                </a:solidFill>
-                <a:latin typeface="DM Sans"/>
-                <a:ea typeface="DM Sans"/>
-                <a:cs typeface="DM Sans"/>
-                <a:sym typeface="DM Sans"/>
-              </a:defRPr>
-            </a:lvl5pPr>
-            <a:lvl6pPr marL="2743200" marR="0" lvl="5" indent="-304800" algn="ctr" rtl="0">
-              <a:lnSpc>
-                <a:spcPct val="100000"/>
-              </a:lnSpc>
-              <a:spcBef>
-                <a:spcPts val="0"/>
-              </a:spcBef>
-              <a:spcAft>
-                <a:spcPts val="0"/>
-              </a:spcAft>
-              <a:buClr>
-                <a:schemeClr val="dk1"/>
-              </a:buClr>
-              <a:buSzPts val="1200"/>
-              <a:buFont typeface="DM Sans"/>
-              <a:buNone/>
-              <a:defRPr sz="1200" b="0" i="0" u="none" strike="noStrike" cap="none">
-                <a:solidFill>
-                  <a:schemeClr val="dk1"/>
-                </a:solidFill>
-                <a:latin typeface="DM Sans"/>
-                <a:ea typeface="DM Sans"/>
-                <a:cs typeface="DM Sans"/>
-                <a:sym typeface="DM Sans"/>
-              </a:defRPr>
-            </a:lvl6pPr>
-            <a:lvl7pPr marL="3200400" marR="0" lvl="6" indent="-304800" algn="ctr" rtl="0">
-              <a:lnSpc>
-                <a:spcPct val="100000"/>
-              </a:lnSpc>
-              <a:spcBef>
-                <a:spcPts val="0"/>
-              </a:spcBef>
-              <a:spcAft>
-                <a:spcPts val="0"/>
-              </a:spcAft>
-              <a:buClr>
-                <a:schemeClr val="dk1"/>
-              </a:buClr>
-              <a:buSzPts val="1200"/>
-              <a:buFont typeface="DM Sans"/>
-              <a:buNone/>
-              <a:defRPr sz="1200" b="0" i="0" u="none" strike="noStrike" cap="none">
-                <a:solidFill>
-                  <a:schemeClr val="dk1"/>
-                </a:solidFill>
-                <a:latin typeface="DM Sans"/>
-                <a:ea typeface="DM Sans"/>
-                <a:cs typeface="DM Sans"/>
-                <a:sym typeface="DM Sans"/>
-              </a:defRPr>
-            </a:lvl7pPr>
-            <a:lvl8pPr marL="3657600" marR="0" lvl="7" indent="-304800" algn="ctr" rtl="0">
-              <a:lnSpc>
-                <a:spcPct val="100000"/>
-              </a:lnSpc>
-              <a:spcBef>
-                <a:spcPts val="0"/>
-              </a:spcBef>
-              <a:spcAft>
-                <a:spcPts val="0"/>
-              </a:spcAft>
-              <a:buClr>
-                <a:schemeClr val="dk1"/>
-              </a:buClr>
-              <a:buSzPts val="1200"/>
-              <a:buFont typeface="DM Sans"/>
-              <a:buNone/>
-              <a:defRPr sz="1200" b="0" i="0" u="none" strike="noStrike" cap="none">
-                <a:solidFill>
-                  <a:schemeClr val="dk1"/>
-                </a:solidFill>
-                <a:latin typeface="DM Sans"/>
-                <a:ea typeface="DM Sans"/>
-                <a:cs typeface="DM Sans"/>
-                <a:sym typeface="DM Sans"/>
-              </a:defRPr>
-            </a:lvl8pPr>
-            <a:lvl9pPr marL="4114800" marR="0" lvl="8" indent="-304800" algn="ctr" rtl="0">
-              <a:lnSpc>
-                <a:spcPct val="100000"/>
-              </a:lnSpc>
-              <a:spcBef>
-                <a:spcPts val="0"/>
-              </a:spcBef>
-              <a:spcAft>
-                <a:spcPts val="0"/>
-              </a:spcAft>
-              <a:buClr>
-                <a:schemeClr val="dk1"/>
-              </a:buClr>
-              <a:buSzPts val="1200"/>
-              <a:buFont typeface="DM Sans"/>
-              <a:buNone/>
-              <a:defRPr sz="1200" b="0" i="0" u="none" strike="noStrike" cap="none">
-                <a:solidFill>
-                  <a:schemeClr val="dk1"/>
-                </a:solidFill>
-                <a:latin typeface="DM Sans"/>
-                <a:ea typeface="DM Sans"/>
-                <a:cs typeface="DM Sans"/>
-                <a:sym typeface="DM Sans"/>
-              </a:defRPr>
-            </a:lvl9pPr>
-          </a:lstStyle>
-          <a:p>
-            <a:pPr marL="171450" indent="-171450" algn="ctr">
-              <a:buClr>
-                <a:schemeClr val="bg1"/>
-              </a:buClr>
-              <a:buFontTx/>
-              <a:buChar char="−"/>
-            </a:pPr>
-            <a:r>
-              <a:rPr lang="en-GB" sz="2000" dirty="0">
-                <a:solidFill>
-                  <a:schemeClr val="bg1"/>
-                </a:solidFill>
-                <a:latin typeface="Montserrat Alternates" panose="020B0604020202020204" charset="0"/>
-              </a:rPr>
-              <a:t>Working in a team</a:t>
-            </a:r>
-          </a:p>
-          <a:p>
-            <a:pPr marL="171450" indent="-171450" algn="ctr">
-              <a:buClr>
-                <a:schemeClr val="bg1"/>
-              </a:buClr>
-              <a:buFontTx/>
-              <a:buChar char="−"/>
-            </a:pPr>
-            <a:r>
-              <a:rPr lang="en-GB" sz="2000" dirty="0">
-                <a:solidFill>
-                  <a:schemeClr val="bg1"/>
-                </a:solidFill>
-                <a:latin typeface="Montserrat Alternates" panose="020B0604020202020204" charset="0"/>
-              </a:rPr>
-              <a:t>Responsibility</a:t>
-            </a:r>
-          </a:p>
-          <a:p>
-            <a:pPr marL="171450" indent="-171450" algn="ctr">
-              <a:buClr>
-                <a:schemeClr val="bg1"/>
-              </a:buClr>
-              <a:buFontTx/>
-              <a:buChar char="−"/>
-            </a:pPr>
-            <a:r>
-              <a:rPr lang="en-GB" sz="2000" dirty="0">
-                <a:solidFill>
-                  <a:schemeClr val="bg1"/>
-                </a:solidFill>
-                <a:latin typeface="Montserrat Alternates" panose="020B0604020202020204" charset="0"/>
-              </a:rPr>
-              <a:t>Use of git-branches</a:t>
-            </a:r>
-          </a:p>
-        </p:txBody>
-      </p:sp>
-      <p:sp>
-        <p:nvSpPr>
-          <p:cNvPr id="14" name="Google Shape;265;p33">
-            <a:extLst>
-              <a:ext uri="{FF2B5EF4-FFF2-40B4-BE49-F238E27FC236}">
-                <a16:creationId xmlns:a16="http://schemas.microsoft.com/office/drawing/2014/main" id="{0CDB1607-EA84-BF1D-0A17-B8442D804AEC}"/>
-              </a:ext>
-            </a:extLst>
-          </p:cNvPr>
-          <p:cNvSpPr txBox="1">
-            <a:spLocks/>
-          </p:cNvSpPr>
-          <p:nvPr/>
-        </p:nvSpPr>
-        <p:spPr>
-          <a:xfrm>
-            <a:off x="3234072" y="2801459"/>
-            <a:ext cx="2839815" cy="354923"/>
-          </a:xfrm>
-          <a:prstGeom prst="rect">
-            <a:avLst/>
-          </a:prstGeom>
-          <a:noFill/>
-          <a:ln>
-            <a:noFill/>
-          </a:ln>
-        </p:spPr>
-        <p:txBody>
-          <a:bodyPr spcFirstLastPara="1" wrap="square" lIns="91425" tIns="91425" rIns="91425" bIns="91425" anchor="t" anchorCtr="0">
-            <a:noAutofit/>
-          </a:bodyPr>
-          <a:lstStyle>
-            <a:defPPr marR="0" lvl="0" algn="l" rtl="0">
-              <a:lnSpc>
-                <a:spcPct val="100000"/>
-              </a:lnSpc>
-              <a:spcBef>
-                <a:spcPts val="0"/>
-              </a:spcBef>
-              <a:spcAft>
-                <a:spcPts val="0"/>
-              </a:spcAft>
-            </a:defPPr>
-            <a:lvl1pPr marL="457200" marR="0" lvl="0" indent="-304800" algn="l" rtl="0">
-              <a:lnSpc>
-                <a:spcPct val="100000"/>
-              </a:lnSpc>
-              <a:spcBef>
-                <a:spcPts val="0"/>
-              </a:spcBef>
-              <a:spcAft>
-                <a:spcPts val="0"/>
-              </a:spcAft>
-              <a:buClr>
-                <a:schemeClr val="dk1"/>
-              </a:buClr>
-              <a:buSzPts val="1200"/>
-              <a:buFont typeface="DM Sans"/>
-              <a:buNone/>
-              <a:defRPr sz="1200" b="0" i="0" u="none" strike="noStrike" cap="none">
-                <a:solidFill>
-                  <a:schemeClr val="dk1"/>
-                </a:solidFill>
-                <a:latin typeface="DM Sans"/>
-                <a:ea typeface="DM Sans"/>
-                <a:cs typeface="DM Sans"/>
-                <a:sym typeface="DM Sans"/>
-              </a:defRPr>
-            </a:lvl1pPr>
-            <a:lvl2pPr marL="914400" marR="0" lvl="1" indent="-304800" algn="ctr" rtl="0">
-              <a:lnSpc>
-                <a:spcPct val="100000"/>
-              </a:lnSpc>
-              <a:spcBef>
-                <a:spcPts val="0"/>
-              </a:spcBef>
-              <a:spcAft>
-                <a:spcPts val="0"/>
-              </a:spcAft>
-              <a:buClr>
-                <a:schemeClr val="dk1"/>
-              </a:buClr>
-              <a:buSzPts val="1200"/>
-              <a:buFont typeface="DM Sans"/>
-              <a:buNone/>
-              <a:defRPr sz="1200" b="0" i="0" u="none" strike="noStrike" cap="none">
-                <a:solidFill>
-                  <a:schemeClr val="dk1"/>
-                </a:solidFill>
-                <a:latin typeface="DM Sans"/>
-                <a:ea typeface="DM Sans"/>
-                <a:cs typeface="DM Sans"/>
-                <a:sym typeface="DM Sans"/>
-              </a:defRPr>
-            </a:lvl2pPr>
-            <a:lvl3pPr marL="1371600" marR="0" lvl="2" indent="-304800" algn="ctr" rtl="0">
-              <a:lnSpc>
-                <a:spcPct val="100000"/>
-              </a:lnSpc>
-              <a:spcBef>
-                <a:spcPts val="0"/>
-              </a:spcBef>
-              <a:spcAft>
-                <a:spcPts val="0"/>
-              </a:spcAft>
-              <a:buClr>
-                <a:schemeClr val="dk1"/>
-              </a:buClr>
-              <a:buSzPts val="1200"/>
-              <a:buFont typeface="DM Sans"/>
-              <a:buNone/>
-              <a:defRPr sz="1200" b="0" i="0" u="none" strike="noStrike" cap="none">
-                <a:solidFill>
-                  <a:schemeClr val="dk1"/>
-                </a:solidFill>
-                <a:latin typeface="DM Sans"/>
-                <a:ea typeface="DM Sans"/>
-                <a:cs typeface="DM Sans"/>
-                <a:sym typeface="DM Sans"/>
-              </a:defRPr>
-            </a:lvl3pPr>
-            <a:lvl4pPr marL="1828800" marR="0" lvl="3" indent="-304800" algn="ctr" rtl="0">
-              <a:lnSpc>
-                <a:spcPct val="100000"/>
-              </a:lnSpc>
-              <a:spcBef>
-                <a:spcPts val="0"/>
-              </a:spcBef>
-              <a:spcAft>
-                <a:spcPts val="0"/>
-              </a:spcAft>
-              <a:buClr>
-                <a:schemeClr val="dk1"/>
-              </a:buClr>
-              <a:buSzPts val="1200"/>
-              <a:buFont typeface="DM Sans"/>
-              <a:buNone/>
-              <a:defRPr sz="1200" b="0" i="0" u="none" strike="noStrike" cap="none">
-                <a:solidFill>
-                  <a:schemeClr val="dk1"/>
-                </a:solidFill>
-                <a:latin typeface="DM Sans"/>
-                <a:ea typeface="DM Sans"/>
-                <a:cs typeface="DM Sans"/>
-                <a:sym typeface="DM Sans"/>
-              </a:defRPr>
-            </a:lvl4pPr>
-            <a:lvl5pPr marL="2286000" marR="0" lvl="4" indent="-304800" algn="ctr" rtl="0">
-              <a:lnSpc>
-                <a:spcPct val="100000"/>
-              </a:lnSpc>
-              <a:spcBef>
-                <a:spcPts val="0"/>
-              </a:spcBef>
-              <a:spcAft>
-                <a:spcPts val="0"/>
-              </a:spcAft>
-              <a:buClr>
-                <a:schemeClr val="dk1"/>
-              </a:buClr>
-              <a:buSzPts val="1200"/>
-              <a:buFont typeface="DM Sans"/>
-              <a:buNone/>
-              <a:defRPr sz="1200" b="0" i="0" u="none" strike="noStrike" cap="none">
-                <a:solidFill>
-                  <a:schemeClr val="dk1"/>
-                </a:solidFill>
-                <a:latin typeface="DM Sans"/>
-                <a:ea typeface="DM Sans"/>
-                <a:cs typeface="DM Sans"/>
-                <a:sym typeface="DM Sans"/>
-              </a:defRPr>
-            </a:lvl5pPr>
-            <a:lvl6pPr marL="2743200" marR="0" lvl="5" indent="-304800" algn="ctr" rtl="0">
-              <a:lnSpc>
-                <a:spcPct val="100000"/>
-              </a:lnSpc>
-              <a:spcBef>
-                <a:spcPts val="0"/>
-              </a:spcBef>
-              <a:spcAft>
-                <a:spcPts val="0"/>
-              </a:spcAft>
-              <a:buClr>
-                <a:schemeClr val="dk1"/>
-              </a:buClr>
-              <a:buSzPts val="1200"/>
-              <a:buFont typeface="DM Sans"/>
-              <a:buNone/>
-              <a:defRPr sz="1200" b="0" i="0" u="none" strike="noStrike" cap="none">
-                <a:solidFill>
-                  <a:schemeClr val="dk1"/>
-                </a:solidFill>
-                <a:latin typeface="DM Sans"/>
-                <a:ea typeface="DM Sans"/>
-                <a:cs typeface="DM Sans"/>
-                <a:sym typeface="DM Sans"/>
-              </a:defRPr>
-            </a:lvl6pPr>
-            <a:lvl7pPr marL="3200400" marR="0" lvl="6" indent="-304800" algn="ctr" rtl="0">
-              <a:lnSpc>
-                <a:spcPct val="100000"/>
-              </a:lnSpc>
-              <a:spcBef>
-                <a:spcPts val="0"/>
-              </a:spcBef>
-              <a:spcAft>
-                <a:spcPts val="0"/>
-              </a:spcAft>
-              <a:buClr>
-                <a:schemeClr val="dk1"/>
-              </a:buClr>
-              <a:buSzPts val="1200"/>
-              <a:buFont typeface="DM Sans"/>
-              <a:buNone/>
-              <a:defRPr sz="1200" b="0" i="0" u="none" strike="noStrike" cap="none">
-                <a:solidFill>
-                  <a:schemeClr val="dk1"/>
-                </a:solidFill>
-                <a:latin typeface="DM Sans"/>
-                <a:ea typeface="DM Sans"/>
-                <a:cs typeface="DM Sans"/>
-                <a:sym typeface="DM Sans"/>
-              </a:defRPr>
-            </a:lvl7pPr>
-            <a:lvl8pPr marL="3657600" marR="0" lvl="7" indent="-304800" algn="ctr" rtl="0">
-              <a:lnSpc>
-                <a:spcPct val="100000"/>
-              </a:lnSpc>
-              <a:spcBef>
-                <a:spcPts val="0"/>
-              </a:spcBef>
-              <a:spcAft>
-                <a:spcPts val="0"/>
-              </a:spcAft>
-              <a:buClr>
-                <a:schemeClr val="dk1"/>
-              </a:buClr>
-              <a:buSzPts val="1200"/>
-              <a:buFont typeface="DM Sans"/>
-              <a:buNone/>
-              <a:defRPr sz="1200" b="0" i="0" u="none" strike="noStrike" cap="none">
-                <a:solidFill>
-                  <a:schemeClr val="dk1"/>
-                </a:solidFill>
-                <a:latin typeface="DM Sans"/>
-                <a:ea typeface="DM Sans"/>
-                <a:cs typeface="DM Sans"/>
-                <a:sym typeface="DM Sans"/>
-              </a:defRPr>
-            </a:lvl8pPr>
-            <a:lvl9pPr marL="4114800" marR="0" lvl="8" indent="-304800" algn="ctr" rtl="0">
-              <a:lnSpc>
-                <a:spcPct val="100000"/>
-              </a:lnSpc>
-              <a:spcBef>
-                <a:spcPts val="0"/>
-              </a:spcBef>
-              <a:spcAft>
-                <a:spcPts val="0"/>
-              </a:spcAft>
-              <a:buClr>
-                <a:schemeClr val="dk1"/>
-              </a:buClr>
-              <a:buSzPts val="1200"/>
-              <a:buFont typeface="DM Sans"/>
-              <a:buNone/>
-              <a:defRPr sz="1200" b="0" i="0" u="none" strike="noStrike" cap="none">
-                <a:solidFill>
-                  <a:schemeClr val="dk1"/>
-                </a:solidFill>
-                <a:latin typeface="DM Sans"/>
-                <a:ea typeface="DM Sans"/>
-                <a:cs typeface="DM Sans"/>
-                <a:sym typeface="DM Sans"/>
-              </a:defRPr>
-            </a:lvl9pPr>
-          </a:lstStyle>
-          <a:p>
-            <a:pPr marL="0" indent="0" algn="ctr">
-              <a:buClr>
-                <a:schemeClr val="bg1"/>
-              </a:buClr>
-            </a:pPr>
-            <a:r>
-              <a:rPr lang="en-GB" sz="2000" i="1" dirty="0">
-                <a:solidFill>
-                  <a:schemeClr val="accent6"/>
-                </a:solidFill>
-                <a:latin typeface="Montserrat Alternates" panose="020B0604020202020204" charset="0"/>
-              </a:rPr>
-              <a:t>Positives</a:t>
-            </a:r>
-          </a:p>
-        </p:txBody>
-      </p:sp>
-      <p:sp>
-        <p:nvSpPr>
-          <p:cNvPr id="15" name="Google Shape;265;p33">
-            <a:extLst>
-              <a:ext uri="{FF2B5EF4-FFF2-40B4-BE49-F238E27FC236}">
-                <a16:creationId xmlns:a16="http://schemas.microsoft.com/office/drawing/2014/main" id="{ABEB2866-5AB1-7D90-10CB-CB514DAB77D6}"/>
-              </a:ext>
-            </a:extLst>
-          </p:cNvPr>
-          <p:cNvSpPr txBox="1">
-            <a:spLocks/>
-          </p:cNvSpPr>
-          <p:nvPr/>
-        </p:nvSpPr>
-        <p:spPr>
-          <a:xfrm>
-            <a:off x="5890874" y="2781187"/>
-            <a:ext cx="2839815" cy="354923"/>
-          </a:xfrm>
-          <a:prstGeom prst="rect">
-            <a:avLst/>
-          </a:prstGeom>
-          <a:noFill/>
-          <a:ln>
-            <a:noFill/>
-          </a:ln>
-        </p:spPr>
-        <p:txBody>
-          <a:bodyPr spcFirstLastPara="1" wrap="square" lIns="91425" tIns="91425" rIns="91425" bIns="91425" anchor="t" anchorCtr="0">
-            <a:noAutofit/>
-          </a:bodyPr>
-          <a:lstStyle>
-            <a:defPPr marR="0" lvl="0" algn="l" rtl="0">
-              <a:lnSpc>
-                <a:spcPct val="100000"/>
-              </a:lnSpc>
-              <a:spcBef>
-                <a:spcPts val="0"/>
-              </a:spcBef>
-              <a:spcAft>
-                <a:spcPts val="0"/>
-              </a:spcAft>
-            </a:defPPr>
-            <a:lvl1pPr marL="457200" marR="0" lvl="0" indent="-304800" algn="l" rtl="0">
-              <a:lnSpc>
-                <a:spcPct val="100000"/>
-              </a:lnSpc>
-              <a:spcBef>
-                <a:spcPts val="0"/>
-              </a:spcBef>
-              <a:spcAft>
-                <a:spcPts val="0"/>
-              </a:spcAft>
-              <a:buClr>
-                <a:schemeClr val="dk1"/>
-              </a:buClr>
-              <a:buSzPts val="1200"/>
-              <a:buFont typeface="DM Sans"/>
-              <a:buNone/>
-              <a:defRPr sz="1200" b="0" i="0" u="none" strike="noStrike" cap="none">
-                <a:solidFill>
-                  <a:schemeClr val="dk1"/>
-                </a:solidFill>
-                <a:latin typeface="DM Sans"/>
-                <a:ea typeface="DM Sans"/>
-                <a:cs typeface="DM Sans"/>
-                <a:sym typeface="DM Sans"/>
-              </a:defRPr>
-            </a:lvl1pPr>
-            <a:lvl2pPr marL="914400" marR="0" lvl="1" indent="-304800" algn="ctr" rtl="0">
-              <a:lnSpc>
-                <a:spcPct val="100000"/>
-              </a:lnSpc>
-              <a:spcBef>
-                <a:spcPts val="0"/>
-              </a:spcBef>
-              <a:spcAft>
-                <a:spcPts val="0"/>
-              </a:spcAft>
-              <a:buClr>
-                <a:schemeClr val="dk1"/>
-              </a:buClr>
-              <a:buSzPts val="1200"/>
-              <a:buFont typeface="DM Sans"/>
-              <a:buNone/>
-              <a:defRPr sz="1200" b="0" i="0" u="none" strike="noStrike" cap="none">
-                <a:solidFill>
-                  <a:schemeClr val="dk1"/>
-                </a:solidFill>
-                <a:latin typeface="DM Sans"/>
-                <a:ea typeface="DM Sans"/>
-                <a:cs typeface="DM Sans"/>
-                <a:sym typeface="DM Sans"/>
-              </a:defRPr>
-            </a:lvl2pPr>
-            <a:lvl3pPr marL="1371600" marR="0" lvl="2" indent="-304800" algn="ctr" rtl="0">
-              <a:lnSpc>
-                <a:spcPct val="100000"/>
-              </a:lnSpc>
-              <a:spcBef>
-                <a:spcPts val="0"/>
-              </a:spcBef>
-              <a:spcAft>
-                <a:spcPts val="0"/>
-              </a:spcAft>
-              <a:buClr>
-                <a:schemeClr val="dk1"/>
-              </a:buClr>
-              <a:buSzPts val="1200"/>
-              <a:buFont typeface="DM Sans"/>
-              <a:buNone/>
-              <a:defRPr sz="1200" b="0" i="0" u="none" strike="noStrike" cap="none">
-                <a:solidFill>
-                  <a:schemeClr val="dk1"/>
-                </a:solidFill>
-                <a:latin typeface="DM Sans"/>
-                <a:ea typeface="DM Sans"/>
-                <a:cs typeface="DM Sans"/>
-                <a:sym typeface="DM Sans"/>
-              </a:defRPr>
-            </a:lvl3pPr>
-            <a:lvl4pPr marL="1828800" marR="0" lvl="3" indent="-304800" algn="ctr" rtl="0">
-              <a:lnSpc>
-                <a:spcPct val="100000"/>
-              </a:lnSpc>
-              <a:spcBef>
-                <a:spcPts val="0"/>
-              </a:spcBef>
-              <a:spcAft>
-                <a:spcPts val="0"/>
-              </a:spcAft>
-              <a:buClr>
-                <a:schemeClr val="dk1"/>
-              </a:buClr>
-              <a:buSzPts val="1200"/>
-              <a:buFont typeface="DM Sans"/>
-              <a:buNone/>
-              <a:defRPr sz="1200" b="0" i="0" u="none" strike="noStrike" cap="none">
-                <a:solidFill>
-                  <a:schemeClr val="dk1"/>
-                </a:solidFill>
-                <a:latin typeface="DM Sans"/>
-                <a:ea typeface="DM Sans"/>
-                <a:cs typeface="DM Sans"/>
-                <a:sym typeface="DM Sans"/>
-              </a:defRPr>
-            </a:lvl4pPr>
-            <a:lvl5pPr marL="2286000" marR="0" lvl="4" indent="-304800" algn="ctr" rtl="0">
-              <a:lnSpc>
-                <a:spcPct val="100000"/>
-              </a:lnSpc>
-              <a:spcBef>
-                <a:spcPts val="0"/>
-              </a:spcBef>
-              <a:spcAft>
-                <a:spcPts val="0"/>
-              </a:spcAft>
-              <a:buClr>
-                <a:schemeClr val="dk1"/>
-              </a:buClr>
-              <a:buSzPts val="1200"/>
-              <a:buFont typeface="DM Sans"/>
-              <a:buNone/>
-              <a:defRPr sz="1200" b="0" i="0" u="none" strike="noStrike" cap="none">
-                <a:solidFill>
-                  <a:schemeClr val="dk1"/>
-                </a:solidFill>
-                <a:latin typeface="DM Sans"/>
-                <a:ea typeface="DM Sans"/>
-                <a:cs typeface="DM Sans"/>
-                <a:sym typeface="DM Sans"/>
-              </a:defRPr>
-            </a:lvl5pPr>
-            <a:lvl6pPr marL="2743200" marR="0" lvl="5" indent="-304800" algn="ctr" rtl="0">
-              <a:lnSpc>
-                <a:spcPct val="100000"/>
-              </a:lnSpc>
-              <a:spcBef>
-                <a:spcPts val="0"/>
-              </a:spcBef>
-              <a:spcAft>
-                <a:spcPts val="0"/>
-              </a:spcAft>
-              <a:buClr>
-                <a:schemeClr val="dk1"/>
-              </a:buClr>
-              <a:buSzPts val="1200"/>
-              <a:buFont typeface="DM Sans"/>
-              <a:buNone/>
-              <a:defRPr sz="1200" b="0" i="0" u="none" strike="noStrike" cap="none">
-                <a:solidFill>
-                  <a:schemeClr val="dk1"/>
-                </a:solidFill>
-                <a:latin typeface="DM Sans"/>
-                <a:ea typeface="DM Sans"/>
-                <a:cs typeface="DM Sans"/>
-                <a:sym typeface="DM Sans"/>
-              </a:defRPr>
-            </a:lvl6pPr>
-            <a:lvl7pPr marL="3200400" marR="0" lvl="6" indent="-304800" algn="ctr" rtl="0">
-              <a:lnSpc>
-                <a:spcPct val="100000"/>
-              </a:lnSpc>
-              <a:spcBef>
-                <a:spcPts val="0"/>
-              </a:spcBef>
-              <a:spcAft>
-                <a:spcPts val="0"/>
-              </a:spcAft>
-              <a:buClr>
-                <a:schemeClr val="dk1"/>
-              </a:buClr>
-              <a:buSzPts val="1200"/>
-              <a:buFont typeface="DM Sans"/>
-              <a:buNone/>
-              <a:defRPr sz="1200" b="0" i="0" u="none" strike="noStrike" cap="none">
-                <a:solidFill>
-                  <a:schemeClr val="dk1"/>
-                </a:solidFill>
-                <a:latin typeface="DM Sans"/>
-                <a:ea typeface="DM Sans"/>
-                <a:cs typeface="DM Sans"/>
-                <a:sym typeface="DM Sans"/>
-              </a:defRPr>
-            </a:lvl7pPr>
-            <a:lvl8pPr marL="3657600" marR="0" lvl="7" indent="-304800" algn="ctr" rtl="0">
-              <a:lnSpc>
-                <a:spcPct val="100000"/>
-              </a:lnSpc>
-              <a:spcBef>
-                <a:spcPts val="0"/>
-              </a:spcBef>
-              <a:spcAft>
-                <a:spcPts val="0"/>
-              </a:spcAft>
-              <a:buClr>
-                <a:schemeClr val="dk1"/>
-              </a:buClr>
-              <a:buSzPts val="1200"/>
-              <a:buFont typeface="DM Sans"/>
-              <a:buNone/>
-              <a:defRPr sz="1200" b="0" i="0" u="none" strike="noStrike" cap="none">
-                <a:solidFill>
-                  <a:schemeClr val="dk1"/>
-                </a:solidFill>
-                <a:latin typeface="DM Sans"/>
-                <a:ea typeface="DM Sans"/>
-                <a:cs typeface="DM Sans"/>
-                <a:sym typeface="DM Sans"/>
-              </a:defRPr>
-            </a:lvl8pPr>
-            <a:lvl9pPr marL="4114800" marR="0" lvl="8" indent="-304800" algn="ctr" rtl="0">
-              <a:lnSpc>
-                <a:spcPct val="100000"/>
-              </a:lnSpc>
-              <a:spcBef>
-                <a:spcPts val="0"/>
-              </a:spcBef>
-              <a:spcAft>
-                <a:spcPts val="0"/>
-              </a:spcAft>
-              <a:buClr>
-                <a:schemeClr val="dk1"/>
-              </a:buClr>
-              <a:buSzPts val="1200"/>
-              <a:buFont typeface="DM Sans"/>
-              <a:buNone/>
-              <a:defRPr sz="1200" b="0" i="0" u="none" strike="noStrike" cap="none">
-                <a:solidFill>
-                  <a:schemeClr val="dk1"/>
-                </a:solidFill>
-                <a:latin typeface="DM Sans"/>
-                <a:ea typeface="DM Sans"/>
-                <a:cs typeface="DM Sans"/>
-                <a:sym typeface="DM Sans"/>
-              </a:defRPr>
-            </a:lvl9pPr>
-          </a:lstStyle>
-          <a:p>
-            <a:pPr marL="0" indent="0" algn="ctr">
-              <a:buClr>
-                <a:schemeClr val="bg1"/>
-              </a:buClr>
-            </a:pPr>
-            <a:r>
-              <a:rPr lang="en-GB" sz="2000" i="1" dirty="0">
-                <a:solidFill>
-                  <a:schemeClr val="accent4"/>
-                </a:solidFill>
-                <a:latin typeface="Montserrat Alternates" panose="020B0604020202020204" charset="0"/>
-              </a:rPr>
-              <a:t>Improvements</a:t>
+              <a:t>Application designed for extension due to its structure.</a:t>
             </a:r>
           </a:p>
         </p:txBody>
@@ -9033,7 +8298,7 @@
     </p:spTree>
     <p:extLst>
       <p:ext uri="{BB962C8B-B14F-4D97-AF65-F5344CB8AC3E}">
-        <p14:creationId xmlns:p14="http://schemas.microsoft.com/office/powerpoint/2010/main" val="2666448283"/>
+        <p14:creationId xmlns:p14="http://schemas.microsoft.com/office/powerpoint/2010/main" val="3518795120"/>
       </p:ext>
     </p:extLst>
   </p:cSld>
@@ -9041,9 +8306,9 @@
     <a:masterClrMapping/>
   </p:clrMapOvr>
   <mc:AlternateContent xmlns:mc="http://schemas.openxmlformats.org/markup-compatibility/2006">
-    <mc:Choice xmlns:p15="http://schemas.microsoft.com/office/powerpoint/2012/main" Requires="p15">
-      <p:transition xmlns:p14="http://schemas.microsoft.com/office/powerpoint/2010/main" spd="slow" p14:dur="6000">
-        <p15:prstTrans prst="curtains"/>
+    <mc:Choice xmlns:p14="http://schemas.microsoft.com/office/powerpoint/2010/main" Requires="p14">
+      <p:transition spd="slow" p14:dur="1400">
+        <p14:ripple/>
       </p:transition>
     </mc:Choice>
     <mc:Fallback>
@@ -9102,14 +8367,183 @@
       </p:grpSpPr>
       <p:sp>
         <p:nvSpPr>
-          <p:cNvPr id="2" name="Title 1">
-            <a:extLst>
-              <a:ext uri="{FF2B5EF4-FFF2-40B4-BE49-F238E27FC236}">
-                <a16:creationId xmlns:a16="http://schemas.microsoft.com/office/drawing/2014/main" id="{B67C0828-2471-6D85-1357-27E626FAEE9A}"/>
-              </a:ext>
-            </a:extLst>
-          </p:cNvPr>
-          <p:cNvSpPr>
+          <p:cNvPr id="3" name="Google Shape;204;p27">
+            <a:extLst>
+              <a:ext uri="{FF2B5EF4-FFF2-40B4-BE49-F238E27FC236}">
+                <a16:creationId xmlns:a16="http://schemas.microsoft.com/office/drawing/2014/main" id="{1371B81A-610F-72C5-3319-2FE02EE2D8B8}"/>
+              </a:ext>
+            </a:extLst>
+          </p:cNvPr>
+          <p:cNvSpPr/>
+          <p:nvPr/>
+        </p:nvSpPr>
+        <p:spPr>
+          <a:xfrm>
+            <a:off x="-172870" y="-1784027"/>
+            <a:ext cx="12464715" cy="2126927"/>
+          </a:xfrm>
+          <a:prstGeom prst="rect">
+            <a:avLst/>
+          </a:prstGeom>
+          <a:solidFill>
+            <a:srgbClr val="002060">
+              <a:alpha val="52530"/>
+            </a:srgbClr>
+          </a:solidFill>
+          <a:ln>
+            <a:gradFill>
+              <a:gsLst>
+                <a:gs pos="0">
+                  <a:schemeClr val="accent1">
+                    <a:lumMod val="5000"/>
+                    <a:lumOff val="95000"/>
+                  </a:schemeClr>
+                </a:gs>
+                <a:gs pos="74000">
+                  <a:schemeClr val="accent1">
+                    <a:lumMod val="45000"/>
+                    <a:lumOff val="55000"/>
+                  </a:schemeClr>
+                </a:gs>
+                <a:gs pos="83000">
+                  <a:schemeClr val="accent1">
+                    <a:lumMod val="45000"/>
+                    <a:lumOff val="55000"/>
+                  </a:schemeClr>
+                </a:gs>
+                <a:gs pos="100000">
+                  <a:schemeClr val="accent1">
+                    <a:lumMod val="30000"/>
+                    <a:lumOff val="70000"/>
+                  </a:schemeClr>
+                </a:gs>
+              </a:gsLst>
+              <a:lin ang="5400000" scaled="1"/>
+            </a:gradFill>
+          </a:ln>
+        </p:spPr>
+        <p:txBody>
+          <a:bodyPr spcFirstLastPara="1" wrap="square" lIns="91425" tIns="91425" rIns="91425" bIns="91425" anchor="ctr" anchorCtr="0">
+            <a:noAutofit/>
+          </a:bodyPr>
+          <a:lstStyle/>
+          <a:p>
+            <a:pPr marL="0" lvl="0" indent="0" algn="ctr" rtl="0">
+              <a:spcBef>
+                <a:spcPts val="0"/>
+              </a:spcBef>
+              <a:spcAft>
+                <a:spcPts val="0"/>
+              </a:spcAft>
+              <a:buNone/>
+            </a:pPr>
+            <a:endParaRPr dirty="0">
+              <a:solidFill>
+                <a:schemeClr val="bg2"/>
+              </a:solidFill>
+              <a:latin typeface="Cabin"/>
+              <a:ea typeface="Cabin"/>
+              <a:cs typeface="Cabin"/>
+              <a:sym typeface="Cabin"/>
+            </a:endParaRPr>
+          </a:p>
+        </p:txBody>
+      </p:sp>
+      <p:sp>
+        <p:nvSpPr>
+          <p:cNvPr id="2" name="Google Shape;204;p27">
+            <a:extLst>
+              <a:ext uri="{FF2B5EF4-FFF2-40B4-BE49-F238E27FC236}">
+                <a16:creationId xmlns:a16="http://schemas.microsoft.com/office/drawing/2014/main" id="{3E8843D9-9E1F-3A69-0BBD-70421C718DE9}"/>
+              </a:ext>
+            </a:extLst>
+          </p:cNvPr>
+          <p:cNvSpPr/>
+          <p:nvPr/>
+        </p:nvSpPr>
+        <p:spPr>
+          <a:xfrm rot="16200000">
+            <a:off x="-2625681" y="2685348"/>
+            <a:ext cx="5941346" cy="1256447"/>
+          </a:xfrm>
+          <a:prstGeom prst="rect">
+            <a:avLst/>
+          </a:prstGeom>
+          <a:solidFill>
+            <a:schemeClr val="accent1">
+              <a:lumMod val="75000"/>
+              <a:alpha val="52530"/>
+            </a:schemeClr>
+          </a:solidFill>
+          <a:ln>
+            <a:gradFill>
+              <a:gsLst>
+                <a:gs pos="0">
+                  <a:schemeClr val="accent1">
+                    <a:lumMod val="5000"/>
+                    <a:lumOff val="95000"/>
+                  </a:schemeClr>
+                </a:gs>
+                <a:gs pos="74000">
+                  <a:schemeClr val="accent1">
+                    <a:lumMod val="45000"/>
+                    <a:lumOff val="55000"/>
+                  </a:schemeClr>
+                </a:gs>
+                <a:gs pos="83000">
+                  <a:schemeClr val="accent1">
+                    <a:lumMod val="45000"/>
+                    <a:lumOff val="55000"/>
+                  </a:schemeClr>
+                </a:gs>
+                <a:gs pos="100000">
+                  <a:schemeClr val="accent1">
+                    <a:lumMod val="30000"/>
+                    <a:lumOff val="70000"/>
+                  </a:schemeClr>
+                </a:gs>
+              </a:gsLst>
+              <a:lin ang="5400000" scaled="1"/>
+            </a:gradFill>
+          </a:ln>
+        </p:spPr>
+        <p:txBody>
+          <a:bodyPr spcFirstLastPara="1" wrap="square" lIns="91425" tIns="91425" rIns="91425" bIns="91425" anchor="ctr" anchorCtr="0">
+            <a:noAutofit/>
+          </a:bodyPr>
+          <a:lstStyle/>
+          <a:p>
+            <a:pPr marL="0" lvl="0" indent="0" algn="ctr" rtl="0">
+              <a:spcBef>
+                <a:spcPts val="0"/>
+              </a:spcBef>
+              <a:spcAft>
+                <a:spcPts val="0"/>
+              </a:spcAft>
+              <a:buNone/>
+            </a:pPr>
+            <a:endParaRPr dirty="0">
+              <a:solidFill>
+                <a:schemeClr val="bg2"/>
+              </a:solidFill>
+              <a:latin typeface="Cabin"/>
+              <a:ea typeface="Cabin"/>
+              <a:cs typeface="Cabin"/>
+              <a:sym typeface="Cabin"/>
+            </a:endParaRPr>
+          </a:p>
+        </p:txBody>
+      </p:sp>
+      <p:sp>
+        <p:nvSpPr>
+          <p:cNvPr id="4" name="Google Shape;227;p30">
+            <a:extLst>
+              <a:ext uri="{FF2B5EF4-FFF2-40B4-BE49-F238E27FC236}">
+                <a16:creationId xmlns:a16="http://schemas.microsoft.com/office/drawing/2014/main" id="{CC4D7C42-7C2C-7ACA-8256-D496F8A4BECF}"/>
+              </a:ext>
+            </a:extLst>
+          </p:cNvPr>
+          <p:cNvSpPr txBox="1">
             <a:spLocks noGrp="1"/>
           </p:cNvSpPr>
           <p:nvPr>
@@ -9118,46 +8552,7 @@
         </p:nvSpPr>
         <p:spPr>
           <a:xfrm>
-            <a:off x="2545041" y="529105"/>
-            <a:ext cx="8160204" cy="1325563"/>
-          </a:xfrm>
-        </p:spPr>
-        <p:txBody>
-          <a:bodyPr>
-            <a:normAutofit/>
-          </a:bodyPr>
-          <a:lstStyle/>
-          <a:p>
-            <a:pPr algn="ctr"/>
-            <a:r>
-              <a:rPr lang="en-GB" sz="5400" i="1" dirty="0">
-                <a:solidFill>
-                  <a:schemeClr val="bg1"/>
-                </a:solidFill>
-                <a:latin typeface="Montserrat Alternates" panose="020B0604020202020204" charset="0"/>
-              </a:rPr>
-              <a:t>Looking forward in time</a:t>
-            </a:r>
-          </a:p>
-        </p:txBody>
-      </p:sp>
-      <p:sp>
-        <p:nvSpPr>
-          <p:cNvPr id="4" name="Google Shape;227;p30">
-            <a:extLst>
-              <a:ext uri="{FF2B5EF4-FFF2-40B4-BE49-F238E27FC236}">
-                <a16:creationId xmlns:a16="http://schemas.microsoft.com/office/drawing/2014/main" id="{E8E2C722-43D6-DC43-D76C-73703B690100}"/>
-              </a:ext>
-            </a:extLst>
-          </p:cNvPr>
-          <p:cNvSpPr txBox="1">
-            <a:spLocks/>
-          </p:cNvSpPr>
-          <p:nvPr/>
-        </p:nvSpPr>
-        <p:spPr>
-          <a:xfrm>
-            <a:off x="1288596" y="580561"/>
+            <a:off x="1058130" y="825654"/>
             <a:ext cx="1256445" cy="1086503"/>
           </a:xfrm>
           <a:prstGeom prst="rect">
@@ -9165,8 +8560,79 @@
           </a:prstGeom>
         </p:spPr>
         <p:txBody>
-          <a:bodyPr spcFirstLastPara="1" vert="horz" wrap="square" lIns="91425" tIns="91425" rIns="91425" bIns="91425" rtlCol="0" anchor="ctr" anchorCtr="0">
+          <a:bodyPr spcFirstLastPara="1" wrap="square" lIns="91425" tIns="91425" rIns="91425" bIns="91425" anchor="ctr" anchorCtr="0">
             <a:noAutofit/>
+          </a:bodyPr>
+          <a:lstStyle/>
+          <a:p>
+            <a:pPr marL="0" lvl="0" indent="0" algn="l" rtl="0">
+              <a:spcBef>
+                <a:spcPts val="0"/>
+              </a:spcBef>
+              <a:spcAft>
+                <a:spcPts val="0"/>
+              </a:spcAft>
+              <a:buNone/>
+            </a:pPr>
+            <a:r>
+              <a:rPr lang="en" sz="6600" u="sng" dirty="0">
+                <a:solidFill>
+                  <a:schemeClr val="accent1">
+                    <a:lumMod val="60000"/>
+                    <a:lumOff val="40000"/>
+                  </a:schemeClr>
+                </a:solidFill>
+              </a:rPr>
+              <a:t>0</a:t>
+            </a:r>
+            <a:r>
+              <a:rPr lang="en-NL" sz="6600" u="sng" dirty="0">
+                <a:solidFill>
+                  <a:schemeClr val="accent1">
+                    <a:lumMod val="60000"/>
+                    <a:lumOff val="40000"/>
+                  </a:schemeClr>
+                </a:solidFill>
+              </a:rPr>
+              <a:t>4</a:t>
+            </a:r>
+            <a:endParaRPr sz="6600" u="sng" dirty="0">
+              <a:solidFill>
+                <a:schemeClr val="accent1">
+                  <a:lumMod val="60000"/>
+                  <a:lumOff val="40000"/>
+                </a:schemeClr>
+              </a:solidFill>
+            </a:endParaRPr>
+          </a:p>
+        </p:txBody>
+      </p:sp>
+      <p:sp>
+        <p:nvSpPr>
+          <p:cNvPr id="5" name="Title 8">
+            <a:extLst>
+              <a:ext uri="{FF2B5EF4-FFF2-40B4-BE49-F238E27FC236}">
+                <a16:creationId xmlns:a16="http://schemas.microsoft.com/office/drawing/2014/main" id="{7B858E29-7659-1E18-C93E-34B146A83340}"/>
+              </a:ext>
+            </a:extLst>
+          </p:cNvPr>
+          <p:cNvSpPr txBox="1">
+            <a:spLocks/>
+          </p:cNvSpPr>
+          <p:nvPr/>
+        </p:nvSpPr>
+        <p:spPr>
+          <a:xfrm>
+            <a:off x="4554588" y="721284"/>
+            <a:ext cx="3355538" cy="1280034"/>
+          </a:xfrm>
+          <a:prstGeom prst="rect">
+            <a:avLst/>
+          </a:prstGeom>
+        </p:spPr>
+        <p:txBody>
+          <a:bodyPr vert="horz" lIns="91440" tIns="45720" rIns="91440" bIns="45720" rtlCol="0" anchor="ctr">
+            <a:normAutofit/>
           </a:bodyPr>
           <a:lstStyle>
             <a:lvl1pPr algn="l" defTabSz="914400" rtl="0" eaLnBrk="1" latinLnBrk="0" hangingPunct="1">
@@ -9188,28 +8654,30 @@
             </a:lvl1pPr>
           </a:lstStyle>
           <a:p>
-            <a:pPr>
-              <a:spcBef>
-                <a:spcPts val="0"/>
-              </a:spcBef>
-            </a:pPr>
-            <a:r>
-              <a:rPr lang="en" sz="6600" u="sng" dirty="0">
+            <a:r>
+              <a:rPr lang="en" sz="6000" i="1" dirty="0">
                 <a:solidFill>
                   <a:schemeClr val="bg1"/>
                 </a:solidFill>
+                <a:latin typeface="Montserrat Alternates" panose="020B0604020202020204" charset="0"/>
               </a:rPr>
-              <a:t>04</a:t>
-            </a:r>
-          </a:p>
-        </p:txBody>
-      </p:sp>
-      <p:sp>
-        <p:nvSpPr>
-          <p:cNvPr id="5" name="Google Shape;204;p27">
-            <a:extLst>
-              <a:ext uri="{FF2B5EF4-FFF2-40B4-BE49-F238E27FC236}">
-                <a16:creationId xmlns:a16="http://schemas.microsoft.com/office/drawing/2014/main" id="{90F19013-DBEA-FB3B-8671-0E0726609CE2}"/>
+              <a:t>Reflection</a:t>
+            </a:r>
+            <a:endParaRPr lang="en-GB" sz="6000" i="1" dirty="0">
+              <a:solidFill>
+                <a:schemeClr val="bg1"/>
+              </a:solidFill>
+              <a:latin typeface="Montserrat Alternates" panose="020B0604020202020204" charset="0"/>
+            </a:endParaRPr>
+          </a:p>
+        </p:txBody>
+      </p:sp>
+      <p:sp>
+        <p:nvSpPr>
+          <p:cNvPr id="6" name="Google Shape;204;p27">
+            <a:extLst>
+              <a:ext uri="{FF2B5EF4-FFF2-40B4-BE49-F238E27FC236}">
+                <a16:creationId xmlns:a16="http://schemas.microsoft.com/office/drawing/2014/main" id="{D5B78A32-9571-5B6D-20D4-280FC058AC87}"/>
               </a:ext>
             </a:extLst>
           </p:cNvPr>
@@ -9218,8 +8686,285 @@
         </p:nvSpPr>
         <p:spPr>
           <a:xfrm>
-            <a:off x="-48129" y="683363"/>
-            <a:ext cx="13017600" cy="18000"/>
+            <a:off x="0" y="6284246"/>
+            <a:ext cx="12464715" cy="2493892"/>
+          </a:xfrm>
+          <a:prstGeom prst="rect">
+            <a:avLst/>
+          </a:prstGeom>
+          <a:solidFill>
+            <a:srgbClr val="002060">
+              <a:alpha val="52530"/>
+            </a:srgbClr>
+          </a:solidFill>
+          <a:ln>
+            <a:gradFill>
+              <a:gsLst>
+                <a:gs pos="0">
+                  <a:schemeClr val="accent1">
+                    <a:lumMod val="5000"/>
+                    <a:lumOff val="95000"/>
+                  </a:schemeClr>
+                </a:gs>
+                <a:gs pos="74000">
+                  <a:schemeClr val="accent1">
+                    <a:lumMod val="45000"/>
+                    <a:lumOff val="55000"/>
+                  </a:schemeClr>
+                </a:gs>
+                <a:gs pos="83000">
+                  <a:schemeClr val="accent1">
+                    <a:lumMod val="45000"/>
+                    <a:lumOff val="55000"/>
+                  </a:schemeClr>
+                </a:gs>
+                <a:gs pos="100000">
+                  <a:schemeClr val="accent1">
+                    <a:lumMod val="30000"/>
+                    <a:lumOff val="70000"/>
+                  </a:schemeClr>
+                </a:gs>
+              </a:gsLst>
+              <a:lin ang="5400000" scaled="1"/>
+            </a:gradFill>
+          </a:ln>
+        </p:spPr>
+        <p:txBody>
+          <a:bodyPr spcFirstLastPara="1" wrap="square" lIns="91425" tIns="91425" rIns="91425" bIns="91425" anchor="ctr" anchorCtr="0">
+            <a:noAutofit/>
+          </a:bodyPr>
+          <a:lstStyle/>
+          <a:p>
+            <a:pPr marL="0" lvl="0" indent="0" algn="ctr" rtl="0">
+              <a:spcBef>
+                <a:spcPts val="0"/>
+              </a:spcBef>
+              <a:spcAft>
+                <a:spcPts val="0"/>
+              </a:spcAft>
+              <a:buNone/>
+            </a:pPr>
+            <a:endParaRPr dirty="0">
+              <a:solidFill>
+                <a:schemeClr val="bg2"/>
+              </a:solidFill>
+              <a:latin typeface="Cabin"/>
+              <a:ea typeface="Cabin"/>
+              <a:cs typeface="Cabin"/>
+              <a:sym typeface="Cabin"/>
+            </a:endParaRPr>
+          </a:p>
+        </p:txBody>
+      </p:sp>
+      <p:sp>
+        <p:nvSpPr>
+          <p:cNvPr id="7" name="Google Shape;204;p27">
+            <a:extLst>
+              <a:ext uri="{FF2B5EF4-FFF2-40B4-BE49-F238E27FC236}">
+                <a16:creationId xmlns:a16="http://schemas.microsoft.com/office/drawing/2014/main" id="{1C892620-5FBB-5D0C-CBA4-AC85EE228907}"/>
+              </a:ext>
+            </a:extLst>
+          </p:cNvPr>
+          <p:cNvSpPr/>
+          <p:nvPr/>
+        </p:nvSpPr>
+        <p:spPr>
+          <a:xfrm rot="16200000">
+            <a:off x="8803311" y="2685347"/>
+            <a:ext cx="5941347" cy="1256446"/>
+          </a:xfrm>
+          <a:prstGeom prst="rect">
+            <a:avLst/>
+          </a:prstGeom>
+          <a:solidFill>
+            <a:schemeClr val="accent1">
+              <a:lumMod val="75000"/>
+              <a:alpha val="52530"/>
+            </a:schemeClr>
+          </a:solidFill>
+          <a:ln>
+            <a:gradFill>
+              <a:gsLst>
+                <a:gs pos="0">
+                  <a:schemeClr val="accent1">
+                    <a:lumMod val="5000"/>
+                    <a:lumOff val="95000"/>
+                  </a:schemeClr>
+                </a:gs>
+                <a:gs pos="74000">
+                  <a:schemeClr val="accent1">
+                    <a:lumMod val="45000"/>
+                    <a:lumOff val="55000"/>
+                  </a:schemeClr>
+                </a:gs>
+                <a:gs pos="83000">
+                  <a:schemeClr val="accent1">
+                    <a:lumMod val="45000"/>
+                    <a:lumOff val="55000"/>
+                  </a:schemeClr>
+                </a:gs>
+                <a:gs pos="100000">
+                  <a:schemeClr val="accent1">
+                    <a:lumMod val="30000"/>
+                    <a:lumOff val="70000"/>
+                  </a:schemeClr>
+                </a:gs>
+              </a:gsLst>
+              <a:lin ang="5400000" scaled="1"/>
+            </a:gradFill>
+          </a:ln>
+        </p:spPr>
+        <p:txBody>
+          <a:bodyPr spcFirstLastPara="1" wrap="square" lIns="91425" tIns="91425" rIns="91425" bIns="91425" anchor="ctr" anchorCtr="0">
+            <a:noAutofit/>
+          </a:bodyPr>
+          <a:lstStyle/>
+          <a:p>
+            <a:pPr marL="0" lvl="0" indent="0" algn="ctr" rtl="0">
+              <a:spcBef>
+                <a:spcPts val="0"/>
+              </a:spcBef>
+              <a:spcAft>
+                <a:spcPts val="0"/>
+              </a:spcAft>
+              <a:buNone/>
+            </a:pPr>
+            <a:endParaRPr dirty="0">
+              <a:solidFill>
+                <a:schemeClr val="bg2"/>
+              </a:solidFill>
+              <a:latin typeface="Cabin"/>
+              <a:ea typeface="Cabin"/>
+              <a:cs typeface="Cabin"/>
+              <a:sym typeface="Cabin"/>
+            </a:endParaRPr>
+          </a:p>
+        </p:txBody>
+      </p:sp>
+      <p:pic>
+        <p:nvPicPr>
+          <p:cNvPr id="1034" name="Picture 10" descr="Thinking Emoji [Download Thinking Emoji in PNG] | Emoji Island">
+            <a:extLst>
+              <a:ext uri="{FF2B5EF4-FFF2-40B4-BE49-F238E27FC236}">
+                <a16:creationId xmlns:a16="http://schemas.microsoft.com/office/drawing/2014/main" id="{710268A3-3296-651A-B765-207FC5246A9A}"/>
+              </a:ext>
+            </a:extLst>
+          </p:cNvPr>
+          <p:cNvPicPr>
+            <a:picLocks noChangeAspect="1" noChangeArrowheads="1"/>
+          </p:cNvPicPr>
+          <p:nvPr/>
+        </p:nvPicPr>
+        <p:blipFill>
+          <a:blip r:embed="rId2">
+            <a:extLst>
+              <a:ext uri="{28A0092B-C50C-407E-A947-70E740481C1C}">
+                <a14:useLocalDpi xmlns:a14="http://schemas.microsoft.com/office/drawing/2010/main" val="0"/>
+              </a:ext>
+            </a:extLst>
+          </a:blip>
+          <a:srcRect/>
+          <a:stretch>
+            <a:fillRect/>
+          </a:stretch>
+        </p:blipFill>
+        <p:spPr bwMode="auto">
+          <a:xfrm>
+            <a:off x="6964200" y="2089474"/>
+            <a:ext cx="697631" cy="697631"/>
+          </a:xfrm>
+          <a:prstGeom prst="rect">
+            <a:avLst/>
+          </a:prstGeom>
+          <a:noFill/>
+          <a:effectLst>
+            <a:glow rad="304800">
+              <a:srgbClr val="FFC000">
+                <a:alpha val="26000"/>
+              </a:srgbClr>
+            </a:glow>
+          </a:effectLst>
+          <a:extLst>
+            <a:ext uri="{909E8E84-426E-40DD-AFC4-6F175D3DCCD1}">
+              <a14:hiddenFill xmlns:a14="http://schemas.microsoft.com/office/drawing/2010/main">
+                <a:solidFill>
+                  <a:srgbClr val="FFFFFF"/>
+                </a:solidFill>
+              </a14:hiddenFill>
+            </a:ext>
+          </a:extLst>
+        </p:spPr>
+      </p:pic>
+      <p:pic>
+        <p:nvPicPr>
+          <p:cNvPr id="1038" name="Picture 14" descr="Smiley PNG transparent image download, size: 2592x2592px">
+            <a:extLst>
+              <a:ext uri="{FF2B5EF4-FFF2-40B4-BE49-F238E27FC236}">
+                <a16:creationId xmlns:a16="http://schemas.microsoft.com/office/drawing/2014/main" id="{AD98C425-4136-25D5-FFAA-ECA25CB41E2B}"/>
+              </a:ext>
+            </a:extLst>
+          </p:cNvPr>
+          <p:cNvPicPr>
+            <a:picLocks noChangeAspect="1" noChangeArrowheads="1"/>
+          </p:cNvPicPr>
+          <p:nvPr/>
+        </p:nvPicPr>
+        <p:blipFill>
+          <a:blip r:embed="rId3">
+            <a:extLst>
+              <a:ext uri="{28A0092B-C50C-407E-A947-70E740481C1C}">
+                <a14:useLocalDpi xmlns:a14="http://schemas.microsoft.com/office/drawing/2010/main" val="0"/>
+              </a:ext>
+            </a:extLst>
+          </a:blip>
+          <a:srcRect/>
+          <a:stretch>
+            <a:fillRect/>
+          </a:stretch>
+        </p:blipFill>
+        <p:spPr bwMode="auto">
+          <a:xfrm>
+            <a:off x="4282504" y="2071647"/>
+            <a:ext cx="742950" cy="742950"/>
+          </a:xfrm>
+          <a:prstGeom prst="rect">
+            <a:avLst/>
+          </a:prstGeom>
+          <a:noFill/>
+          <a:effectLst>
+            <a:glow rad="190500">
+              <a:srgbClr val="92D050">
+                <a:alpha val="40000"/>
+              </a:srgbClr>
+            </a:glow>
+          </a:effectLst>
+          <a:extLst>
+            <a:ext uri="{909E8E84-426E-40DD-AFC4-6F175D3DCCD1}">
+              <a14:hiddenFill xmlns:a14="http://schemas.microsoft.com/office/drawing/2010/main">
+                <a:solidFill>
+                  <a:srgbClr val="FFFFFF"/>
+                </a:solidFill>
+              </a14:hiddenFill>
+            </a:ext>
+          </a:extLst>
+        </p:spPr>
+      </p:pic>
+      <p:sp>
+        <p:nvSpPr>
+          <p:cNvPr id="10" name="Google Shape;204;p27">
+            <a:extLst>
+              <a:ext uri="{FF2B5EF4-FFF2-40B4-BE49-F238E27FC236}">
+                <a16:creationId xmlns:a16="http://schemas.microsoft.com/office/drawing/2014/main" id="{9F7F3BCD-2518-48B1-67E1-4DD85D5F2A2B}"/>
+              </a:ext>
+            </a:extLst>
+          </p:cNvPr>
+          <p:cNvSpPr/>
+          <p:nvPr/>
+        </p:nvSpPr>
+        <p:spPr>
+          <a:xfrm>
+            <a:off x="3190875" y="3215762"/>
+            <a:ext cx="5400000" cy="28800"/>
           </a:xfrm>
           <a:prstGeom prst="rect">
             <a:avLst/>
@@ -9263,10 +9008,10 @@
       </p:sp>
       <p:sp>
         <p:nvSpPr>
-          <p:cNvPr id="6" name="Google Shape;204;p27">
-            <a:extLst>
-              <a:ext uri="{FF2B5EF4-FFF2-40B4-BE49-F238E27FC236}">
-                <a16:creationId xmlns:a16="http://schemas.microsoft.com/office/drawing/2014/main" id="{9E3D8064-A1CD-3152-72E2-5268A57298B1}"/>
+          <p:cNvPr id="11" name="Google Shape;204;p27">
+            <a:extLst>
+              <a:ext uri="{FF2B5EF4-FFF2-40B4-BE49-F238E27FC236}">
+                <a16:creationId xmlns:a16="http://schemas.microsoft.com/office/drawing/2014/main" id="{56CED892-F606-7E46-BC36-A5F5B562F2A5}"/>
               </a:ext>
             </a:extLst>
           </p:cNvPr>
@@ -9274,9 +9019,9 @@
           <p:nvPr/>
         </p:nvSpPr>
         <p:spPr>
-          <a:xfrm>
-            <a:off x="-162429" y="1674805"/>
-            <a:ext cx="13017600" cy="18000"/>
+          <a:xfrm rot="5400000">
+            <a:off x="4993887" y="4310162"/>
+            <a:ext cx="2160000" cy="28800"/>
           </a:xfrm>
           <a:prstGeom prst="rect">
             <a:avLst/>
@@ -9320,10 +9065,10 @@
       </p:sp>
       <p:sp>
         <p:nvSpPr>
-          <p:cNvPr id="7" name="Google Shape;288;p35">
-            <a:extLst>
-              <a:ext uri="{FF2B5EF4-FFF2-40B4-BE49-F238E27FC236}">
-                <a16:creationId xmlns:a16="http://schemas.microsoft.com/office/drawing/2014/main" id="{D0A10D39-9C11-ADC1-24BB-1E85DE093178}"/>
+          <p:cNvPr id="12" name="Google Shape;265;p33">
+            <a:extLst>
+              <a:ext uri="{FF2B5EF4-FFF2-40B4-BE49-F238E27FC236}">
+                <a16:creationId xmlns:a16="http://schemas.microsoft.com/office/drawing/2014/main" id="{34616DDB-7E40-9016-4800-10CA6443073B}"/>
               </a:ext>
             </a:extLst>
           </p:cNvPr>
@@ -9334,275 +9079,8 @@
         </p:nvSpPr>
         <p:spPr>
           <a:xfrm>
-            <a:off x="4628176" y="1979502"/>
-            <a:ext cx="2935647" cy="657321"/>
-          </a:xfrm>
-          <a:prstGeom prst="rect">
-            <a:avLst/>
-          </a:prstGeom>
-        </p:spPr>
-        <p:txBody>
-          <a:bodyPr spcFirstLastPara="1" wrap="square" lIns="91425" tIns="91425" rIns="91425" bIns="91425" anchor="b" anchorCtr="0">
-            <a:noAutofit/>
-          </a:bodyPr>
-          <a:lstStyle>
-            <a:defPPr marR="0" lvl="0" algn="l" rtl="0">
-              <a:lnSpc>
-                <a:spcPct val="100000"/>
-              </a:lnSpc>
-              <a:spcBef>
-                <a:spcPts val="0"/>
-              </a:spcBef>
-              <a:spcAft>
-                <a:spcPts val="0"/>
-              </a:spcAft>
-            </a:defPPr>
-            <a:lvl1pPr marR="0" lvl="0" algn="l" rtl="0">
-              <a:lnSpc>
-                <a:spcPct val="100000"/>
-              </a:lnSpc>
-              <a:spcBef>
-                <a:spcPts val="0"/>
-              </a:spcBef>
-              <a:spcAft>
-                <a:spcPts val="0"/>
-              </a:spcAft>
-              <a:buClr>
-                <a:srgbClr val="000000"/>
-              </a:buClr>
-              <a:buFont typeface="Arial"/>
-              <a:defRPr sz="1400" b="0" i="0" u="none" strike="noStrike" cap="none">
-                <a:solidFill>
-                  <a:srgbClr val="000000"/>
-                </a:solidFill>
-                <a:latin typeface="Arial"/>
-                <a:ea typeface="Arial"/>
-                <a:cs typeface="Arial"/>
-                <a:sym typeface="Arial"/>
-              </a:defRPr>
-            </a:lvl1pPr>
-            <a:lvl2pPr marR="0" lvl="1" algn="l" rtl="0">
-              <a:lnSpc>
-                <a:spcPct val="100000"/>
-              </a:lnSpc>
-              <a:spcBef>
-                <a:spcPts val="0"/>
-              </a:spcBef>
-              <a:spcAft>
-                <a:spcPts val="0"/>
-              </a:spcAft>
-              <a:buClr>
-                <a:srgbClr val="000000"/>
-              </a:buClr>
-              <a:buFont typeface="Arial"/>
-              <a:defRPr sz="1400" b="0" i="0" u="none" strike="noStrike" cap="none">
-                <a:solidFill>
-                  <a:srgbClr val="000000"/>
-                </a:solidFill>
-                <a:latin typeface="Arial"/>
-                <a:ea typeface="Arial"/>
-                <a:cs typeface="Arial"/>
-                <a:sym typeface="Arial"/>
-              </a:defRPr>
-            </a:lvl2pPr>
-            <a:lvl3pPr marR="0" lvl="2" algn="l" rtl="0">
-              <a:lnSpc>
-                <a:spcPct val="100000"/>
-              </a:lnSpc>
-              <a:spcBef>
-                <a:spcPts val="0"/>
-              </a:spcBef>
-              <a:spcAft>
-                <a:spcPts val="0"/>
-              </a:spcAft>
-              <a:buClr>
-                <a:srgbClr val="000000"/>
-              </a:buClr>
-              <a:buFont typeface="Arial"/>
-              <a:defRPr sz="1400" b="0" i="0" u="none" strike="noStrike" cap="none">
-                <a:solidFill>
-                  <a:srgbClr val="000000"/>
-                </a:solidFill>
-                <a:latin typeface="Arial"/>
-                <a:ea typeface="Arial"/>
-                <a:cs typeface="Arial"/>
-                <a:sym typeface="Arial"/>
-              </a:defRPr>
-            </a:lvl3pPr>
-            <a:lvl4pPr marR="0" lvl="3" algn="l" rtl="0">
-              <a:lnSpc>
-                <a:spcPct val="100000"/>
-              </a:lnSpc>
-              <a:spcBef>
-                <a:spcPts val="0"/>
-              </a:spcBef>
-              <a:spcAft>
-                <a:spcPts val="0"/>
-              </a:spcAft>
-              <a:buClr>
-                <a:srgbClr val="000000"/>
-              </a:buClr>
-              <a:buFont typeface="Arial"/>
-              <a:defRPr sz="1400" b="0" i="0" u="none" strike="noStrike" cap="none">
-                <a:solidFill>
-                  <a:srgbClr val="000000"/>
-                </a:solidFill>
-                <a:latin typeface="Arial"/>
-                <a:ea typeface="Arial"/>
-                <a:cs typeface="Arial"/>
-                <a:sym typeface="Arial"/>
-              </a:defRPr>
-            </a:lvl4pPr>
-            <a:lvl5pPr marR="0" lvl="4" algn="l" rtl="0">
-              <a:lnSpc>
-                <a:spcPct val="100000"/>
-              </a:lnSpc>
-              <a:spcBef>
-                <a:spcPts val="0"/>
-              </a:spcBef>
-              <a:spcAft>
-                <a:spcPts val="0"/>
-              </a:spcAft>
-              <a:buClr>
-                <a:srgbClr val="000000"/>
-              </a:buClr>
-              <a:buFont typeface="Arial"/>
-              <a:defRPr sz="1400" b="0" i="0" u="none" strike="noStrike" cap="none">
-                <a:solidFill>
-                  <a:srgbClr val="000000"/>
-                </a:solidFill>
-                <a:latin typeface="Arial"/>
-                <a:ea typeface="Arial"/>
-                <a:cs typeface="Arial"/>
-                <a:sym typeface="Arial"/>
-              </a:defRPr>
-            </a:lvl5pPr>
-            <a:lvl6pPr marR="0" lvl="5" algn="l" rtl="0">
-              <a:lnSpc>
-                <a:spcPct val="100000"/>
-              </a:lnSpc>
-              <a:spcBef>
-                <a:spcPts val="0"/>
-              </a:spcBef>
-              <a:spcAft>
-                <a:spcPts val="0"/>
-              </a:spcAft>
-              <a:buClr>
-                <a:srgbClr val="000000"/>
-              </a:buClr>
-              <a:buFont typeface="Arial"/>
-              <a:defRPr sz="1400" b="0" i="0" u="none" strike="noStrike" cap="none">
-                <a:solidFill>
-                  <a:srgbClr val="000000"/>
-                </a:solidFill>
-                <a:latin typeface="Arial"/>
-                <a:ea typeface="Arial"/>
-                <a:cs typeface="Arial"/>
-                <a:sym typeface="Arial"/>
-              </a:defRPr>
-            </a:lvl6pPr>
-            <a:lvl7pPr marR="0" lvl="6" algn="l" rtl="0">
-              <a:lnSpc>
-                <a:spcPct val="100000"/>
-              </a:lnSpc>
-              <a:spcBef>
-                <a:spcPts val="0"/>
-              </a:spcBef>
-              <a:spcAft>
-                <a:spcPts val="0"/>
-              </a:spcAft>
-              <a:buClr>
-                <a:srgbClr val="000000"/>
-              </a:buClr>
-              <a:buFont typeface="Arial"/>
-              <a:defRPr sz="1400" b="0" i="0" u="none" strike="noStrike" cap="none">
-                <a:solidFill>
-                  <a:srgbClr val="000000"/>
-                </a:solidFill>
-                <a:latin typeface="Arial"/>
-                <a:ea typeface="Arial"/>
-                <a:cs typeface="Arial"/>
-                <a:sym typeface="Arial"/>
-              </a:defRPr>
-            </a:lvl7pPr>
-            <a:lvl8pPr marR="0" lvl="7" algn="l" rtl="0">
-              <a:lnSpc>
-                <a:spcPct val="100000"/>
-              </a:lnSpc>
-              <a:spcBef>
-                <a:spcPts val="0"/>
-              </a:spcBef>
-              <a:spcAft>
-                <a:spcPts val="0"/>
-              </a:spcAft>
-              <a:buClr>
-                <a:srgbClr val="000000"/>
-              </a:buClr>
-              <a:buFont typeface="Arial"/>
-              <a:defRPr sz="1400" b="0" i="0" u="none" strike="noStrike" cap="none">
-                <a:solidFill>
-                  <a:srgbClr val="000000"/>
-                </a:solidFill>
-                <a:latin typeface="Arial"/>
-                <a:ea typeface="Arial"/>
-                <a:cs typeface="Arial"/>
-                <a:sym typeface="Arial"/>
-              </a:defRPr>
-            </a:lvl8pPr>
-            <a:lvl9pPr marR="0" lvl="8" algn="l" rtl="0">
-              <a:lnSpc>
-                <a:spcPct val="100000"/>
-              </a:lnSpc>
-              <a:spcBef>
-                <a:spcPts val="0"/>
-              </a:spcBef>
-              <a:spcAft>
-                <a:spcPts val="0"/>
-              </a:spcAft>
-              <a:buClr>
-                <a:srgbClr val="000000"/>
-              </a:buClr>
-              <a:buFont typeface="Arial"/>
-              <a:defRPr sz="1400" b="0" i="0" u="none" strike="noStrike" cap="none">
-                <a:solidFill>
-                  <a:srgbClr val="000000"/>
-                </a:solidFill>
-                <a:latin typeface="Arial"/>
-                <a:ea typeface="Arial"/>
-                <a:cs typeface="Arial"/>
-                <a:sym typeface="Arial"/>
-              </a:defRPr>
-            </a:lvl9pPr>
-          </a:lstStyle>
-          <a:p>
-            <a:endParaRPr lang="en-GB" sz="3600" b="1" u="sng" dirty="0">
-              <a:solidFill>
-                <a:schemeClr val="bg1"/>
-              </a:solidFill>
-              <a:latin typeface="Montserrat Alternates" panose="020B0604020202020204" charset="0"/>
-              <a:sym typeface="DM Sans"/>
-            </a:endParaRPr>
-          </a:p>
-        </p:txBody>
-      </p:sp>
-      <p:sp>
-        <p:nvSpPr>
-          <p:cNvPr id="8" name="Google Shape;265;p33">
-            <a:extLst>
-              <a:ext uri="{FF2B5EF4-FFF2-40B4-BE49-F238E27FC236}">
-                <a16:creationId xmlns:a16="http://schemas.microsoft.com/office/drawing/2014/main" id="{2F4C5D61-4955-D0FC-D5E5-F672B5A885A6}"/>
-              </a:ext>
-            </a:extLst>
-          </p:cNvPr>
-          <p:cNvSpPr txBox="1">
-            <a:spLocks/>
-          </p:cNvSpPr>
-          <p:nvPr/>
-        </p:nvSpPr>
-        <p:spPr>
-          <a:xfrm>
-            <a:off x="4269441" y="2308162"/>
-            <a:ext cx="4882854" cy="1714847"/>
+            <a:off x="3190874" y="3236224"/>
+            <a:ext cx="2839815" cy="693169"/>
           </a:xfrm>
           <a:prstGeom prst="rect">
             <a:avLst/>
@@ -9864,7 +9342,7 @@
             </a:lvl9pPr>
           </a:lstStyle>
           <a:p>
-            <a:pPr marL="171450" indent="-171450">
+            <a:pPr marL="171450" indent="-171450" algn="ctr">
               <a:buClr>
                 <a:schemeClr val="bg1"/>
               </a:buClr>
@@ -9878,11 +9356,11 @@
                 </a:solidFill>
                 <a:latin typeface="Montserrat Alternates" panose="020B0604020202020204" charset="0"/>
               </a:rPr>
-              <a:t>More advanced discount system</a:t>
-            </a:r>
-          </a:p>
-          <a:p>
-            <a:pPr marL="171450" indent="-171450">
+              <a:t>Motivated</a:t>
+            </a:r>
+          </a:p>
+          <a:p>
+            <a:pPr marL="171450" indent="-171450" algn="ctr">
               <a:buClr>
                 <a:schemeClr val="bg1"/>
               </a:buClr>
@@ -9896,11 +9374,11 @@
                 </a:solidFill>
                 <a:latin typeface="Montserrat Alternates" panose="020B0604020202020204" charset="0"/>
               </a:rPr>
-              <a:t>Administration page</a:t>
-            </a:r>
-          </a:p>
-          <a:p>
-            <a:pPr marL="171450" indent="-171450">
+              <a:t>Helping hand</a:t>
+            </a:r>
+          </a:p>
+          <a:p>
+            <a:pPr marL="171450" indent="-171450" algn="ctr">
               <a:buClr>
                 <a:schemeClr val="bg1"/>
               </a:buClr>
@@ -9914,11 +9392,11 @@
                 </a:solidFill>
                 <a:latin typeface="Montserrat Alternates" panose="020B0604020202020204" charset="0"/>
               </a:rPr>
-              <a:t>Employee platform</a:t>
-            </a:r>
-          </a:p>
-          <a:p>
-            <a:pPr marL="171450" indent="-171450">
+              <a:t>Effort</a:t>
+            </a:r>
+          </a:p>
+          <a:p>
+            <a:pPr marL="171450" indent="-171450" algn="ctr">
               <a:buClr>
                 <a:schemeClr val="bg1"/>
               </a:buClr>
@@ -9932,7 +9410,933 @@
                 </a:solidFill>
                 <a:latin typeface="Montserrat Alternates" panose="020B0604020202020204" charset="0"/>
               </a:rPr>
-              <a:t>Add accessories logic</a:t>
+              <a:t>Communication</a:t>
+            </a:r>
+          </a:p>
+        </p:txBody>
+      </p:sp>
+      <p:sp>
+        <p:nvSpPr>
+          <p:cNvPr id="13" name="Google Shape;265;p33">
+            <a:extLst>
+              <a:ext uri="{FF2B5EF4-FFF2-40B4-BE49-F238E27FC236}">
+                <a16:creationId xmlns:a16="http://schemas.microsoft.com/office/drawing/2014/main" id="{65F1D215-5E7E-0FC5-6D37-863CB0417B6D}"/>
+              </a:ext>
+            </a:extLst>
+          </p:cNvPr>
+          <p:cNvSpPr txBox="1">
+            <a:spLocks/>
+          </p:cNvSpPr>
+          <p:nvPr/>
+        </p:nvSpPr>
+        <p:spPr>
+          <a:xfrm>
+            <a:off x="6030689" y="3332506"/>
+            <a:ext cx="2839815" cy="693169"/>
+          </a:xfrm>
+          <a:prstGeom prst="rect">
+            <a:avLst/>
+          </a:prstGeom>
+          <a:noFill/>
+          <a:ln>
+            <a:noFill/>
+          </a:ln>
+        </p:spPr>
+        <p:txBody>
+          <a:bodyPr spcFirstLastPara="1" wrap="square" lIns="91425" tIns="91425" rIns="91425" bIns="91425" anchor="t" anchorCtr="0">
+            <a:noAutofit/>
+          </a:bodyPr>
+          <a:lstStyle>
+            <a:defPPr marR="0" lvl="0" algn="l" rtl="0">
+              <a:lnSpc>
+                <a:spcPct val="100000"/>
+              </a:lnSpc>
+              <a:spcBef>
+                <a:spcPts val="0"/>
+              </a:spcBef>
+              <a:spcAft>
+                <a:spcPts val="0"/>
+              </a:spcAft>
+            </a:defPPr>
+            <a:lvl1pPr marL="457200" marR="0" lvl="0" indent="-304800" algn="l" rtl="0">
+              <a:lnSpc>
+                <a:spcPct val="100000"/>
+              </a:lnSpc>
+              <a:spcBef>
+                <a:spcPts val="0"/>
+              </a:spcBef>
+              <a:spcAft>
+                <a:spcPts val="0"/>
+              </a:spcAft>
+              <a:buClr>
+                <a:schemeClr val="dk1"/>
+              </a:buClr>
+              <a:buSzPts val="1200"/>
+              <a:buFont typeface="DM Sans"/>
+              <a:buNone/>
+              <a:defRPr sz="1200" b="0" i="0" u="none" strike="noStrike" cap="none">
+                <a:solidFill>
+                  <a:schemeClr val="dk1"/>
+                </a:solidFill>
+                <a:latin typeface="DM Sans"/>
+                <a:ea typeface="DM Sans"/>
+                <a:cs typeface="DM Sans"/>
+                <a:sym typeface="DM Sans"/>
+              </a:defRPr>
+            </a:lvl1pPr>
+            <a:lvl2pPr marL="914400" marR="0" lvl="1" indent="-304800" algn="ctr" rtl="0">
+              <a:lnSpc>
+                <a:spcPct val="100000"/>
+              </a:lnSpc>
+              <a:spcBef>
+                <a:spcPts val="0"/>
+              </a:spcBef>
+              <a:spcAft>
+                <a:spcPts val="0"/>
+              </a:spcAft>
+              <a:buClr>
+                <a:schemeClr val="dk1"/>
+              </a:buClr>
+              <a:buSzPts val="1200"/>
+              <a:buFont typeface="DM Sans"/>
+              <a:buNone/>
+              <a:defRPr sz="1200" b="0" i="0" u="none" strike="noStrike" cap="none">
+                <a:solidFill>
+                  <a:schemeClr val="dk1"/>
+                </a:solidFill>
+                <a:latin typeface="DM Sans"/>
+                <a:ea typeface="DM Sans"/>
+                <a:cs typeface="DM Sans"/>
+                <a:sym typeface="DM Sans"/>
+              </a:defRPr>
+            </a:lvl2pPr>
+            <a:lvl3pPr marL="1371600" marR="0" lvl="2" indent="-304800" algn="ctr" rtl="0">
+              <a:lnSpc>
+                <a:spcPct val="100000"/>
+              </a:lnSpc>
+              <a:spcBef>
+                <a:spcPts val="0"/>
+              </a:spcBef>
+              <a:spcAft>
+                <a:spcPts val="0"/>
+              </a:spcAft>
+              <a:buClr>
+                <a:schemeClr val="dk1"/>
+              </a:buClr>
+              <a:buSzPts val="1200"/>
+              <a:buFont typeface="DM Sans"/>
+              <a:buNone/>
+              <a:defRPr sz="1200" b="0" i="0" u="none" strike="noStrike" cap="none">
+                <a:solidFill>
+                  <a:schemeClr val="dk1"/>
+                </a:solidFill>
+                <a:latin typeface="DM Sans"/>
+                <a:ea typeface="DM Sans"/>
+                <a:cs typeface="DM Sans"/>
+                <a:sym typeface="DM Sans"/>
+              </a:defRPr>
+            </a:lvl3pPr>
+            <a:lvl4pPr marL="1828800" marR="0" lvl="3" indent="-304800" algn="ctr" rtl="0">
+              <a:lnSpc>
+                <a:spcPct val="100000"/>
+              </a:lnSpc>
+              <a:spcBef>
+                <a:spcPts val="0"/>
+              </a:spcBef>
+              <a:spcAft>
+                <a:spcPts val="0"/>
+              </a:spcAft>
+              <a:buClr>
+                <a:schemeClr val="dk1"/>
+              </a:buClr>
+              <a:buSzPts val="1200"/>
+              <a:buFont typeface="DM Sans"/>
+              <a:buNone/>
+              <a:defRPr sz="1200" b="0" i="0" u="none" strike="noStrike" cap="none">
+                <a:solidFill>
+                  <a:schemeClr val="dk1"/>
+                </a:solidFill>
+                <a:latin typeface="DM Sans"/>
+                <a:ea typeface="DM Sans"/>
+                <a:cs typeface="DM Sans"/>
+                <a:sym typeface="DM Sans"/>
+              </a:defRPr>
+            </a:lvl4pPr>
+            <a:lvl5pPr marL="2286000" marR="0" lvl="4" indent="-304800" algn="ctr" rtl="0">
+              <a:lnSpc>
+                <a:spcPct val="100000"/>
+              </a:lnSpc>
+              <a:spcBef>
+                <a:spcPts val="0"/>
+              </a:spcBef>
+              <a:spcAft>
+                <a:spcPts val="0"/>
+              </a:spcAft>
+              <a:buClr>
+                <a:schemeClr val="dk1"/>
+              </a:buClr>
+              <a:buSzPts val="1200"/>
+              <a:buFont typeface="DM Sans"/>
+              <a:buNone/>
+              <a:defRPr sz="1200" b="0" i="0" u="none" strike="noStrike" cap="none">
+                <a:solidFill>
+                  <a:schemeClr val="dk1"/>
+                </a:solidFill>
+                <a:latin typeface="DM Sans"/>
+                <a:ea typeface="DM Sans"/>
+                <a:cs typeface="DM Sans"/>
+                <a:sym typeface="DM Sans"/>
+              </a:defRPr>
+            </a:lvl5pPr>
+            <a:lvl6pPr marL="2743200" marR="0" lvl="5" indent="-304800" algn="ctr" rtl="0">
+              <a:lnSpc>
+                <a:spcPct val="100000"/>
+              </a:lnSpc>
+              <a:spcBef>
+                <a:spcPts val="0"/>
+              </a:spcBef>
+              <a:spcAft>
+                <a:spcPts val="0"/>
+              </a:spcAft>
+              <a:buClr>
+                <a:schemeClr val="dk1"/>
+              </a:buClr>
+              <a:buSzPts val="1200"/>
+              <a:buFont typeface="DM Sans"/>
+              <a:buNone/>
+              <a:defRPr sz="1200" b="0" i="0" u="none" strike="noStrike" cap="none">
+                <a:solidFill>
+                  <a:schemeClr val="dk1"/>
+                </a:solidFill>
+                <a:latin typeface="DM Sans"/>
+                <a:ea typeface="DM Sans"/>
+                <a:cs typeface="DM Sans"/>
+                <a:sym typeface="DM Sans"/>
+              </a:defRPr>
+            </a:lvl6pPr>
+            <a:lvl7pPr marL="3200400" marR="0" lvl="6" indent="-304800" algn="ctr" rtl="0">
+              <a:lnSpc>
+                <a:spcPct val="100000"/>
+              </a:lnSpc>
+              <a:spcBef>
+                <a:spcPts val="0"/>
+              </a:spcBef>
+              <a:spcAft>
+                <a:spcPts val="0"/>
+              </a:spcAft>
+              <a:buClr>
+                <a:schemeClr val="dk1"/>
+              </a:buClr>
+              <a:buSzPts val="1200"/>
+              <a:buFont typeface="DM Sans"/>
+              <a:buNone/>
+              <a:defRPr sz="1200" b="0" i="0" u="none" strike="noStrike" cap="none">
+                <a:solidFill>
+                  <a:schemeClr val="dk1"/>
+                </a:solidFill>
+                <a:latin typeface="DM Sans"/>
+                <a:ea typeface="DM Sans"/>
+                <a:cs typeface="DM Sans"/>
+                <a:sym typeface="DM Sans"/>
+              </a:defRPr>
+            </a:lvl7pPr>
+            <a:lvl8pPr marL="3657600" marR="0" lvl="7" indent="-304800" algn="ctr" rtl="0">
+              <a:lnSpc>
+                <a:spcPct val="100000"/>
+              </a:lnSpc>
+              <a:spcBef>
+                <a:spcPts val="0"/>
+              </a:spcBef>
+              <a:spcAft>
+                <a:spcPts val="0"/>
+              </a:spcAft>
+              <a:buClr>
+                <a:schemeClr val="dk1"/>
+              </a:buClr>
+              <a:buSzPts val="1200"/>
+              <a:buFont typeface="DM Sans"/>
+              <a:buNone/>
+              <a:defRPr sz="1200" b="0" i="0" u="none" strike="noStrike" cap="none">
+                <a:solidFill>
+                  <a:schemeClr val="dk1"/>
+                </a:solidFill>
+                <a:latin typeface="DM Sans"/>
+                <a:ea typeface="DM Sans"/>
+                <a:cs typeface="DM Sans"/>
+                <a:sym typeface="DM Sans"/>
+              </a:defRPr>
+            </a:lvl8pPr>
+            <a:lvl9pPr marL="4114800" marR="0" lvl="8" indent="-304800" algn="ctr" rtl="0">
+              <a:lnSpc>
+                <a:spcPct val="100000"/>
+              </a:lnSpc>
+              <a:spcBef>
+                <a:spcPts val="0"/>
+              </a:spcBef>
+              <a:spcAft>
+                <a:spcPts val="0"/>
+              </a:spcAft>
+              <a:buClr>
+                <a:schemeClr val="dk1"/>
+              </a:buClr>
+              <a:buSzPts val="1200"/>
+              <a:buFont typeface="DM Sans"/>
+              <a:buNone/>
+              <a:defRPr sz="1200" b="0" i="0" u="none" strike="noStrike" cap="none">
+                <a:solidFill>
+                  <a:schemeClr val="dk1"/>
+                </a:solidFill>
+                <a:latin typeface="DM Sans"/>
+                <a:ea typeface="DM Sans"/>
+                <a:cs typeface="DM Sans"/>
+                <a:sym typeface="DM Sans"/>
+              </a:defRPr>
+            </a:lvl9pPr>
+          </a:lstStyle>
+          <a:p>
+            <a:pPr marL="171450" indent="-171450" algn="ctr">
+              <a:buClr>
+                <a:schemeClr val="bg1"/>
+              </a:buClr>
+              <a:buFontTx/>
+              <a:buChar char="−"/>
+            </a:pPr>
+            <a:r>
+              <a:rPr lang="en-GB" sz="2000" dirty="0">
+                <a:solidFill>
+                  <a:schemeClr val="bg1"/>
+                </a:solidFill>
+                <a:latin typeface="Montserrat Alternates" panose="020B0604020202020204" charset="0"/>
+              </a:rPr>
+              <a:t>Working in a team</a:t>
+            </a:r>
+          </a:p>
+          <a:p>
+            <a:pPr marL="171450" indent="-171450" algn="ctr">
+              <a:buClr>
+                <a:schemeClr val="bg1"/>
+              </a:buClr>
+              <a:buFontTx/>
+              <a:buChar char="−"/>
+            </a:pPr>
+            <a:r>
+              <a:rPr lang="en-GB" sz="2000" dirty="0">
+                <a:solidFill>
+                  <a:schemeClr val="bg1"/>
+                </a:solidFill>
+                <a:latin typeface="Montserrat Alternates" panose="020B0604020202020204" charset="0"/>
+              </a:rPr>
+              <a:t>Responsibility</a:t>
+            </a:r>
+          </a:p>
+          <a:p>
+            <a:pPr marL="171450" indent="-171450" algn="ctr">
+              <a:buClr>
+                <a:schemeClr val="bg1"/>
+              </a:buClr>
+              <a:buFontTx/>
+              <a:buChar char="−"/>
+            </a:pPr>
+            <a:r>
+              <a:rPr lang="en-GB" sz="2000" dirty="0">
+                <a:solidFill>
+                  <a:schemeClr val="bg1"/>
+                </a:solidFill>
+                <a:latin typeface="Montserrat Alternates" panose="020B0604020202020204" charset="0"/>
+              </a:rPr>
+              <a:t>Use of git-branches</a:t>
+            </a:r>
+          </a:p>
+        </p:txBody>
+      </p:sp>
+      <p:sp>
+        <p:nvSpPr>
+          <p:cNvPr id="14" name="Google Shape;265;p33">
+            <a:extLst>
+              <a:ext uri="{FF2B5EF4-FFF2-40B4-BE49-F238E27FC236}">
+                <a16:creationId xmlns:a16="http://schemas.microsoft.com/office/drawing/2014/main" id="{0CDB1607-EA84-BF1D-0A17-B8442D804AEC}"/>
+              </a:ext>
+            </a:extLst>
+          </p:cNvPr>
+          <p:cNvSpPr txBox="1">
+            <a:spLocks/>
+          </p:cNvSpPr>
+          <p:nvPr/>
+        </p:nvSpPr>
+        <p:spPr>
+          <a:xfrm>
+            <a:off x="3234072" y="2801459"/>
+            <a:ext cx="2839815" cy="354923"/>
+          </a:xfrm>
+          <a:prstGeom prst="rect">
+            <a:avLst/>
+          </a:prstGeom>
+          <a:noFill/>
+          <a:ln>
+            <a:noFill/>
+          </a:ln>
+        </p:spPr>
+        <p:txBody>
+          <a:bodyPr spcFirstLastPara="1" wrap="square" lIns="91425" tIns="91425" rIns="91425" bIns="91425" anchor="t" anchorCtr="0">
+            <a:noAutofit/>
+          </a:bodyPr>
+          <a:lstStyle>
+            <a:defPPr marR="0" lvl="0" algn="l" rtl="0">
+              <a:lnSpc>
+                <a:spcPct val="100000"/>
+              </a:lnSpc>
+              <a:spcBef>
+                <a:spcPts val="0"/>
+              </a:spcBef>
+              <a:spcAft>
+                <a:spcPts val="0"/>
+              </a:spcAft>
+            </a:defPPr>
+            <a:lvl1pPr marL="457200" marR="0" lvl="0" indent="-304800" algn="l" rtl="0">
+              <a:lnSpc>
+                <a:spcPct val="100000"/>
+              </a:lnSpc>
+              <a:spcBef>
+                <a:spcPts val="0"/>
+              </a:spcBef>
+              <a:spcAft>
+                <a:spcPts val="0"/>
+              </a:spcAft>
+              <a:buClr>
+                <a:schemeClr val="dk1"/>
+              </a:buClr>
+              <a:buSzPts val="1200"/>
+              <a:buFont typeface="DM Sans"/>
+              <a:buNone/>
+              <a:defRPr sz="1200" b="0" i="0" u="none" strike="noStrike" cap="none">
+                <a:solidFill>
+                  <a:schemeClr val="dk1"/>
+                </a:solidFill>
+                <a:latin typeface="DM Sans"/>
+                <a:ea typeface="DM Sans"/>
+                <a:cs typeface="DM Sans"/>
+                <a:sym typeface="DM Sans"/>
+              </a:defRPr>
+            </a:lvl1pPr>
+            <a:lvl2pPr marL="914400" marR="0" lvl="1" indent="-304800" algn="ctr" rtl="0">
+              <a:lnSpc>
+                <a:spcPct val="100000"/>
+              </a:lnSpc>
+              <a:spcBef>
+                <a:spcPts val="0"/>
+              </a:spcBef>
+              <a:spcAft>
+                <a:spcPts val="0"/>
+              </a:spcAft>
+              <a:buClr>
+                <a:schemeClr val="dk1"/>
+              </a:buClr>
+              <a:buSzPts val="1200"/>
+              <a:buFont typeface="DM Sans"/>
+              <a:buNone/>
+              <a:defRPr sz="1200" b="0" i="0" u="none" strike="noStrike" cap="none">
+                <a:solidFill>
+                  <a:schemeClr val="dk1"/>
+                </a:solidFill>
+                <a:latin typeface="DM Sans"/>
+                <a:ea typeface="DM Sans"/>
+                <a:cs typeface="DM Sans"/>
+                <a:sym typeface="DM Sans"/>
+              </a:defRPr>
+            </a:lvl2pPr>
+            <a:lvl3pPr marL="1371600" marR="0" lvl="2" indent="-304800" algn="ctr" rtl="0">
+              <a:lnSpc>
+                <a:spcPct val="100000"/>
+              </a:lnSpc>
+              <a:spcBef>
+                <a:spcPts val="0"/>
+              </a:spcBef>
+              <a:spcAft>
+                <a:spcPts val="0"/>
+              </a:spcAft>
+              <a:buClr>
+                <a:schemeClr val="dk1"/>
+              </a:buClr>
+              <a:buSzPts val="1200"/>
+              <a:buFont typeface="DM Sans"/>
+              <a:buNone/>
+              <a:defRPr sz="1200" b="0" i="0" u="none" strike="noStrike" cap="none">
+                <a:solidFill>
+                  <a:schemeClr val="dk1"/>
+                </a:solidFill>
+                <a:latin typeface="DM Sans"/>
+                <a:ea typeface="DM Sans"/>
+                <a:cs typeface="DM Sans"/>
+                <a:sym typeface="DM Sans"/>
+              </a:defRPr>
+            </a:lvl3pPr>
+            <a:lvl4pPr marL="1828800" marR="0" lvl="3" indent="-304800" algn="ctr" rtl="0">
+              <a:lnSpc>
+                <a:spcPct val="100000"/>
+              </a:lnSpc>
+              <a:spcBef>
+                <a:spcPts val="0"/>
+              </a:spcBef>
+              <a:spcAft>
+                <a:spcPts val="0"/>
+              </a:spcAft>
+              <a:buClr>
+                <a:schemeClr val="dk1"/>
+              </a:buClr>
+              <a:buSzPts val="1200"/>
+              <a:buFont typeface="DM Sans"/>
+              <a:buNone/>
+              <a:defRPr sz="1200" b="0" i="0" u="none" strike="noStrike" cap="none">
+                <a:solidFill>
+                  <a:schemeClr val="dk1"/>
+                </a:solidFill>
+                <a:latin typeface="DM Sans"/>
+                <a:ea typeface="DM Sans"/>
+                <a:cs typeface="DM Sans"/>
+                <a:sym typeface="DM Sans"/>
+              </a:defRPr>
+            </a:lvl4pPr>
+            <a:lvl5pPr marL="2286000" marR="0" lvl="4" indent="-304800" algn="ctr" rtl="0">
+              <a:lnSpc>
+                <a:spcPct val="100000"/>
+              </a:lnSpc>
+              <a:spcBef>
+                <a:spcPts val="0"/>
+              </a:spcBef>
+              <a:spcAft>
+                <a:spcPts val="0"/>
+              </a:spcAft>
+              <a:buClr>
+                <a:schemeClr val="dk1"/>
+              </a:buClr>
+              <a:buSzPts val="1200"/>
+              <a:buFont typeface="DM Sans"/>
+              <a:buNone/>
+              <a:defRPr sz="1200" b="0" i="0" u="none" strike="noStrike" cap="none">
+                <a:solidFill>
+                  <a:schemeClr val="dk1"/>
+                </a:solidFill>
+                <a:latin typeface="DM Sans"/>
+                <a:ea typeface="DM Sans"/>
+                <a:cs typeface="DM Sans"/>
+                <a:sym typeface="DM Sans"/>
+              </a:defRPr>
+            </a:lvl5pPr>
+            <a:lvl6pPr marL="2743200" marR="0" lvl="5" indent="-304800" algn="ctr" rtl="0">
+              <a:lnSpc>
+                <a:spcPct val="100000"/>
+              </a:lnSpc>
+              <a:spcBef>
+                <a:spcPts val="0"/>
+              </a:spcBef>
+              <a:spcAft>
+                <a:spcPts val="0"/>
+              </a:spcAft>
+              <a:buClr>
+                <a:schemeClr val="dk1"/>
+              </a:buClr>
+              <a:buSzPts val="1200"/>
+              <a:buFont typeface="DM Sans"/>
+              <a:buNone/>
+              <a:defRPr sz="1200" b="0" i="0" u="none" strike="noStrike" cap="none">
+                <a:solidFill>
+                  <a:schemeClr val="dk1"/>
+                </a:solidFill>
+                <a:latin typeface="DM Sans"/>
+                <a:ea typeface="DM Sans"/>
+                <a:cs typeface="DM Sans"/>
+                <a:sym typeface="DM Sans"/>
+              </a:defRPr>
+            </a:lvl6pPr>
+            <a:lvl7pPr marL="3200400" marR="0" lvl="6" indent="-304800" algn="ctr" rtl="0">
+              <a:lnSpc>
+                <a:spcPct val="100000"/>
+              </a:lnSpc>
+              <a:spcBef>
+                <a:spcPts val="0"/>
+              </a:spcBef>
+              <a:spcAft>
+                <a:spcPts val="0"/>
+              </a:spcAft>
+              <a:buClr>
+                <a:schemeClr val="dk1"/>
+              </a:buClr>
+              <a:buSzPts val="1200"/>
+              <a:buFont typeface="DM Sans"/>
+              <a:buNone/>
+              <a:defRPr sz="1200" b="0" i="0" u="none" strike="noStrike" cap="none">
+                <a:solidFill>
+                  <a:schemeClr val="dk1"/>
+                </a:solidFill>
+                <a:latin typeface="DM Sans"/>
+                <a:ea typeface="DM Sans"/>
+                <a:cs typeface="DM Sans"/>
+                <a:sym typeface="DM Sans"/>
+              </a:defRPr>
+            </a:lvl7pPr>
+            <a:lvl8pPr marL="3657600" marR="0" lvl="7" indent="-304800" algn="ctr" rtl="0">
+              <a:lnSpc>
+                <a:spcPct val="100000"/>
+              </a:lnSpc>
+              <a:spcBef>
+                <a:spcPts val="0"/>
+              </a:spcBef>
+              <a:spcAft>
+                <a:spcPts val="0"/>
+              </a:spcAft>
+              <a:buClr>
+                <a:schemeClr val="dk1"/>
+              </a:buClr>
+              <a:buSzPts val="1200"/>
+              <a:buFont typeface="DM Sans"/>
+              <a:buNone/>
+              <a:defRPr sz="1200" b="0" i="0" u="none" strike="noStrike" cap="none">
+                <a:solidFill>
+                  <a:schemeClr val="dk1"/>
+                </a:solidFill>
+                <a:latin typeface="DM Sans"/>
+                <a:ea typeface="DM Sans"/>
+                <a:cs typeface="DM Sans"/>
+                <a:sym typeface="DM Sans"/>
+              </a:defRPr>
+            </a:lvl8pPr>
+            <a:lvl9pPr marL="4114800" marR="0" lvl="8" indent="-304800" algn="ctr" rtl="0">
+              <a:lnSpc>
+                <a:spcPct val="100000"/>
+              </a:lnSpc>
+              <a:spcBef>
+                <a:spcPts val="0"/>
+              </a:spcBef>
+              <a:spcAft>
+                <a:spcPts val="0"/>
+              </a:spcAft>
+              <a:buClr>
+                <a:schemeClr val="dk1"/>
+              </a:buClr>
+              <a:buSzPts val="1200"/>
+              <a:buFont typeface="DM Sans"/>
+              <a:buNone/>
+              <a:defRPr sz="1200" b="0" i="0" u="none" strike="noStrike" cap="none">
+                <a:solidFill>
+                  <a:schemeClr val="dk1"/>
+                </a:solidFill>
+                <a:latin typeface="DM Sans"/>
+                <a:ea typeface="DM Sans"/>
+                <a:cs typeface="DM Sans"/>
+                <a:sym typeface="DM Sans"/>
+              </a:defRPr>
+            </a:lvl9pPr>
+          </a:lstStyle>
+          <a:p>
+            <a:pPr marL="0" indent="0" algn="ctr">
+              <a:buClr>
+                <a:schemeClr val="bg1"/>
+              </a:buClr>
+            </a:pPr>
+            <a:r>
+              <a:rPr lang="en-GB" sz="2000" i="1" dirty="0">
+                <a:solidFill>
+                  <a:schemeClr val="accent6"/>
+                </a:solidFill>
+                <a:latin typeface="Montserrat Alternates" panose="020B0604020202020204" charset="0"/>
+              </a:rPr>
+              <a:t>Positives</a:t>
+            </a:r>
+          </a:p>
+        </p:txBody>
+      </p:sp>
+      <p:sp>
+        <p:nvSpPr>
+          <p:cNvPr id="15" name="Google Shape;265;p33">
+            <a:extLst>
+              <a:ext uri="{FF2B5EF4-FFF2-40B4-BE49-F238E27FC236}">
+                <a16:creationId xmlns:a16="http://schemas.microsoft.com/office/drawing/2014/main" id="{ABEB2866-5AB1-7D90-10CB-CB514DAB77D6}"/>
+              </a:ext>
+            </a:extLst>
+          </p:cNvPr>
+          <p:cNvSpPr txBox="1">
+            <a:spLocks/>
+          </p:cNvSpPr>
+          <p:nvPr/>
+        </p:nvSpPr>
+        <p:spPr>
+          <a:xfrm>
+            <a:off x="5890874" y="2781187"/>
+            <a:ext cx="2839815" cy="354923"/>
+          </a:xfrm>
+          <a:prstGeom prst="rect">
+            <a:avLst/>
+          </a:prstGeom>
+          <a:noFill/>
+          <a:ln>
+            <a:noFill/>
+          </a:ln>
+        </p:spPr>
+        <p:txBody>
+          <a:bodyPr spcFirstLastPara="1" wrap="square" lIns="91425" tIns="91425" rIns="91425" bIns="91425" anchor="t" anchorCtr="0">
+            <a:noAutofit/>
+          </a:bodyPr>
+          <a:lstStyle>
+            <a:defPPr marR="0" lvl="0" algn="l" rtl="0">
+              <a:lnSpc>
+                <a:spcPct val="100000"/>
+              </a:lnSpc>
+              <a:spcBef>
+                <a:spcPts val="0"/>
+              </a:spcBef>
+              <a:spcAft>
+                <a:spcPts val="0"/>
+              </a:spcAft>
+            </a:defPPr>
+            <a:lvl1pPr marL="457200" marR="0" lvl="0" indent="-304800" algn="l" rtl="0">
+              <a:lnSpc>
+                <a:spcPct val="100000"/>
+              </a:lnSpc>
+              <a:spcBef>
+                <a:spcPts val="0"/>
+              </a:spcBef>
+              <a:spcAft>
+                <a:spcPts val="0"/>
+              </a:spcAft>
+              <a:buClr>
+                <a:schemeClr val="dk1"/>
+              </a:buClr>
+              <a:buSzPts val="1200"/>
+              <a:buFont typeface="DM Sans"/>
+              <a:buNone/>
+              <a:defRPr sz="1200" b="0" i="0" u="none" strike="noStrike" cap="none">
+                <a:solidFill>
+                  <a:schemeClr val="dk1"/>
+                </a:solidFill>
+                <a:latin typeface="DM Sans"/>
+                <a:ea typeface="DM Sans"/>
+                <a:cs typeface="DM Sans"/>
+                <a:sym typeface="DM Sans"/>
+              </a:defRPr>
+            </a:lvl1pPr>
+            <a:lvl2pPr marL="914400" marR="0" lvl="1" indent="-304800" algn="ctr" rtl="0">
+              <a:lnSpc>
+                <a:spcPct val="100000"/>
+              </a:lnSpc>
+              <a:spcBef>
+                <a:spcPts val="0"/>
+              </a:spcBef>
+              <a:spcAft>
+                <a:spcPts val="0"/>
+              </a:spcAft>
+              <a:buClr>
+                <a:schemeClr val="dk1"/>
+              </a:buClr>
+              <a:buSzPts val="1200"/>
+              <a:buFont typeface="DM Sans"/>
+              <a:buNone/>
+              <a:defRPr sz="1200" b="0" i="0" u="none" strike="noStrike" cap="none">
+                <a:solidFill>
+                  <a:schemeClr val="dk1"/>
+                </a:solidFill>
+                <a:latin typeface="DM Sans"/>
+                <a:ea typeface="DM Sans"/>
+                <a:cs typeface="DM Sans"/>
+                <a:sym typeface="DM Sans"/>
+              </a:defRPr>
+            </a:lvl2pPr>
+            <a:lvl3pPr marL="1371600" marR="0" lvl="2" indent="-304800" algn="ctr" rtl="0">
+              <a:lnSpc>
+                <a:spcPct val="100000"/>
+              </a:lnSpc>
+              <a:spcBef>
+                <a:spcPts val="0"/>
+              </a:spcBef>
+              <a:spcAft>
+                <a:spcPts val="0"/>
+              </a:spcAft>
+              <a:buClr>
+                <a:schemeClr val="dk1"/>
+              </a:buClr>
+              <a:buSzPts val="1200"/>
+              <a:buFont typeface="DM Sans"/>
+              <a:buNone/>
+              <a:defRPr sz="1200" b="0" i="0" u="none" strike="noStrike" cap="none">
+                <a:solidFill>
+                  <a:schemeClr val="dk1"/>
+                </a:solidFill>
+                <a:latin typeface="DM Sans"/>
+                <a:ea typeface="DM Sans"/>
+                <a:cs typeface="DM Sans"/>
+                <a:sym typeface="DM Sans"/>
+              </a:defRPr>
+            </a:lvl3pPr>
+            <a:lvl4pPr marL="1828800" marR="0" lvl="3" indent="-304800" algn="ctr" rtl="0">
+              <a:lnSpc>
+                <a:spcPct val="100000"/>
+              </a:lnSpc>
+              <a:spcBef>
+                <a:spcPts val="0"/>
+              </a:spcBef>
+              <a:spcAft>
+                <a:spcPts val="0"/>
+              </a:spcAft>
+              <a:buClr>
+                <a:schemeClr val="dk1"/>
+              </a:buClr>
+              <a:buSzPts val="1200"/>
+              <a:buFont typeface="DM Sans"/>
+              <a:buNone/>
+              <a:defRPr sz="1200" b="0" i="0" u="none" strike="noStrike" cap="none">
+                <a:solidFill>
+                  <a:schemeClr val="dk1"/>
+                </a:solidFill>
+                <a:latin typeface="DM Sans"/>
+                <a:ea typeface="DM Sans"/>
+                <a:cs typeface="DM Sans"/>
+                <a:sym typeface="DM Sans"/>
+              </a:defRPr>
+            </a:lvl4pPr>
+            <a:lvl5pPr marL="2286000" marR="0" lvl="4" indent="-304800" algn="ctr" rtl="0">
+              <a:lnSpc>
+                <a:spcPct val="100000"/>
+              </a:lnSpc>
+              <a:spcBef>
+                <a:spcPts val="0"/>
+              </a:spcBef>
+              <a:spcAft>
+                <a:spcPts val="0"/>
+              </a:spcAft>
+              <a:buClr>
+                <a:schemeClr val="dk1"/>
+              </a:buClr>
+              <a:buSzPts val="1200"/>
+              <a:buFont typeface="DM Sans"/>
+              <a:buNone/>
+              <a:defRPr sz="1200" b="0" i="0" u="none" strike="noStrike" cap="none">
+                <a:solidFill>
+                  <a:schemeClr val="dk1"/>
+                </a:solidFill>
+                <a:latin typeface="DM Sans"/>
+                <a:ea typeface="DM Sans"/>
+                <a:cs typeface="DM Sans"/>
+                <a:sym typeface="DM Sans"/>
+              </a:defRPr>
+            </a:lvl5pPr>
+            <a:lvl6pPr marL="2743200" marR="0" lvl="5" indent="-304800" algn="ctr" rtl="0">
+              <a:lnSpc>
+                <a:spcPct val="100000"/>
+              </a:lnSpc>
+              <a:spcBef>
+                <a:spcPts val="0"/>
+              </a:spcBef>
+              <a:spcAft>
+                <a:spcPts val="0"/>
+              </a:spcAft>
+              <a:buClr>
+                <a:schemeClr val="dk1"/>
+              </a:buClr>
+              <a:buSzPts val="1200"/>
+              <a:buFont typeface="DM Sans"/>
+              <a:buNone/>
+              <a:defRPr sz="1200" b="0" i="0" u="none" strike="noStrike" cap="none">
+                <a:solidFill>
+                  <a:schemeClr val="dk1"/>
+                </a:solidFill>
+                <a:latin typeface="DM Sans"/>
+                <a:ea typeface="DM Sans"/>
+                <a:cs typeface="DM Sans"/>
+                <a:sym typeface="DM Sans"/>
+              </a:defRPr>
+            </a:lvl6pPr>
+            <a:lvl7pPr marL="3200400" marR="0" lvl="6" indent="-304800" algn="ctr" rtl="0">
+              <a:lnSpc>
+                <a:spcPct val="100000"/>
+              </a:lnSpc>
+              <a:spcBef>
+                <a:spcPts val="0"/>
+              </a:spcBef>
+              <a:spcAft>
+                <a:spcPts val="0"/>
+              </a:spcAft>
+              <a:buClr>
+                <a:schemeClr val="dk1"/>
+              </a:buClr>
+              <a:buSzPts val="1200"/>
+              <a:buFont typeface="DM Sans"/>
+              <a:buNone/>
+              <a:defRPr sz="1200" b="0" i="0" u="none" strike="noStrike" cap="none">
+                <a:solidFill>
+                  <a:schemeClr val="dk1"/>
+                </a:solidFill>
+                <a:latin typeface="DM Sans"/>
+                <a:ea typeface="DM Sans"/>
+                <a:cs typeface="DM Sans"/>
+                <a:sym typeface="DM Sans"/>
+              </a:defRPr>
+            </a:lvl7pPr>
+            <a:lvl8pPr marL="3657600" marR="0" lvl="7" indent="-304800" algn="ctr" rtl="0">
+              <a:lnSpc>
+                <a:spcPct val="100000"/>
+              </a:lnSpc>
+              <a:spcBef>
+                <a:spcPts val="0"/>
+              </a:spcBef>
+              <a:spcAft>
+                <a:spcPts val="0"/>
+              </a:spcAft>
+              <a:buClr>
+                <a:schemeClr val="dk1"/>
+              </a:buClr>
+              <a:buSzPts val="1200"/>
+              <a:buFont typeface="DM Sans"/>
+              <a:buNone/>
+              <a:defRPr sz="1200" b="0" i="0" u="none" strike="noStrike" cap="none">
+                <a:solidFill>
+                  <a:schemeClr val="dk1"/>
+                </a:solidFill>
+                <a:latin typeface="DM Sans"/>
+                <a:ea typeface="DM Sans"/>
+                <a:cs typeface="DM Sans"/>
+                <a:sym typeface="DM Sans"/>
+              </a:defRPr>
+            </a:lvl8pPr>
+            <a:lvl9pPr marL="4114800" marR="0" lvl="8" indent="-304800" algn="ctr" rtl="0">
+              <a:lnSpc>
+                <a:spcPct val="100000"/>
+              </a:lnSpc>
+              <a:spcBef>
+                <a:spcPts val="0"/>
+              </a:spcBef>
+              <a:spcAft>
+                <a:spcPts val="0"/>
+              </a:spcAft>
+              <a:buClr>
+                <a:schemeClr val="dk1"/>
+              </a:buClr>
+              <a:buSzPts val="1200"/>
+              <a:buFont typeface="DM Sans"/>
+              <a:buNone/>
+              <a:defRPr sz="1200" b="0" i="0" u="none" strike="noStrike" cap="none">
+                <a:solidFill>
+                  <a:schemeClr val="dk1"/>
+                </a:solidFill>
+                <a:latin typeface="DM Sans"/>
+                <a:ea typeface="DM Sans"/>
+                <a:cs typeface="DM Sans"/>
+                <a:sym typeface="DM Sans"/>
+              </a:defRPr>
+            </a:lvl9pPr>
+          </a:lstStyle>
+          <a:p>
+            <a:pPr marL="0" indent="0" algn="ctr">
+              <a:buClr>
+                <a:schemeClr val="bg1"/>
+              </a:buClr>
+            </a:pPr>
+            <a:r>
+              <a:rPr lang="en-GB" sz="2000" i="1" dirty="0">
+                <a:solidFill>
+                  <a:schemeClr val="accent4"/>
+                </a:solidFill>
+                <a:latin typeface="Montserrat Alternates" panose="020B0604020202020204" charset="0"/>
+              </a:rPr>
+              <a:t>Improvements</a:t>
             </a:r>
           </a:p>
         </p:txBody>
@@ -9940,20 +10344,20 @@
     </p:spTree>
     <p:extLst>
       <p:ext uri="{BB962C8B-B14F-4D97-AF65-F5344CB8AC3E}">
-        <p14:creationId xmlns:p14="http://schemas.microsoft.com/office/powerpoint/2010/main" val="837450238"/>
+        <p14:creationId xmlns:p14="http://schemas.microsoft.com/office/powerpoint/2010/main" val="2666448283"/>
       </p:ext>
     </p:extLst>
   </p:cSld>
   <p:clrMapOvr>
     <a:masterClrMapping/>
   </p:clrMapOvr>
-  <mc:AlternateContent xmlns:mc="http://schemas.openxmlformats.org/markup-compatibility/2006">
-    <mc:Choice xmlns:p14="http://schemas.microsoft.com/office/powerpoint/2010/main" Requires="p14">
-      <p:transition spd="slow" p14:dur="1400">
-        <p14:ripple/>
+  <mc:AlternateContent xmlns:mc="http://schemas.openxmlformats.org/markup-compatibility/2006" xmlns:p15="http://schemas.microsoft.com/office/powerpoint/2012/main">
+    <mc:Choice Requires="p15">
+      <p:transition xmlns:p14="http://schemas.microsoft.com/office/powerpoint/2010/main" spd="slow" p14:dur="6000">
+        <p15:prstTrans prst="curtains"/>
       </p:transition>
     </mc:Choice>
-    <mc:Fallback>
+    <mc:Fallback xmlns="">
       <p:transition spd="slow">
         <p:fade/>
       </p:transition>
@@ -10009,6 +10413,1007 @@
       </p:grpSpPr>
       <p:sp>
         <p:nvSpPr>
+          <p:cNvPr id="2" name="Title 1">
+            <a:extLst>
+              <a:ext uri="{FF2B5EF4-FFF2-40B4-BE49-F238E27FC236}">
+                <a16:creationId xmlns:a16="http://schemas.microsoft.com/office/drawing/2014/main" id="{B67C0828-2471-6D85-1357-27E626FAEE9A}"/>
+              </a:ext>
+            </a:extLst>
+          </p:cNvPr>
+          <p:cNvSpPr>
+            <a:spLocks noGrp="1"/>
+          </p:cNvSpPr>
+          <p:nvPr>
+            <p:ph type="title"/>
+          </p:nvPr>
+        </p:nvSpPr>
+        <p:spPr>
+          <a:xfrm>
+            <a:off x="2545041" y="529105"/>
+            <a:ext cx="8160204" cy="1325563"/>
+          </a:xfrm>
+        </p:spPr>
+        <p:txBody>
+          <a:bodyPr>
+            <a:normAutofit/>
+          </a:bodyPr>
+          <a:lstStyle/>
+          <a:p>
+            <a:pPr algn="ctr"/>
+            <a:r>
+              <a:rPr lang="en-GB" sz="5400" i="1" dirty="0">
+                <a:solidFill>
+                  <a:schemeClr val="bg1"/>
+                </a:solidFill>
+                <a:latin typeface="Montserrat Alternates" panose="020B0604020202020204" charset="0"/>
+              </a:rPr>
+              <a:t>Looking forward in time</a:t>
+            </a:r>
+          </a:p>
+        </p:txBody>
+      </p:sp>
+      <p:sp>
+        <p:nvSpPr>
+          <p:cNvPr id="4" name="Google Shape;227;p30">
+            <a:extLst>
+              <a:ext uri="{FF2B5EF4-FFF2-40B4-BE49-F238E27FC236}">
+                <a16:creationId xmlns:a16="http://schemas.microsoft.com/office/drawing/2014/main" id="{E8E2C722-43D6-DC43-D76C-73703B690100}"/>
+              </a:ext>
+            </a:extLst>
+          </p:cNvPr>
+          <p:cNvSpPr txBox="1">
+            <a:spLocks/>
+          </p:cNvSpPr>
+          <p:nvPr/>
+        </p:nvSpPr>
+        <p:spPr>
+          <a:xfrm>
+            <a:off x="1288596" y="580561"/>
+            <a:ext cx="1256445" cy="1086503"/>
+          </a:xfrm>
+          <a:prstGeom prst="rect">
+            <a:avLst/>
+          </a:prstGeom>
+        </p:spPr>
+        <p:txBody>
+          <a:bodyPr spcFirstLastPara="1" vert="horz" wrap="square" lIns="91425" tIns="91425" rIns="91425" bIns="91425" rtlCol="0" anchor="ctr" anchorCtr="0">
+            <a:noAutofit/>
+          </a:bodyPr>
+          <a:lstStyle>
+            <a:lvl1pPr algn="l" defTabSz="914400" rtl="0" eaLnBrk="1" latinLnBrk="0" hangingPunct="1">
+              <a:lnSpc>
+                <a:spcPct val="90000"/>
+              </a:lnSpc>
+              <a:spcBef>
+                <a:spcPct val="0"/>
+              </a:spcBef>
+              <a:buNone/>
+              <a:defRPr sz="4400" kern="1200">
+                <a:solidFill>
+                  <a:schemeClr val="tx1"/>
+                </a:solidFill>
+                <a:latin typeface="+mj-lt"/>
+                <a:ea typeface="+mj-ea"/>
+                <a:cs typeface="+mj-cs"/>
+              </a:defRPr>
+            </a:lvl1pPr>
+          </a:lstStyle>
+          <a:p>
+            <a:pPr>
+              <a:spcBef>
+                <a:spcPts val="0"/>
+              </a:spcBef>
+            </a:pPr>
+            <a:r>
+              <a:rPr lang="en" sz="6600" u="sng" dirty="0">
+                <a:solidFill>
+                  <a:schemeClr val="bg1"/>
+                </a:solidFill>
+              </a:rPr>
+              <a:t>0</a:t>
+            </a:r>
+            <a:r>
+              <a:rPr lang="en-NL" sz="6600" u="sng" dirty="0">
+                <a:solidFill>
+                  <a:schemeClr val="bg1"/>
+                </a:solidFill>
+              </a:rPr>
+              <a:t>5</a:t>
+            </a:r>
+            <a:endParaRPr lang="en" sz="6600" u="sng" dirty="0">
+              <a:solidFill>
+                <a:schemeClr val="bg1"/>
+              </a:solidFill>
+            </a:endParaRPr>
+          </a:p>
+        </p:txBody>
+      </p:sp>
+      <p:sp>
+        <p:nvSpPr>
+          <p:cNvPr id="5" name="Google Shape;204;p27">
+            <a:extLst>
+              <a:ext uri="{FF2B5EF4-FFF2-40B4-BE49-F238E27FC236}">
+                <a16:creationId xmlns:a16="http://schemas.microsoft.com/office/drawing/2014/main" id="{90F19013-DBEA-FB3B-8671-0E0726609CE2}"/>
+              </a:ext>
+            </a:extLst>
+          </p:cNvPr>
+          <p:cNvSpPr/>
+          <p:nvPr/>
+        </p:nvSpPr>
+        <p:spPr>
+          <a:xfrm>
+            <a:off x="-48129" y="683363"/>
+            <a:ext cx="13017600" cy="18000"/>
+          </a:xfrm>
+          <a:prstGeom prst="rect">
+            <a:avLst/>
+          </a:prstGeom>
+          <a:solidFill>
+            <a:schemeClr val="accent1">
+              <a:lumMod val="60000"/>
+              <a:lumOff val="40000"/>
+            </a:schemeClr>
+          </a:solidFill>
+          <a:ln>
+            <a:noFill/>
+          </a:ln>
+        </p:spPr>
+        <p:txBody>
+          <a:bodyPr spcFirstLastPara="1" wrap="square" lIns="91425" tIns="91425" rIns="91425" bIns="91425" anchor="ctr" anchorCtr="0">
+            <a:noAutofit/>
+          </a:bodyPr>
+          <a:lstStyle/>
+          <a:p>
+            <a:pPr marL="0" lvl="0" indent="0" algn="ctr" rtl="0">
+              <a:spcBef>
+                <a:spcPts val="0"/>
+              </a:spcBef>
+              <a:spcAft>
+                <a:spcPts val="0"/>
+              </a:spcAft>
+              <a:buNone/>
+            </a:pPr>
+            <a:endParaRPr>
+              <a:solidFill>
+                <a:schemeClr val="bg2"/>
+              </a:solidFill>
+              <a:latin typeface="Cabin"/>
+              <a:ea typeface="Cabin"/>
+              <a:cs typeface="Cabin"/>
+              <a:sym typeface="Cabin"/>
+            </a:endParaRPr>
+          </a:p>
+        </p:txBody>
+      </p:sp>
+      <p:sp>
+        <p:nvSpPr>
+          <p:cNvPr id="6" name="Google Shape;204;p27">
+            <a:extLst>
+              <a:ext uri="{FF2B5EF4-FFF2-40B4-BE49-F238E27FC236}">
+                <a16:creationId xmlns:a16="http://schemas.microsoft.com/office/drawing/2014/main" id="{9E3D8064-A1CD-3152-72E2-5268A57298B1}"/>
+              </a:ext>
+            </a:extLst>
+          </p:cNvPr>
+          <p:cNvSpPr/>
+          <p:nvPr/>
+        </p:nvSpPr>
+        <p:spPr>
+          <a:xfrm>
+            <a:off x="-162429" y="1674805"/>
+            <a:ext cx="13017600" cy="18000"/>
+          </a:xfrm>
+          <a:prstGeom prst="rect">
+            <a:avLst/>
+          </a:prstGeom>
+          <a:solidFill>
+            <a:schemeClr val="accent1">
+              <a:lumMod val="60000"/>
+              <a:lumOff val="40000"/>
+            </a:schemeClr>
+          </a:solidFill>
+          <a:ln>
+            <a:noFill/>
+          </a:ln>
+        </p:spPr>
+        <p:txBody>
+          <a:bodyPr spcFirstLastPara="1" wrap="square" lIns="91425" tIns="91425" rIns="91425" bIns="91425" anchor="ctr" anchorCtr="0">
+            <a:noAutofit/>
+          </a:bodyPr>
+          <a:lstStyle/>
+          <a:p>
+            <a:pPr marL="0" lvl="0" indent="0" algn="ctr" rtl="0">
+              <a:spcBef>
+                <a:spcPts val="0"/>
+              </a:spcBef>
+              <a:spcAft>
+                <a:spcPts val="0"/>
+              </a:spcAft>
+              <a:buNone/>
+            </a:pPr>
+            <a:endParaRPr>
+              <a:solidFill>
+                <a:schemeClr val="bg2"/>
+              </a:solidFill>
+              <a:latin typeface="Cabin"/>
+              <a:ea typeface="Cabin"/>
+              <a:cs typeface="Cabin"/>
+              <a:sym typeface="Cabin"/>
+            </a:endParaRPr>
+          </a:p>
+        </p:txBody>
+      </p:sp>
+      <p:sp>
+        <p:nvSpPr>
+          <p:cNvPr id="7" name="Google Shape;288;p35">
+            <a:extLst>
+              <a:ext uri="{FF2B5EF4-FFF2-40B4-BE49-F238E27FC236}">
+                <a16:creationId xmlns:a16="http://schemas.microsoft.com/office/drawing/2014/main" id="{D0A10D39-9C11-ADC1-24BB-1E85DE093178}"/>
+              </a:ext>
+            </a:extLst>
+          </p:cNvPr>
+          <p:cNvSpPr txBox="1">
+            <a:spLocks/>
+          </p:cNvSpPr>
+          <p:nvPr/>
+        </p:nvSpPr>
+        <p:spPr>
+          <a:xfrm>
+            <a:off x="4628176" y="1979502"/>
+            <a:ext cx="2935647" cy="657321"/>
+          </a:xfrm>
+          <a:prstGeom prst="rect">
+            <a:avLst/>
+          </a:prstGeom>
+        </p:spPr>
+        <p:txBody>
+          <a:bodyPr spcFirstLastPara="1" wrap="square" lIns="91425" tIns="91425" rIns="91425" bIns="91425" anchor="b" anchorCtr="0">
+            <a:noAutofit/>
+          </a:bodyPr>
+          <a:lstStyle>
+            <a:defPPr marR="0" lvl="0" algn="l" rtl="0">
+              <a:lnSpc>
+                <a:spcPct val="100000"/>
+              </a:lnSpc>
+              <a:spcBef>
+                <a:spcPts val="0"/>
+              </a:spcBef>
+              <a:spcAft>
+                <a:spcPts val="0"/>
+              </a:spcAft>
+            </a:defPPr>
+            <a:lvl1pPr marR="0" lvl="0" algn="l" rtl="0">
+              <a:lnSpc>
+                <a:spcPct val="100000"/>
+              </a:lnSpc>
+              <a:spcBef>
+                <a:spcPts val="0"/>
+              </a:spcBef>
+              <a:spcAft>
+                <a:spcPts val="0"/>
+              </a:spcAft>
+              <a:buClr>
+                <a:srgbClr val="000000"/>
+              </a:buClr>
+              <a:buFont typeface="Arial"/>
+              <a:defRPr sz="1400" b="0" i="0" u="none" strike="noStrike" cap="none">
+                <a:solidFill>
+                  <a:srgbClr val="000000"/>
+                </a:solidFill>
+                <a:latin typeface="Arial"/>
+                <a:ea typeface="Arial"/>
+                <a:cs typeface="Arial"/>
+                <a:sym typeface="Arial"/>
+              </a:defRPr>
+            </a:lvl1pPr>
+            <a:lvl2pPr marR="0" lvl="1" algn="l" rtl="0">
+              <a:lnSpc>
+                <a:spcPct val="100000"/>
+              </a:lnSpc>
+              <a:spcBef>
+                <a:spcPts val="0"/>
+              </a:spcBef>
+              <a:spcAft>
+                <a:spcPts val="0"/>
+              </a:spcAft>
+              <a:buClr>
+                <a:srgbClr val="000000"/>
+              </a:buClr>
+              <a:buFont typeface="Arial"/>
+              <a:defRPr sz="1400" b="0" i="0" u="none" strike="noStrike" cap="none">
+                <a:solidFill>
+                  <a:srgbClr val="000000"/>
+                </a:solidFill>
+                <a:latin typeface="Arial"/>
+                <a:ea typeface="Arial"/>
+                <a:cs typeface="Arial"/>
+                <a:sym typeface="Arial"/>
+              </a:defRPr>
+            </a:lvl2pPr>
+            <a:lvl3pPr marR="0" lvl="2" algn="l" rtl="0">
+              <a:lnSpc>
+                <a:spcPct val="100000"/>
+              </a:lnSpc>
+              <a:spcBef>
+                <a:spcPts val="0"/>
+              </a:spcBef>
+              <a:spcAft>
+                <a:spcPts val="0"/>
+              </a:spcAft>
+              <a:buClr>
+                <a:srgbClr val="000000"/>
+              </a:buClr>
+              <a:buFont typeface="Arial"/>
+              <a:defRPr sz="1400" b="0" i="0" u="none" strike="noStrike" cap="none">
+                <a:solidFill>
+                  <a:srgbClr val="000000"/>
+                </a:solidFill>
+                <a:latin typeface="Arial"/>
+                <a:ea typeface="Arial"/>
+                <a:cs typeface="Arial"/>
+                <a:sym typeface="Arial"/>
+              </a:defRPr>
+            </a:lvl3pPr>
+            <a:lvl4pPr marR="0" lvl="3" algn="l" rtl="0">
+              <a:lnSpc>
+                <a:spcPct val="100000"/>
+              </a:lnSpc>
+              <a:spcBef>
+                <a:spcPts val="0"/>
+              </a:spcBef>
+              <a:spcAft>
+                <a:spcPts val="0"/>
+              </a:spcAft>
+              <a:buClr>
+                <a:srgbClr val="000000"/>
+              </a:buClr>
+              <a:buFont typeface="Arial"/>
+              <a:defRPr sz="1400" b="0" i="0" u="none" strike="noStrike" cap="none">
+                <a:solidFill>
+                  <a:srgbClr val="000000"/>
+                </a:solidFill>
+                <a:latin typeface="Arial"/>
+                <a:ea typeface="Arial"/>
+                <a:cs typeface="Arial"/>
+                <a:sym typeface="Arial"/>
+              </a:defRPr>
+            </a:lvl4pPr>
+            <a:lvl5pPr marR="0" lvl="4" algn="l" rtl="0">
+              <a:lnSpc>
+                <a:spcPct val="100000"/>
+              </a:lnSpc>
+              <a:spcBef>
+                <a:spcPts val="0"/>
+              </a:spcBef>
+              <a:spcAft>
+                <a:spcPts val="0"/>
+              </a:spcAft>
+              <a:buClr>
+                <a:srgbClr val="000000"/>
+              </a:buClr>
+              <a:buFont typeface="Arial"/>
+              <a:defRPr sz="1400" b="0" i="0" u="none" strike="noStrike" cap="none">
+                <a:solidFill>
+                  <a:srgbClr val="000000"/>
+                </a:solidFill>
+                <a:latin typeface="Arial"/>
+                <a:ea typeface="Arial"/>
+                <a:cs typeface="Arial"/>
+                <a:sym typeface="Arial"/>
+              </a:defRPr>
+            </a:lvl5pPr>
+            <a:lvl6pPr marR="0" lvl="5" algn="l" rtl="0">
+              <a:lnSpc>
+                <a:spcPct val="100000"/>
+              </a:lnSpc>
+              <a:spcBef>
+                <a:spcPts val="0"/>
+              </a:spcBef>
+              <a:spcAft>
+                <a:spcPts val="0"/>
+              </a:spcAft>
+              <a:buClr>
+                <a:srgbClr val="000000"/>
+              </a:buClr>
+              <a:buFont typeface="Arial"/>
+              <a:defRPr sz="1400" b="0" i="0" u="none" strike="noStrike" cap="none">
+                <a:solidFill>
+                  <a:srgbClr val="000000"/>
+                </a:solidFill>
+                <a:latin typeface="Arial"/>
+                <a:ea typeface="Arial"/>
+                <a:cs typeface="Arial"/>
+                <a:sym typeface="Arial"/>
+              </a:defRPr>
+            </a:lvl6pPr>
+            <a:lvl7pPr marR="0" lvl="6" algn="l" rtl="0">
+              <a:lnSpc>
+                <a:spcPct val="100000"/>
+              </a:lnSpc>
+              <a:spcBef>
+                <a:spcPts val="0"/>
+              </a:spcBef>
+              <a:spcAft>
+                <a:spcPts val="0"/>
+              </a:spcAft>
+              <a:buClr>
+                <a:srgbClr val="000000"/>
+              </a:buClr>
+              <a:buFont typeface="Arial"/>
+              <a:defRPr sz="1400" b="0" i="0" u="none" strike="noStrike" cap="none">
+                <a:solidFill>
+                  <a:srgbClr val="000000"/>
+                </a:solidFill>
+                <a:latin typeface="Arial"/>
+                <a:ea typeface="Arial"/>
+                <a:cs typeface="Arial"/>
+                <a:sym typeface="Arial"/>
+              </a:defRPr>
+            </a:lvl7pPr>
+            <a:lvl8pPr marR="0" lvl="7" algn="l" rtl="0">
+              <a:lnSpc>
+                <a:spcPct val="100000"/>
+              </a:lnSpc>
+              <a:spcBef>
+                <a:spcPts val="0"/>
+              </a:spcBef>
+              <a:spcAft>
+                <a:spcPts val="0"/>
+              </a:spcAft>
+              <a:buClr>
+                <a:srgbClr val="000000"/>
+              </a:buClr>
+              <a:buFont typeface="Arial"/>
+              <a:defRPr sz="1400" b="0" i="0" u="none" strike="noStrike" cap="none">
+                <a:solidFill>
+                  <a:srgbClr val="000000"/>
+                </a:solidFill>
+                <a:latin typeface="Arial"/>
+                <a:ea typeface="Arial"/>
+                <a:cs typeface="Arial"/>
+                <a:sym typeface="Arial"/>
+              </a:defRPr>
+            </a:lvl8pPr>
+            <a:lvl9pPr marR="0" lvl="8" algn="l" rtl="0">
+              <a:lnSpc>
+                <a:spcPct val="100000"/>
+              </a:lnSpc>
+              <a:spcBef>
+                <a:spcPts val="0"/>
+              </a:spcBef>
+              <a:spcAft>
+                <a:spcPts val="0"/>
+              </a:spcAft>
+              <a:buClr>
+                <a:srgbClr val="000000"/>
+              </a:buClr>
+              <a:buFont typeface="Arial"/>
+              <a:defRPr sz="1400" b="0" i="0" u="none" strike="noStrike" cap="none">
+                <a:solidFill>
+                  <a:srgbClr val="000000"/>
+                </a:solidFill>
+                <a:latin typeface="Arial"/>
+                <a:ea typeface="Arial"/>
+                <a:cs typeface="Arial"/>
+                <a:sym typeface="Arial"/>
+              </a:defRPr>
+            </a:lvl9pPr>
+          </a:lstStyle>
+          <a:p>
+            <a:endParaRPr lang="en-GB" sz="3600" b="1" u="sng" dirty="0">
+              <a:solidFill>
+                <a:schemeClr val="bg1"/>
+              </a:solidFill>
+              <a:latin typeface="Montserrat Alternates" panose="020B0604020202020204" charset="0"/>
+              <a:sym typeface="DM Sans"/>
+            </a:endParaRPr>
+          </a:p>
+        </p:txBody>
+      </p:sp>
+      <p:sp>
+        <p:nvSpPr>
+          <p:cNvPr id="8" name="Google Shape;265;p33">
+            <a:extLst>
+              <a:ext uri="{FF2B5EF4-FFF2-40B4-BE49-F238E27FC236}">
+                <a16:creationId xmlns:a16="http://schemas.microsoft.com/office/drawing/2014/main" id="{2F4C5D61-4955-D0FC-D5E5-F672B5A885A6}"/>
+              </a:ext>
+            </a:extLst>
+          </p:cNvPr>
+          <p:cNvSpPr txBox="1">
+            <a:spLocks/>
+          </p:cNvSpPr>
+          <p:nvPr/>
+        </p:nvSpPr>
+        <p:spPr>
+          <a:xfrm>
+            <a:off x="4269441" y="2308162"/>
+            <a:ext cx="4882854" cy="1714847"/>
+          </a:xfrm>
+          <a:prstGeom prst="rect">
+            <a:avLst/>
+          </a:prstGeom>
+          <a:noFill/>
+          <a:ln>
+            <a:noFill/>
+          </a:ln>
+        </p:spPr>
+        <p:txBody>
+          <a:bodyPr spcFirstLastPara="1" wrap="square" lIns="91425" tIns="91425" rIns="91425" bIns="91425" anchor="t" anchorCtr="0">
+            <a:noAutofit/>
+          </a:bodyPr>
+          <a:lstStyle>
+            <a:defPPr marR="0" lvl="0" algn="l" rtl="0">
+              <a:lnSpc>
+                <a:spcPct val="100000"/>
+              </a:lnSpc>
+              <a:spcBef>
+                <a:spcPts val="0"/>
+              </a:spcBef>
+              <a:spcAft>
+                <a:spcPts val="0"/>
+              </a:spcAft>
+            </a:defPPr>
+            <a:lvl1pPr marL="457200" marR="0" lvl="0" indent="-304800" algn="l" rtl="0">
+              <a:lnSpc>
+                <a:spcPct val="100000"/>
+              </a:lnSpc>
+              <a:spcBef>
+                <a:spcPts val="0"/>
+              </a:spcBef>
+              <a:spcAft>
+                <a:spcPts val="0"/>
+              </a:spcAft>
+              <a:buClr>
+                <a:schemeClr val="dk1"/>
+              </a:buClr>
+              <a:buSzPts val="1200"/>
+              <a:buFont typeface="DM Sans"/>
+              <a:buNone/>
+              <a:defRPr sz="1200" b="0" i="0" u="none" strike="noStrike" cap="none">
+                <a:solidFill>
+                  <a:schemeClr val="dk1"/>
+                </a:solidFill>
+                <a:latin typeface="DM Sans"/>
+                <a:ea typeface="DM Sans"/>
+                <a:cs typeface="DM Sans"/>
+                <a:sym typeface="DM Sans"/>
+              </a:defRPr>
+            </a:lvl1pPr>
+            <a:lvl2pPr marL="914400" marR="0" lvl="1" indent="-304800" algn="ctr" rtl="0">
+              <a:lnSpc>
+                <a:spcPct val="100000"/>
+              </a:lnSpc>
+              <a:spcBef>
+                <a:spcPts val="0"/>
+              </a:spcBef>
+              <a:spcAft>
+                <a:spcPts val="0"/>
+              </a:spcAft>
+              <a:buClr>
+                <a:schemeClr val="dk1"/>
+              </a:buClr>
+              <a:buSzPts val="1200"/>
+              <a:buFont typeface="DM Sans"/>
+              <a:buNone/>
+              <a:defRPr sz="1200" b="0" i="0" u="none" strike="noStrike" cap="none">
+                <a:solidFill>
+                  <a:schemeClr val="dk1"/>
+                </a:solidFill>
+                <a:latin typeface="DM Sans"/>
+                <a:ea typeface="DM Sans"/>
+                <a:cs typeface="DM Sans"/>
+                <a:sym typeface="DM Sans"/>
+              </a:defRPr>
+            </a:lvl2pPr>
+            <a:lvl3pPr marL="1371600" marR="0" lvl="2" indent="-304800" algn="ctr" rtl="0">
+              <a:lnSpc>
+                <a:spcPct val="100000"/>
+              </a:lnSpc>
+              <a:spcBef>
+                <a:spcPts val="0"/>
+              </a:spcBef>
+              <a:spcAft>
+                <a:spcPts val="0"/>
+              </a:spcAft>
+              <a:buClr>
+                <a:schemeClr val="dk1"/>
+              </a:buClr>
+              <a:buSzPts val="1200"/>
+              <a:buFont typeface="DM Sans"/>
+              <a:buNone/>
+              <a:defRPr sz="1200" b="0" i="0" u="none" strike="noStrike" cap="none">
+                <a:solidFill>
+                  <a:schemeClr val="dk1"/>
+                </a:solidFill>
+                <a:latin typeface="DM Sans"/>
+                <a:ea typeface="DM Sans"/>
+                <a:cs typeface="DM Sans"/>
+                <a:sym typeface="DM Sans"/>
+              </a:defRPr>
+            </a:lvl3pPr>
+            <a:lvl4pPr marL="1828800" marR="0" lvl="3" indent="-304800" algn="ctr" rtl="0">
+              <a:lnSpc>
+                <a:spcPct val="100000"/>
+              </a:lnSpc>
+              <a:spcBef>
+                <a:spcPts val="0"/>
+              </a:spcBef>
+              <a:spcAft>
+                <a:spcPts val="0"/>
+              </a:spcAft>
+              <a:buClr>
+                <a:schemeClr val="dk1"/>
+              </a:buClr>
+              <a:buSzPts val="1200"/>
+              <a:buFont typeface="DM Sans"/>
+              <a:buNone/>
+              <a:defRPr sz="1200" b="0" i="0" u="none" strike="noStrike" cap="none">
+                <a:solidFill>
+                  <a:schemeClr val="dk1"/>
+                </a:solidFill>
+                <a:latin typeface="DM Sans"/>
+                <a:ea typeface="DM Sans"/>
+                <a:cs typeface="DM Sans"/>
+                <a:sym typeface="DM Sans"/>
+              </a:defRPr>
+            </a:lvl4pPr>
+            <a:lvl5pPr marL="2286000" marR="0" lvl="4" indent="-304800" algn="ctr" rtl="0">
+              <a:lnSpc>
+                <a:spcPct val="100000"/>
+              </a:lnSpc>
+              <a:spcBef>
+                <a:spcPts val="0"/>
+              </a:spcBef>
+              <a:spcAft>
+                <a:spcPts val="0"/>
+              </a:spcAft>
+              <a:buClr>
+                <a:schemeClr val="dk1"/>
+              </a:buClr>
+              <a:buSzPts val="1200"/>
+              <a:buFont typeface="DM Sans"/>
+              <a:buNone/>
+              <a:defRPr sz="1200" b="0" i="0" u="none" strike="noStrike" cap="none">
+                <a:solidFill>
+                  <a:schemeClr val="dk1"/>
+                </a:solidFill>
+                <a:latin typeface="DM Sans"/>
+                <a:ea typeface="DM Sans"/>
+                <a:cs typeface="DM Sans"/>
+                <a:sym typeface="DM Sans"/>
+              </a:defRPr>
+            </a:lvl5pPr>
+            <a:lvl6pPr marL="2743200" marR="0" lvl="5" indent="-304800" algn="ctr" rtl="0">
+              <a:lnSpc>
+                <a:spcPct val="100000"/>
+              </a:lnSpc>
+              <a:spcBef>
+                <a:spcPts val="0"/>
+              </a:spcBef>
+              <a:spcAft>
+                <a:spcPts val="0"/>
+              </a:spcAft>
+              <a:buClr>
+                <a:schemeClr val="dk1"/>
+              </a:buClr>
+              <a:buSzPts val="1200"/>
+              <a:buFont typeface="DM Sans"/>
+              <a:buNone/>
+              <a:defRPr sz="1200" b="0" i="0" u="none" strike="noStrike" cap="none">
+                <a:solidFill>
+                  <a:schemeClr val="dk1"/>
+                </a:solidFill>
+                <a:latin typeface="DM Sans"/>
+                <a:ea typeface="DM Sans"/>
+                <a:cs typeface="DM Sans"/>
+                <a:sym typeface="DM Sans"/>
+              </a:defRPr>
+            </a:lvl6pPr>
+            <a:lvl7pPr marL="3200400" marR="0" lvl="6" indent="-304800" algn="ctr" rtl="0">
+              <a:lnSpc>
+                <a:spcPct val="100000"/>
+              </a:lnSpc>
+              <a:spcBef>
+                <a:spcPts val="0"/>
+              </a:spcBef>
+              <a:spcAft>
+                <a:spcPts val="0"/>
+              </a:spcAft>
+              <a:buClr>
+                <a:schemeClr val="dk1"/>
+              </a:buClr>
+              <a:buSzPts val="1200"/>
+              <a:buFont typeface="DM Sans"/>
+              <a:buNone/>
+              <a:defRPr sz="1200" b="0" i="0" u="none" strike="noStrike" cap="none">
+                <a:solidFill>
+                  <a:schemeClr val="dk1"/>
+                </a:solidFill>
+                <a:latin typeface="DM Sans"/>
+                <a:ea typeface="DM Sans"/>
+                <a:cs typeface="DM Sans"/>
+                <a:sym typeface="DM Sans"/>
+              </a:defRPr>
+            </a:lvl7pPr>
+            <a:lvl8pPr marL="3657600" marR="0" lvl="7" indent="-304800" algn="ctr" rtl="0">
+              <a:lnSpc>
+                <a:spcPct val="100000"/>
+              </a:lnSpc>
+              <a:spcBef>
+                <a:spcPts val="0"/>
+              </a:spcBef>
+              <a:spcAft>
+                <a:spcPts val="0"/>
+              </a:spcAft>
+              <a:buClr>
+                <a:schemeClr val="dk1"/>
+              </a:buClr>
+              <a:buSzPts val="1200"/>
+              <a:buFont typeface="DM Sans"/>
+              <a:buNone/>
+              <a:defRPr sz="1200" b="0" i="0" u="none" strike="noStrike" cap="none">
+                <a:solidFill>
+                  <a:schemeClr val="dk1"/>
+                </a:solidFill>
+                <a:latin typeface="DM Sans"/>
+                <a:ea typeface="DM Sans"/>
+                <a:cs typeface="DM Sans"/>
+                <a:sym typeface="DM Sans"/>
+              </a:defRPr>
+            </a:lvl8pPr>
+            <a:lvl9pPr marL="4114800" marR="0" lvl="8" indent="-304800" algn="ctr" rtl="0">
+              <a:lnSpc>
+                <a:spcPct val="100000"/>
+              </a:lnSpc>
+              <a:spcBef>
+                <a:spcPts val="0"/>
+              </a:spcBef>
+              <a:spcAft>
+                <a:spcPts val="0"/>
+              </a:spcAft>
+              <a:buClr>
+                <a:schemeClr val="dk1"/>
+              </a:buClr>
+              <a:buSzPts val="1200"/>
+              <a:buFont typeface="DM Sans"/>
+              <a:buNone/>
+              <a:defRPr sz="1200" b="0" i="0" u="none" strike="noStrike" cap="none">
+                <a:solidFill>
+                  <a:schemeClr val="dk1"/>
+                </a:solidFill>
+                <a:latin typeface="DM Sans"/>
+                <a:ea typeface="DM Sans"/>
+                <a:cs typeface="DM Sans"/>
+                <a:sym typeface="DM Sans"/>
+              </a:defRPr>
+            </a:lvl9pPr>
+          </a:lstStyle>
+          <a:p>
+            <a:pPr marL="171450" indent="-171450">
+              <a:buClr>
+                <a:schemeClr val="bg1"/>
+              </a:buClr>
+              <a:buFontTx/>
+              <a:buChar char="−"/>
+            </a:pPr>
+            <a:r>
+              <a:rPr lang="en-GB" sz="2000" dirty="0">
+                <a:solidFill>
+                  <a:schemeClr val="bg1"/>
+                </a:solidFill>
+                <a:latin typeface="Montserrat Alternates" panose="020B0604020202020204" charset="0"/>
+              </a:rPr>
+              <a:t>More advanced discount system</a:t>
+            </a:r>
+            <a:r>
+              <a:rPr lang="en-NL" sz="2000" dirty="0">
+                <a:solidFill>
+                  <a:schemeClr val="bg1"/>
+                </a:solidFill>
+                <a:latin typeface="Montserrat Alternates" panose="020B0604020202020204" charset="0"/>
+              </a:rPr>
+              <a:t>.</a:t>
+            </a:r>
+          </a:p>
+          <a:p>
+            <a:pPr marL="0" indent="0">
+              <a:buClr>
+                <a:schemeClr val="bg1"/>
+              </a:buClr>
+            </a:pPr>
+            <a:endParaRPr lang="en-GB" sz="2000" dirty="0">
+              <a:solidFill>
+                <a:schemeClr val="bg1"/>
+              </a:solidFill>
+              <a:latin typeface="Montserrat Alternates" panose="020B0604020202020204" charset="0"/>
+            </a:endParaRPr>
+          </a:p>
+          <a:p>
+            <a:pPr marL="171450" indent="-171450">
+              <a:buClr>
+                <a:schemeClr val="bg1"/>
+              </a:buClr>
+              <a:buFontTx/>
+              <a:buChar char="−"/>
+            </a:pPr>
+            <a:r>
+              <a:rPr lang="en-GB" sz="2000" dirty="0">
+                <a:solidFill>
+                  <a:schemeClr val="bg1"/>
+                </a:solidFill>
+                <a:latin typeface="Montserrat Alternates" panose="020B0604020202020204" charset="0"/>
+              </a:rPr>
+              <a:t>Administration page</a:t>
+            </a:r>
+            <a:r>
+              <a:rPr lang="en-NL" sz="2000" dirty="0">
+                <a:solidFill>
+                  <a:schemeClr val="bg1"/>
+                </a:solidFill>
+                <a:latin typeface="Montserrat Alternates" panose="020B0604020202020204" charset="0"/>
+              </a:rPr>
+              <a:t>.</a:t>
+            </a:r>
+          </a:p>
+          <a:p>
+            <a:pPr marL="0" indent="0">
+              <a:buClr>
+                <a:schemeClr val="bg1"/>
+              </a:buClr>
+            </a:pPr>
+            <a:endParaRPr lang="en-GB" sz="2000" dirty="0">
+              <a:solidFill>
+                <a:schemeClr val="bg1"/>
+              </a:solidFill>
+              <a:latin typeface="Montserrat Alternates" panose="020B0604020202020204" charset="0"/>
+            </a:endParaRPr>
+          </a:p>
+          <a:p>
+            <a:pPr marL="171450" indent="-171450">
+              <a:buClr>
+                <a:schemeClr val="bg1"/>
+              </a:buClr>
+              <a:buFontTx/>
+              <a:buChar char="−"/>
+            </a:pPr>
+            <a:r>
+              <a:rPr lang="en-GB" sz="2000" dirty="0">
+                <a:solidFill>
+                  <a:schemeClr val="bg1"/>
+                </a:solidFill>
+                <a:latin typeface="Montserrat Alternates" panose="020B0604020202020204" charset="0"/>
+              </a:rPr>
+              <a:t>Employee platform</a:t>
+            </a:r>
+            <a:r>
+              <a:rPr lang="en-NL" sz="2000" dirty="0">
+                <a:solidFill>
+                  <a:schemeClr val="bg1"/>
+                </a:solidFill>
+                <a:latin typeface="Montserrat Alternates" panose="020B0604020202020204" charset="0"/>
+              </a:rPr>
+              <a:t>.</a:t>
+            </a:r>
+          </a:p>
+          <a:p>
+            <a:pPr marL="0" indent="0">
+              <a:buClr>
+                <a:schemeClr val="bg1"/>
+              </a:buClr>
+            </a:pPr>
+            <a:endParaRPr lang="en-GB" sz="2000" dirty="0">
+              <a:solidFill>
+                <a:schemeClr val="bg1"/>
+              </a:solidFill>
+              <a:latin typeface="Montserrat Alternates" panose="020B0604020202020204" charset="0"/>
+            </a:endParaRPr>
+          </a:p>
+          <a:p>
+            <a:pPr marL="171450" indent="-171450">
+              <a:buClr>
+                <a:schemeClr val="bg1"/>
+              </a:buClr>
+              <a:buFontTx/>
+              <a:buChar char="−"/>
+            </a:pPr>
+            <a:r>
+              <a:rPr lang="en-GB" sz="2000" dirty="0">
+                <a:solidFill>
+                  <a:schemeClr val="bg1"/>
+                </a:solidFill>
+                <a:latin typeface="Montserrat Alternates" panose="020B0604020202020204" charset="0"/>
+              </a:rPr>
+              <a:t>Add accessories logic</a:t>
+            </a:r>
+            <a:r>
+              <a:rPr lang="en-NL" sz="2000" dirty="0">
+                <a:solidFill>
+                  <a:schemeClr val="bg1"/>
+                </a:solidFill>
+                <a:latin typeface="Montserrat Alternates" panose="020B0604020202020204" charset="0"/>
+              </a:rPr>
+              <a:t>.</a:t>
+            </a:r>
+            <a:endParaRPr lang="en-GB" sz="2000" dirty="0">
+              <a:solidFill>
+                <a:schemeClr val="bg1"/>
+              </a:solidFill>
+              <a:latin typeface="Montserrat Alternates" panose="020B0604020202020204" charset="0"/>
+            </a:endParaRPr>
+          </a:p>
+        </p:txBody>
+      </p:sp>
+    </p:spTree>
+    <p:extLst>
+      <p:ext uri="{BB962C8B-B14F-4D97-AF65-F5344CB8AC3E}">
+        <p14:creationId xmlns:p14="http://schemas.microsoft.com/office/powerpoint/2010/main" val="837450238"/>
+      </p:ext>
+    </p:extLst>
+  </p:cSld>
+  <p:clrMapOvr>
+    <a:masterClrMapping/>
+  </p:clrMapOvr>
+  <mc:AlternateContent xmlns:mc="http://schemas.openxmlformats.org/markup-compatibility/2006" xmlns:p14="http://schemas.microsoft.com/office/powerpoint/2010/main">
+    <mc:Choice Requires="p14">
+      <p:transition spd="slow" p14:dur="1400">
+        <p14:ripple/>
+      </p:transition>
+    </mc:Choice>
+    <mc:Fallback xmlns="">
+      <p:transition spd="slow">
+        <p:fade/>
+      </p:transition>
+    </mc:Fallback>
+  </mc:AlternateContent>
+</p:sld>
+</file>
+
+<file path=ppt/slides/slide8.xml><?xml version="1.0" encoding="utf-8"?>
+<p:sld xmlns:a="http://schemas.openxmlformats.org/drawingml/2006/main" xmlns:r="http://schemas.openxmlformats.org/officeDocument/2006/relationships" xmlns:p="http://schemas.openxmlformats.org/presentationml/2006/main">
+  <p:cSld>
+    <p:bg>
+      <p:bgPr>
+        <a:gradFill>
+          <a:gsLst>
+            <a:gs pos="0">
+              <a:schemeClr val="tx1"/>
+            </a:gs>
+            <a:gs pos="34000">
+              <a:schemeClr val="tx1">
+                <a:lumMod val="85000"/>
+                <a:lumOff val="15000"/>
+              </a:schemeClr>
+            </a:gs>
+            <a:gs pos="73000">
+              <a:schemeClr val="tx1">
+                <a:lumMod val="75000"/>
+                <a:lumOff val="25000"/>
+              </a:schemeClr>
+            </a:gs>
+            <a:gs pos="100000">
+              <a:schemeClr val="tx1"/>
+            </a:gs>
+          </a:gsLst>
+          <a:lin ang="5400000" scaled="1"/>
+        </a:gradFill>
+        <a:effectLst/>
+      </p:bgPr>
+    </p:bg>
+    <p:spTree>
+      <p:nvGrpSpPr>
+        <p:cNvPr id="1" name=""/>
+        <p:cNvGrpSpPr/>
+        <p:nvPr/>
+      </p:nvGrpSpPr>
+      <p:grpSpPr>
+        <a:xfrm>
+          <a:off x="0" y="0"/>
+          <a:ext cx="0" cy="0"/>
+          <a:chOff x="0" y="0"/>
+          <a:chExt cx="0" cy="0"/>
+        </a:xfrm>
+      </p:grpSpPr>
+      <p:sp>
+        <p:nvSpPr>
           <p:cNvPr id="9" name="TextBox 8">
             <a:extLst>
               <a:ext uri="{FF2B5EF4-FFF2-40B4-BE49-F238E27FC236}">
@@ -10238,8 +11643,27 @@
                   </a:schemeClr>
                 </a:solidFill>
               </a:rPr>
-              <a:t>05</a:t>
-            </a:r>
+              <a:t>0</a:t>
+            </a:r>
+            <a:r>
+              <a:rPr lang="en-NL" sz="6600" u="sng" dirty="0">
+                <a:solidFill>
+                  <a:schemeClr val="accent1">
+                    <a:lumMod val="60000"/>
+                    <a:lumOff val="40000"/>
+                  </a:schemeClr>
+                </a:solidFill>
+              </a:rPr>
+              <a:t>6</a:t>
+            </a:r>
+            <a:endParaRPr lang="en" sz="6600" u="sng" dirty="0">
+              <a:solidFill>
+                <a:schemeClr val="accent1">
+                  <a:lumMod val="60000"/>
+                  <a:lumOff val="40000"/>
+                </a:schemeClr>
+              </a:solidFill>
+            </a:endParaRPr>
           </a:p>
         </p:txBody>
       </p:sp>
@@ -10253,13 +11677,13 @@
   <p:clrMapOvr>
     <a:masterClrMapping/>
   </p:clrMapOvr>
-  <mc:AlternateContent xmlns:mc="http://schemas.openxmlformats.org/markup-compatibility/2006">
-    <mc:Choice xmlns:p15="http://schemas.microsoft.com/office/powerpoint/2012/main" Requires="p15">
+  <mc:AlternateContent xmlns:mc="http://schemas.openxmlformats.org/markup-compatibility/2006" xmlns:p15="http://schemas.microsoft.com/office/powerpoint/2012/main">
+    <mc:Choice Requires="p15">
       <p:transition xmlns:p14="http://schemas.microsoft.com/office/powerpoint/2010/main" spd="slow" p14:dur="1250">
         <p15:prstTrans prst="peelOff"/>
       </p:transition>
     </mc:Choice>
-    <mc:Fallback>
+    <mc:Fallback xmlns="">
       <p:transition spd="slow">
         <p:fade/>
       </p:transition>
